--- a/VEM_2013/figuras.pptx
+++ b/VEM_2013/figuras.pptx
@@ -310,7 +310,7 @@
             <a:fld id="{27A4DF86-CAB7-4EBF-8027-DB7402C0E429}" type="datetimeFigureOut">
               <a:rPr lang="pt-BR" smtClean="0"/>
               <a:pPr/>
-              <a:t>14/06/2013</a:t>
+              <a:t>18/09/2013</a:t>
             </a:fld>
             <a:endParaRPr lang="pt-BR"/>
           </a:p>
@@ -477,7 +477,7 @@
             <a:fld id="{27A4DF86-CAB7-4EBF-8027-DB7402C0E429}" type="datetimeFigureOut">
               <a:rPr lang="pt-BR" smtClean="0"/>
               <a:pPr/>
-              <a:t>14/06/2013</a:t>
+              <a:t>18/09/2013</a:t>
             </a:fld>
             <a:endParaRPr lang="pt-BR"/>
           </a:p>
@@ -654,7 +654,7 @@
             <a:fld id="{27A4DF86-CAB7-4EBF-8027-DB7402C0E429}" type="datetimeFigureOut">
               <a:rPr lang="pt-BR" smtClean="0"/>
               <a:pPr/>
-              <a:t>14/06/2013</a:t>
+              <a:t>18/09/2013</a:t>
             </a:fld>
             <a:endParaRPr lang="pt-BR"/>
           </a:p>
@@ -821,7 +821,7 @@
             <a:fld id="{27A4DF86-CAB7-4EBF-8027-DB7402C0E429}" type="datetimeFigureOut">
               <a:rPr lang="pt-BR" smtClean="0"/>
               <a:pPr/>
-              <a:t>14/06/2013</a:t>
+              <a:t>18/09/2013</a:t>
             </a:fld>
             <a:endParaRPr lang="pt-BR"/>
           </a:p>
@@ -1064,7 +1064,7 @@
             <a:fld id="{27A4DF86-CAB7-4EBF-8027-DB7402C0E429}" type="datetimeFigureOut">
               <a:rPr lang="pt-BR" smtClean="0"/>
               <a:pPr/>
-              <a:t>14/06/2013</a:t>
+              <a:t>18/09/2013</a:t>
             </a:fld>
             <a:endParaRPr lang="pt-BR"/>
           </a:p>
@@ -1349,7 +1349,7 @@
             <a:fld id="{27A4DF86-CAB7-4EBF-8027-DB7402C0E429}" type="datetimeFigureOut">
               <a:rPr lang="pt-BR" smtClean="0"/>
               <a:pPr/>
-              <a:t>14/06/2013</a:t>
+              <a:t>18/09/2013</a:t>
             </a:fld>
             <a:endParaRPr lang="pt-BR"/>
           </a:p>
@@ -1768,7 +1768,7 @@
             <a:fld id="{27A4DF86-CAB7-4EBF-8027-DB7402C0E429}" type="datetimeFigureOut">
               <a:rPr lang="pt-BR" smtClean="0"/>
               <a:pPr/>
-              <a:t>14/06/2013</a:t>
+              <a:t>18/09/2013</a:t>
             </a:fld>
             <a:endParaRPr lang="pt-BR"/>
           </a:p>
@@ -1883,7 +1883,7 @@
             <a:fld id="{27A4DF86-CAB7-4EBF-8027-DB7402C0E429}" type="datetimeFigureOut">
               <a:rPr lang="pt-BR" smtClean="0"/>
               <a:pPr/>
-              <a:t>14/06/2013</a:t>
+              <a:t>18/09/2013</a:t>
             </a:fld>
             <a:endParaRPr lang="pt-BR"/>
           </a:p>
@@ -1975,7 +1975,7 @@
             <a:fld id="{27A4DF86-CAB7-4EBF-8027-DB7402C0E429}" type="datetimeFigureOut">
               <a:rPr lang="pt-BR" smtClean="0"/>
               <a:pPr/>
-              <a:t>14/06/2013</a:t>
+              <a:t>18/09/2013</a:t>
             </a:fld>
             <a:endParaRPr lang="pt-BR"/>
           </a:p>
@@ -2249,7 +2249,7 @@
             <a:fld id="{27A4DF86-CAB7-4EBF-8027-DB7402C0E429}" type="datetimeFigureOut">
               <a:rPr lang="pt-BR" smtClean="0"/>
               <a:pPr/>
-              <a:t>14/06/2013</a:t>
+              <a:t>18/09/2013</a:t>
             </a:fld>
             <a:endParaRPr lang="pt-BR"/>
           </a:p>
@@ -2499,7 +2499,7 @@
             <a:fld id="{27A4DF86-CAB7-4EBF-8027-DB7402C0E429}" type="datetimeFigureOut">
               <a:rPr lang="pt-BR" smtClean="0"/>
               <a:pPr/>
-              <a:t>14/06/2013</a:t>
+              <a:t>18/09/2013</a:t>
             </a:fld>
             <a:endParaRPr lang="pt-BR"/>
           </a:p>
@@ -2709,7 +2709,7 @@
             <a:fld id="{27A4DF86-CAB7-4EBF-8027-DB7402C0E429}" type="datetimeFigureOut">
               <a:rPr lang="pt-BR" smtClean="0"/>
               <a:pPr/>
-              <a:t>14/06/2013</a:t>
+              <a:t>18/09/2013</a:t>
             </a:fld>
             <a:endParaRPr lang="pt-BR"/>
           </a:p>
@@ -3667,177 +3667,4325 @@
           <a:chExt cx="0" cy="0"/>
         </a:xfrm>
       </p:grpSpPr>
-      <p:pic>
-        <p:nvPicPr>
-          <p:cNvPr id="1028" name="Picture 4" descr="http://icons.iconarchive.com/icons/itzikgur/my-seven/128/Backup-IBM-Server-icon.png"/>
-          <p:cNvPicPr>
-            <a:picLocks noChangeAspect="1" noChangeArrowheads="1"/>
-          </p:cNvPicPr>
-          <p:nvPr/>
-        </p:nvPicPr>
-        <p:blipFill>
-          <a:blip r:embed="rId2" cstate="print"/>
-          <a:srcRect/>
-          <a:stretch>
-            <a:fillRect/>
-          </a:stretch>
-        </p:blipFill>
-        <p:spPr bwMode="auto">
+      <p:grpSp>
+        <p:nvGrpSpPr>
+          <p:cNvPr id="15" name="Grupo 14"/>
+          <p:cNvGrpSpPr/>
+          <p:nvPr/>
+        </p:nvGrpSpPr>
+        <p:grpSpPr>
           <a:xfrm>
-            <a:off x="3707904" y="908720"/>
-            <a:ext cx="1219200" cy="1219201"/>
-          </a:xfrm>
-          <a:prstGeom prst="rect">
-            <a:avLst/>
-          </a:prstGeom>
+            <a:off x="1331640" y="908720"/>
+            <a:ext cx="6840760" cy="4937774"/>
+            <a:chOff x="1331640" y="908720"/>
+            <a:chExt cx="6840760" cy="4937774"/>
+          </a:xfrm>
+        </p:grpSpPr>
+        <p:pic>
+          <p:nvPicPr>
+            <p:cNvPr id="1028" name="Picture 4" descr="http://icons.iconarchive.com/icons/itzikgur/my-seven/128/Backup-IBM-Server-icon.png"/>
+            <p:cNvPicPr>
+              <a:picLocks noChangeAspect="1" noChangeArrowheads="1"/>
+            </p:cNvPicPr>
+            <p:nvPr/>
+          </p:nvPicPr>
+          <p:blipFill>
+            <a:blip r:embed="rId2" cstate="print"/>
+            <a:srcRect/>
+            <a:stretch>
+              <a:fillRect/>
+            </a:stretch>
+          </p:blipFill>
+          <p:spPr bwMode="auto">
+            <a:xfrm>
+              <a:off x="3707904" y="908720"/>
+              <a:ext cx="1219200" cy="1219201"/>
+            </a:xfrm>
+            <a:prstGeom prst="rect">
+              <a:avLst/>
+            </a:prstGeom>
+            <a:noFill/>
+          </p:spPr>
+        </p:pic>
+        <p:pic>
+          <p:nvPicPr>
+            <p:cNvPr id="1030" name="Picture 6" descr="http://icons.iconarchive.com/icons/tuziibanez/profesional-red/128/network-drive-connected-icon.png"/>
+            <p:cNvPicPr>
+              <a:picLocks noChangeAspect="1" noChangeArrowheads="1"/>
+            </p:cNvPicPr>
+            <p:nvPr/>
+          </p:nvPicPr>
+          <p:blipFill>
+            <a:blip r:embed="rId3" cstate="print"/>
+            <a:srcRect/>
+            <a:stretch>
+              <a:fillRect/>
+            </a:stretch>
+          </p:blipFill>
+          <p:spPr bwMode="auto">
+            <a:xfrm>
+              <a:off x="5940152" y="1052736"/>
+              <a:ext cx="936104" cy="936105"/>
+            </a:xfrm>
+            <a:prstGeom prst="rect">
+              <a:avLst/>
+            </a:prstGeom>
+            <a:noFill/>
+          </p:spPr>
+        </p:pic>
+        <p:pic>
+          <p:nvPicPr>
+            <p:cNvPr id="1032" name="Picture 8" descr="http://icons.iconarchive.com/icons/icons-land/vista-hardware-devices/128/Portable-Computer-icon.png"/>
+            <p:cNvPicPr>
+              <a:picLocks noChangeAspect="1" noChangeArrowheads="1"/>
+            </p:cNvPicPr>
+            <p:nvPr/>
+          </p:nvPicPr>
+          <p:blipFill>
+            <a:blip r:embed="rId4" cstate="print"/>
+            <a:srcRect/>
+            <a:stretch>
+              <a:fillRect/>
+            </a:stretch>
+          </p:blipFill>
+          <p:spPr bwMode="auto">
+            <a:xfrm>
+              <a:off x="4067944" y="2924944"/>
+              <a:ext cx="504055" cy="504056"/>
+            </a:xfrm>
+            <a:prstGeom prst="rect">
+              <a:avLst/>
+            </a:prstGeom>
+            <a:noFill/>
+          </p:spPr>
+        </p:pic>
+        <p:sp>
+          <p:nvSpPr>
+            <p:cNvPr id="12" name="CaixaDeTexto 11"/>
+            <p:cNvSpPr txBox="1"/>
+            <p:nvPr/>
+          </p:nvSpPr>
+          <p:spPr>
+            <a:xfrm>
+              <a:off x="3563888" y="1988840"/>
+              <a:ext cx="1368152" cy="276999"/>
+            </a:xfrm>
+            <a:prstGeom prst="rect">
+              <a:avLst/>
+            </a:prstGeom>
+            <a:noFill/>
+          </p:spPr>
+          <p:txBody>
+            <a:bodyPr wrap="square" rtlCol="0">
+              <a:spAutoFit/>
+            </a:bodyPr>
+            <a:lstStyle/>
+            <a:p>
+              <a:pPr algn="ctr"/>
+              <a:r>
+                <a:rPr lang="pt-BR" sz="1200" b="1" dirty="0" smtClean="0"/>
+                <a:t>Instituto Xavier</a:t>
+              </a:r>
+              <a:endParaRPr lang="pt-BR" sz="1200" b="1" dirty="0"/>
+            </a:p>
+          </p:txBody>
+        </p:sp>
+        <p:pic>
+          <p:nvPicPr>
+            <p:cNvPr id="27" name="Picture 8" descr="http://icons.iconarchive.com/icons/icons-land/vista-hardware-devices/128/Portable-Computer-icon.png"/>
+            <p:cNvPicPr>
+              <a:picLocks noChangeAspect="1" noChangeArrowheads="1"/>
+            </p:cNvPicPr>
+            <p:nvPr/>
+          </p:nvPicPr>
+          <p:blipFill>
+            <a:blip r:embed="rId4" cstate="print"/>
+            <a:srcRect/>
+            <a:stretch>
+              <a:fillRect/>
+            </a:stretch>
+          </p:blipFill>
+          <p:spPr bwMode="auto">
+            <a:xfrm>
+              <a:off x="6228184" y="2852936"/>
+              <a:ext cx="504055" cy="504056"/>
+            </a:xfrm>
+            <a:prstGeom prst="rect">
+              <a:avLst/>
+            </a:prstGeom>
+            <a:noFill/>
+          </p:spPr>
+        </p:pic>
+        <p:pic>
+          <p:nvPicPr>
+            <p:cNvPr id="28" name="Picture 8" descr="http://icons.iconarchive.com/icons/icons-land/vista-hardware-devices/128/Portable-Computer-icon.png"/>
+            <p:cNvPicPr>
+              <a:picLocks noChangeAspect="1" noChangeArrowheads="1"/>
+            </p:cNvPicPr>
+            <p:nvPr/>
+          </p:nvPicPr>
+          <p:blipFill>
+            <a:blip r:embed="rId4" cstate="print"/>
+            <a:srcRect/>
+            <a:stretch>
+              <a:fillRect/>
+            </a:stretch>
+          </p:blipFill>
+          <p:spPr bwMode="auto">
+            <a:xfrm>
+              <a:off x="7236296" y="4077072"/>
+              <a:ext cx="504055" cy="504056"/>
+            </a:xfrm>
+            <a:prstGeom prst="rect">
+              <a:avLst/>
+            </a:prstGeom>
+            <a:noFill/>
+          </p:spPr>
+        </p:pic>
+        <p:pic>
+          <p:nvPicPr>
+            <p:cNvPr id="29" name="Picture 8" descr="http://icons.iconarchive.com/icons/icons-land/vista-hardware-devices/128/Portable-Computer-icon.png"/>
+            <p:cNvPicPr>
+              <a:picLocks noChangeAspect="1" noChangeArrowheads="1"/>
+            </p:cNvPicPr>
+            <p:nvPr/>
+          </p:nvPicPr>
+          <p:blipFill>
+            <a:blip r:embed="rId4" cstate="print"/>
+            <a:srcRect/>
+            <a:stretch>
+              <a:fillRect/>
+            </a:stretch>
+          </p:blipFill>
+          <p:spPr bwMode="auto">
+            <a:xfrm>
+              <a:off x="6228184" y="5157192"/>
+              <a:ext cx="504055" cy="504056"/>
+            </a:xfrm>
+            <a:prstGeom prst="rect">
+              <a:avLst/>
+            </a:prstGeom>
+            <a:noFill/>
+          </p:spPr>
+        </p:pic>
+        <p:pic>
+          <p:nvPicPr>
+            <p:cNvPr id="30" name="Picture 8" descr="http://icons.iconarchive.com/icons/icons-land/vista-hardware-devices/128/Portable-Computer-icon.png"/>
+            <p:cNvPicPr>
+              <a:picLocks noChangeAspect="1" noChangeArrowheads="1"/>
+            </p:cNvPicPr>
+            <p:nvPr/>
+          </p:nvPicPr>
+          <p:blipFill>
+            <a:blip r:embed="rId4" cstate="print"/>
+            <a:srcRect/>
+            <a:stretch>
+              <a:fillRect/>
+            </a:stretch>
+          </p:blipFill>
+          <p:spPr bwMode="auto">
+            <a:xfrm>
+              <a:off x="6228184" y="4077072"/>
+              <a:ext cx="504055" cy="504056"/>
+            </a:xfrm>
+            <a:prstGeom prst="rect">
+              <a:avLst/>
+            </a:prstGeom>
+            <a:noFill/>
+          </p:spPr>
+        </p:pic>
+        <p:cxnSp>
+          <p:nvCxnSpPr>
+            <p:cNvPr id="36" name="Forma 35"/>
+            <p:cNvCxnSpPr>
+              <a:stCxn id="27" idx="3"/>
+              <a:endCxn id="28" idx="0"/>
+            </p:cNvCxnSpPr>
+            <p:nvPr/>
+          </p:nvCxnSpPr>
+          <p:spPr>
+            <a:xfrm>
+              <a:off x="6732239" y="3104964"/>
+              <a:ext cx="756085" cy="972108"/>
+            </a:xfrm>
+            <a:prstGeom prst="curvedConnector2">
+              <a:avLst/>
+            </a:prstGeom>
+            <a:ln w="19050">
+              <a:solidFill>
+                <a:srgbClr val="00B050"/>
+              </a:solidFill>
+              <a:tailEnd type="triangle" w="lg" len="lg"/>
+            </a:ln>
+          </p:spPr>
+          <p:style>
+            <a:lnRef idx="1">
+              <a:schemeClr val="accent1"/>
+            </a:lnRef>
+            <a:fillRef idx="0">
+              <a:schemeClr val="accent1"/>
+            </a:fillRef>
+            <a:effectRef idx="0">
+              <a:schemeClr val="accent1"/>
+            </a:effectRef>
+            <a:fontRef idx="minor">
+              <a:schemeClr val="tx1"/>
+            </a:fontRef>
+          </p:style>
+        </p:cxnSp>
+        <p:cxnSp>
+          <p:nvCxnSpPr>
+            <p:cNvPr id="53" name="Forma 52"/>
+            <p:cNvCxnSpPr>
+              <a:stCxn id="143" idx="2"/>
+              <a:endCxn id="29" idx="3"/>
+            </p:cNvCxnSpPr>
+            <p:nvPr/>
+          </p:nvCxnSpPr>
+          <p:spPr>
+            <a:xfrm rot="5400000">
+              <a:off x="6798732" y="4719627"/>
+              <a:ext cx="623101" cy="756085"/>
+            </a:xfrm>
+            <a:prstGeom prst="curvedConnector2">
+              <a:avLst/>
+            </a:prstGeom>
+            <a:ln w="19050">
+              <a:solidFill>
+                <a:srgbClr val="FF0000"/>
+              </a:solidFill>
+              <a:tailEnd type="triangle" w="lg" len="med"/>
+            </a:ln>
+          </p:spPr>
+          <p:style>
+            <a:lnRef idx="1">
+              <a:schemeClr val="accent1"/>
+            </a:lnRef>
+            <a:fillRef idx="0">
+              <a:schemeClr val="accent1"/>
+            </a:fillRef>
+            <a:effectRef idx="0">
+              <a:schemeClr val="accent1"/>
+            </a:effectRef>
+            <a:fontRef idx="minor">
+              <a:schemeClr val="tx1"/>
+            </a:fontRef>
+          </p:style>
+        </p:cxnSp>
+        <p:cxnSp>
+          <p:nvCxnSpPr>
+            <p:cNvPr id="80" name="Conector de seta reta 79"/>
+            <p:cNvCxnSpPr>
+              <a:endCxn id="1032" idx="0"/>
+            </p:cNvCxnSpPr>
+            <p:nvPr/>
+          </p:nvCxnSpPr>
+          <p:spPr>
+            <a:xfrm>
+              <a:off x="4319972" y="2276872"/>
+              <a:ext cx="0" cy="648072"/>
+            </a:xfrm>
+            <a:prstGeom prst="straightConnector1">
+              <a:avLst/>
+            </a:prstGeom>
+            <a:ln w="19050">
+              <a:solidFill>
+                <a:srgbClr val="00B050"/>
+              </a:solidFill>
+              <a:headEnd type="none" w="lg" len="lg"/>
+              <a:tailEnd type="triangle" w="lg" len="lg"/>
+            </a:ln>
+          </p:spPr>
+          <p:style>
+            <a:lnRef idx="1">
+              <a:schemeClr val="accent1"/>
+            </a:lnRef>
+            <a:fillRef idx="0">
+              <a:schemeClr val="accent1"/>
+            </a:fillRef>
+            <a:effectRef idx="0">
+              <a:schemeClr val="accent1"/>
+            </a:effectRef>
+            <a:fontRef idx="minor">
+              <a:schemeClr val="tx1"/>
+            </a:fontRef>
+          </p:style>
+        </p:cxnSp>
+        <p:pic>
+          <p:nvPicPr>
+            <p:cNvPr id="86" name="Picture 8" descr="http://icons.iconarchive.com/icons/icons-land/vista-hardware-devices/128/Portable-Computer-icon.png"/>
+            <p:cNvPicPr>
+              <a:picLocks noChangeAspect="1" noChangeArrowheads="1"/>
+            </p:cNvPicPr>
+            <p:nvPr/>
+          </p:nvPicPr>
+          <p:blipFill>
+            <a:blip r:embed="rId4" cstate="print"/>
+            <a:srcRect/>
+            <a:stretch>
+              <a:fillRect/>
+            </a:stretch>
+          </p:blipFill>
+          <p:spPr bwMode="auto">
+            <a:xfrm>
+              <a:off x="1763688" y="4201343"/>
+              <a:ext cx="504055" cy="504056"/>
+            </a:xfrm>
+            <a:prstGeom prst="rect">
+              <a:avLst/>
+            </a:prstGeom>
+            <a:noFill/>
+          </p:spPr>
+        </p:pic>
+        <p:pic>
+          <p:nvPicPr>
+            <p:cNvPr id="88" name="Picture 8" descr="http://icons.iconarchive.com/icons/icons-land/vista-hardware-devices/128/Portable-Computer-icon.png"/>
+            <p:cNvPicPr>
+              <a:picLocks noChangeAspect="1" noChangeArrowheads="1"/>
+            </p:cNvPicPr>
+            <p:nvPr/>
+          </p:nvPicPr>
+          <p:blipFill>
+            <a:blip r:embed="rId4" cstate="print"/>
+            <a:srcRect/>
+            <a:stretch>
+              <a:fillRect/>
+            </a:stretch>
+          </p:blipFill>
+          <p:spPr bwMode="auto">
+            <a:xfrm>
+              <a:off x="3419873" y="4201343"/>
+              <a:ext cx="504055" cy="504056"/>
+            </a:xfrm>
+            <a:prstGeom prst="rect">
+              <a:avLst/>
+            </a:prstGeom>
+            <a:noFill/>
+          </p:spPr>
+        </p:pic>
+        <p:pic>
+          <p:nvPicPr>
+            <p:cNvPr id="90" name="Picture 8" descr="http://icons.iconarchive.com/icons/icons-land/vista-hardware-devices/128/Portable-Computer-icon.png"/>
+            <p:cNvPicPr>
+              <a:picLocks noChangeAspect="1" noChangeArrowheads="1"/>
+            </p:cNvPicPr>
+            <p:nvPr/>
+          </p:nvPicPr>
+          <p:blipFill>
+            <a:blip r:embed="rId4" cstate="print"/>
+            <a:srcRect/>
+            <a:stretch>
+              <a:fillRect/>
+            </a:stretch>
+          </p:blipFill>
+          <p:spPr bwMode="auto">
+            <a:xfrm>
+              <a:off x="2555776" y="4201343"/>
+              <a:ext cx="504055" cy="504056"/>
+            </a:xfrm>
+            <a:prstGeom prst="rect">
+              <a:avLst/>
+            </a:prstGeom>
+            <a:noFill/>
+          </p:spPr>
+        </p:pic>
+        <p:cxnSp>
+          <p:nvCxnSpPr>
+            <p:cNvPr id="91" name="Conector de seta reta 90"/>
+            <p:cNvCxnSpPr>
+              <a:endCxn id="86" idx="0"/>
+            </p:cNvCxnSpPr>
+            <p:nvPr/>
+          </p:nvCxnSpPr>
+          <p:spPr>
+            <a:xfrm flipH="1">
+              <a:off x="2015716" y="3697287"/>
+              <a:ext cx="540060" cy="504056"/>
+            </a:xfrm>
+            <a:prstGeom prst="straightConnector1">
+              <a:avLst/>
+            </a:prstGeom>
+            <a:ln w="19050">
+              <a:solidFill>
+                <a:srgbClr val="00B050"/>
+              </a:solidFill>
+              <a:headEnd type="none" w="lg" len="lg"/>
+              <a:tailEnd type="triangle" w="lg" len="lg"/>
+            </a:ln>
+          </p:spPr>
+          <p:style>
+            <a:lnRef idx="1">
+              <a:schemeClr val="accent1"/>
+            </a:lnRef>
+            <a:fillRef idx="0">
+              <a:schemeClr val="accent1"/>
+            </a:fillRef>
+            <a:effectRef idx="0">
+              <a:schemeClr val="accent1"/>
+            </a:effectRef>
+            <a:fontRef idx="minor">
+              <a:schemeClr val="tx1"/>
+            </a:fontRef>
+          </p:style>
+        </p:cxnSp>
+        <p:sp>
+          <p:nvSpPr>
+            <p:cNvPr id="108" name="CaixaDeTexto 107"/>
+            <p:cNvSpPr txBox="1"/>
+            <p:nvPr/>
+          </p:nvSpPr>
+          <p:spPr>
+            <a:xfrm>
+              <a:off x="5796136" y="1988840"/>
+              <a:ext cx="1368152" cy="276999"/>
+            </a:xfrm>
+            <a:prstGeom prst="rect">
+              <a:avLst/>
+            </a:prstGeom>
+            <a:noFill/>
+          </p:spPr>
+          <p:txBody>
+            <a:bodyPr wrap="square" rtlCol="0">
+              <a:spAutoFit/>
+            </a:bodyPr>
+            <a:lstStyle/>
+            <a:p>
+              <a:pPr algn="ctr"/>
+              <a:r>
+                <a:rPr lang="pt-BR" sz="1200" b="1" dirty="0" smtClean="0"/>
+                <a:t>Wolverine</a:t>
+              </a:r>
+              <a:endParaRPr lang="pt-BR" sz="1200" b="1" dirty="0"/>
+            </a:p>
+          </p:txBody>
+        </p:sp>
+        <p:sp>
+          <p:nvSpPr>
+            <p:cNvPr id="116" name="CaixaDeTexto 115"/>
+            <p:cNvSpPr txBox="1"/>
+            <p:nvPr/>
+          </p:nvSpPr>
+          <p:spPr>
+            <a:xfrm>
+              <a:off x="5796136" y="5569495"/>
+              <a:ext cx="1368152" cy="276999"/>
+            </a:xfrm>
+            <a:prstGeom prst="rect">
+              <a:avLst/>
+            </a:prstGeom>
+            <a:noFill/>
+          </p:spPr>
+          <p:txBody>
+            <a:bodyPr wrap="square" rtlCol="0">
+              <a:spAutoFit/>
+            </a:bodyPr>
+            <a:lstStyle/>
+            <a:p>
+              <a:pPr algn="ctr"/>
+              <a:r>
+                <a:rPr lang="pt-BR" sz="1200" b="1" dirty="0" smtClean="0"/>
+                <a:t>Fera</a:t>
+              </a:r>
+              <a:endParaRPr lang="pt-BR" sz="1200" b="1" dirty="0"/>
+            </a:p>
+          </p:txBody>
+        </p:sp>
+        <p:sp>
+          <p:nvSpPr>
+            <p:cNvPr id="141" name="CaixaDeTexto 140"/>
+            <p:cNvSpPr txBox="1"/>
+            <p:nvPr/>
+          </p:nvSpPr>
+          <p:spPr>
+            <a:xfrm>
+              <a:off x="1331640" y="4653136"/>
+              <a:ext cx="1368152" cy="276999"/>
+            </a:xfrm>
+            <a:prstGeom prst="rect">
+              <a:avLst/>
+            </a:prstGeom>
+            <a:noFill/>
+          </p:spPr>
+          <p:txBody>
+            <a:bodyPr wrap="square" rtlCol="0">
+              <a:spAutoFit/>
+            </a:bodyPr>
+            <a:lstStyle/>
+            <a:p>
+              <a:pPr algn="ctr"/>
+              <a:r>
+                <a:rPr lang="pt-BR" sz="1200" b="1" dirty="0" smtClean="0"/>
+                <a:t>Ciclope</a:t>
+              </a:r>
+              <a:endParaRPr lang="pt-BR" sz="1200" b="1" dirty="0"/>
+            </a:p>
+          </p:txBody>
+        </p:sp>
+        <p:pic>
+          <p:nvPicPr>
+            <p:cNvPr id="87" name="Picture 8" descr="http://icons.iconarchive.com/icons/icons-land/vista-hardware-devices/128/Portable-Computer-icon.png"/>
+            <p:cNvPicPr>
+              <a:picLocks noChangeAspect="1" noChangeArrowheads="1"/>
+            </p:cNvPicPr>
+            <p:nvPr/>
+          </p:nvPicPr>
+          <p:blipFill>
+            <a:blip r:embed="rId4" cstate="print"/>
+            <a:srcRect/>
+            <a:stretch>
+              <a:fillRect/>
+            </a:stretch>
+          </p:blipFill>
+          <p:spPr bwMode="auto">
+            <a:xfrm>
+              <a:off x="2555776" y="2996952"/>
+              <a:ext cx="504055" cy="504056"/>
+            </a:xfrm>
+            <a:prstGeom prst="rect">
+              <a:avLst/>
+            </a:prstGeom>
+            <a:noFill/>
+          </p:spPr>
+        </p:pic>
+        <p:sp>
+          <p:nvSpPr>
+            <p:cNvPr id="142" name="CaixaDeTexto 141"/>
+            <p:cNvSpPr txBox="1"/>
+            <p:nvPr/>
+          </p:nvSpPr>
+          <p:spPr>
+            <a:xfrm>
+              <a:off x="2051720" y="3429000"/>
+              <a:ext cx="1512168" cy="276999"/>
+            </a:xfrm>
+            <a:prstGeom prst="rect">
+              <a:avLst/>
+            </a:prstGeom>
+            <a:noFill/>
+          </p:spPr>
+          <p:txBody>
+            <a:bodyPr wrap="square" rtlCol="0">
+              <a:spAutoFit/>
+            </a:bodyPr>
+            <a:lstStyle/>
+            <a:p>
+              <a:pPr algn="ctr"/>
+              <a:r>
+                <a:rPr lang="pt-BR" sz="1200" b="1" dirty="0" smtClean="0"/>
+                <a:t>Professor Xavier</a:t>
+              </a:r>
+              <a:endParaRPr lang="pt-BR" sz="1200" b="1" dirty="0"/>
+            </a:p>
+          </p:txBody>
+        </p:sp>
+        <p:sp>
+          <p:nvSpPr>
+            <p:cNvPr id="143" name="CaixaDeTexto 142"/>
+            <p:cNvSpPr txBox="1"/>
+            <p:nvPr/>
+          </p:nvSpPr>
+          <p:spPr>
+            <a:xfrm>
+              <a:off x="6804248" y="4509120"/>
+              <a:ext cx="1368152" cy="276999"/>
+            </a:xfrm>
+            <a:prstGeom prst="rect">
+              <a:avLst/>
+            </a:prstGeom>
+            <a:noFill/>
+          </p:spPr>
+          <p:txBody>
+            <a:bodyPr wrap="square" rtlCol="0">
+              <a:spAutoFit/>
+            </a:bodyPr>
+            <a:lstStyle/>
+            <a:p>
+              <a:pPr algn="ctr"/>
+              <a:r>
+                <a:rPr lang="pt-BR" sz="1200" b="1" dirty="0" smtClean="0"/>
+                <a:t>Noturno</a:t>
+              </a:r>
+              <a:endParaRPr lang="pt-BR" sz="1200" b="1" dirty="0"/>
+            </a:p>
+          </p:txBody>
+        </p:sp>
+        <p:sp>
+          <p:nvSpPr>
+            <p:cNvPr id="144" name="CaixaDeTexto 143"/>
+            <p:cNvSpPr txBox="1"/>
+            <p:nvPr/>
+          </p:nvSpPr>
+          <p:spPr>
+            <a:xfrm>
+              <a:off x="3707904" y="3356992"/>
+              <a:ext cx="1368152" cy="276999"/>
+            </a:xfrm>
+            <a:prstGeom prst="rect">
+              <a:avLst/>
+            </a:prstGeom>
+            <a:noFill/>
+          </p:spPr>
+          <p:txBody>
+            <a:bodyPr wrap="square" rtlCol="0">
+              <a:spAutoFit/>
+            </a:bodyPr>
+            <a:lstStyle/>
+            <a:p>
+              <a:pPr algn="ctr"/>
+              <a:r>
+                <a:rPr lang="pt-BR" sz="1200" b="1" dirty="0" smtClean="0"/>
+                <a:t>Tempestade</a:t>
+              </a:r>
+              <a:endParaRPr lang="pt-BR" sz="1200" b="1" dirty="0"/>
+            </a:p>
+          </p:txBody>
+        </p:sp>
+        <p:sp>
+          <p:nvSpPr>
+            <p:cNvPr id="145" name="CaixaDeTexto 144"/>
+            <p:cNvSpPr txBox="1"/>
+            <p:nvPr/>
+          </p:nvSpPr>
+          <p:spPr>
+            <a:xfrm>
+              <a:off x="5796136" y="3284984"/>
+              <a:ext cx="1368152" cy="276999"/>
+            </a:xfrm>
+            <a:prstGeom prst="rect">
+              <a:avLst/>
+            </a:prstGeom>
+            <a:noFill/>
+          </p:spPr>
+          <p:txBody>
+            <a:bodyPr wrap="square" rtlCol="0">
+              <a:spAutoFit/>
+            </a:bodyPr>
+            <a:lstStyle/>
+            <a:p>
+              <a:pPr algn="ctr"/>
+              <a:r>
+                <a:rPr lang="pt-BR" sz="1200" b="1" dirty="0" err="1" smtClean="0"/>
+                <a:t>Gambit</a:t>
+              </a:r>
+              <a:endParaRPr lang="pt-BR" sz="1200" b="1" dirty="0"/>
+            </a:p>
+          </p:txBody>
+        </p:sp>
+        <p:sp>
+          <p:nvSpPr>
+            <p:cNvPr id="146" name="CaixaDeTexto 145"/>
+            <p:cNvSpPr txBox="1"/>
+            <p:nvPr/>
+          </p:nvSpPr>
+          <p:spPr>
+            <a:xfrm>
+              <a:off x="5796136" y="4509120"/>
+              <a:ext cx="1368152" cy="276999"/>
+            </a:xfrm>
+            <a:prstGeom prst="rect">
+              <a:avLst/>
+            </a:prstGeom>
+            <a:noFill/>
+          </p:spPr>
+          <p:txBody>
+            <a:bodyPr wrap="square" rtlCol="0">
+              <a:spAutoFit/>
+            </a:bodyPr>
+            <a:lstStyle/>
+            <a:p>
+              <a:pPr algn="ctr"/>
+              <a:r>
+                <a:rPr lang="pt-BR" sz="1200" b="1" dirty="0" smtClean="0"/>
+                <a:t>Vampira</a:t>
+              </a:r>
+              <a:endParaRPr lang="pt-BR" sz="1200" b="1" dirty="0"/>
+            </a:p>
+          </p:txBody>
+        </p:sp>
+        <p:sp>
+          <p:nvSpPr>
+            <p:cNvPr id="147" name="CaixaDeTexto 146"/>
+            <p:cNvSpPr txBox="1"/>
+            <p:nvPr/>
+          </p:nvSpPr>
+          <p:spPr>
+            <a:xfrm>
+              <a:off x="2123728" y="4653136"/>
+              <a:ext cx="1368152" cy="276999"/>
+            </a:xfrm>
+            <a:prstGeom prst="rect">
+              <a:avLst/>
+            </a:prstGeom>
+            <a:noFill/>
+          </p:spPr>
+          <p:txBody>
+            <a:bodyPr wrap="square" rtlCol="0">
+              <a:spAutoFit/>
+            </a:bodyPr>
+            <a:lstStyle/>
+            <a:p>
+              <a:pPr algn="ctr"/>
+              <a:r>
+                <a:rPr lang="pt-BR" sz="1200" b="1" dirty="0" smtClean="0"/>
+                <a:t>Jean Gray</a:t>
+              </a:r>
+              <a:endParaRPr lang="pt-BR" sz="1200" b="1" dirty="0"/>
+            </a:p>
+          </p:txBody>
+        </p:sp>
+        <p:sp>
+          <p:nvSpPr>
+            <p:cNvPr id="148" name="CaixaDeTexto 147"/>
+            <p:cNvSpPr txBox="1"/>
+            <p:nvPr/>
+          </p:nvSpPr>
+          <p:spPr>
+            <a:xfrm>
+              <a:off x="2987824" y="4653136"/>
+              <a:ext cx="1368152" cy="276999"/>
+            </a:xfrm>
+            <a:prstGeom prst="rect">
+              <a:avLst/>
+            </a:prstGeom>
+            <a:noFill/>
+          </p:spPr>
+          <p:txBody>
+            <a:bodyPr wrap="square" rtlCol="0">
+              <a:spAutoFit/>
+            </a:bodyPr>
+            <a:lstStyle/>
+            <a:p>
+              <a:pPr algn="ctr"/>
+              <a:r>
+                <a:rPr lang="pt-BR" sz="1200" b="1" dirty="0" smtClean="0"/>
+                <a:t>Mística</a:t>
+              </a:r>
+              <a:endParaRPr lang="pt-BR" sz="1200" b="1" dirty="0"/>
+            </a:p>
+          </p:txBody>
+        </p:sp>
+        <p:grpSp>
+          <p:nvGrpSpPr>
+            <p:cNvPr id="10" name="Grupo 9"/>
+            <p:cNvGrpSpPr/>
+            <p:nvPr/>
+          </p:nvGrpSpPr>
+          <p:grpSpPr>
+            <a:xfrm>
+              <a:off x="2720634" y="3677999"/>
+              <a:ext cx="261679" cy="547151"/>
+              <a:chOff x="2720634" y="3677999"/>
+              <a:chExt cx="261679" cy="547151"/>
+            </a:xfrm>
+          </p:grpSpPr>
+          <p:sp>
+            <p:nvSpPr>
+              <p:cNvPr id="9" name="Forma livre 8"/>
+              <p:cNvSpPr/>
+              <p:nvPr/>
+            </p:nvSpPr>
+            <p:spPr>
+              <a:xfrm>
+                <a:off x="2720634" y="3677999"/>
+                <a:ext cx="99094" cy="541020"/>
+              </a:xfrm>
+              <a:custGeom>
+                <a:avLst/>
+                <a:gdLst>
+                  <a:gd name="connsiteX0" fmla="*/ 121940 w 121940"/>
+                  <a:gd name="connsiteY0" fmla="*/ 0 h 541020"/>
+                  <a:gd name="connsiteX1" fmla="*/ 20 w 121940"/>
+                  <a:gd name="connsiteY1" fmla="*/ 243840 h 541020"/>
+                  <a:gd name="connsiteX2" fmla="*/ 114320 w 121940"/>
+                  <a:gd name="connsiteY2" fmla="*/ 541020 h 541020"/>
+                  <a:gd name="connsiteX0" fmla="*/ 99094 w 99094"/>
+                  <a:gd name="connsiteY0" fmla="*/ 0 h 541020"/>
+                  <a:gd name="connsiteX1" fmla="*/ 34 w 99094"/>
+                  <a:gd name="connsiteY1" fmla="*/ 289560 h 541020"/>
+                  <a:gd name="connsiteX2" fmla="*/ 91474 w 99094"/>
+                  <a:gd name="connsiteY2" fmla="*/ 541020 h 541020"/>
+                </a:gdLst>
+                <a:ahLst/>
+                <a:cxnLst>
+                  <a:cxn ang="0">
+                    <a:pos x="connsiteX0" y="connsiteY0"/>
+                  </a:cxn>
+                  <a:cxn ang="0">
+                    <a:pos x="connsiteX1" y="connsiteY1"/>
+                  </a:cxn>
+                  <a:cxn ang="0">
+                    <a:pos x="connsiteX2" y="connsiteY2"/>
+                  </a:cxn>
+                </a:cxnLst>
+                <a:rect l="l" t="t" r="r" b="b"/>
+                <a:pathLst>
+                  <a:path w="99094" h="541020">
+                    <a:moveTo>
+                      <a:pt x="99094" y="0"/>
+                    </a:moveTo>
+                    <a:cubicBezTo>
+                      <a:pt x="38769" y="76835"/>
+                      <a:pt x="1304" y="199390"/>
+                      <a:pt x="34" y="289560"/>
+                    </a:cubicBezTo>
+                    <a:cubicBezTo>
+                      <a:pt x="-1236" y="379730"/>
+                      <a:pt x="33689" y="437515"/>
+                      <a:pt x="91474" y="541020"/>
+                    </a:cubicBezTo>
+                  </a:path>
+                </a:pathLst>
+              </a:custGeom>
+              <a:noFill/>
+              <a:ln>
+                <a:solidFill>
+                  <a:srgbClr val="00B050"/>
+                </a:solidFill>
+                <a:headEnd type="none" w="med" len="med"/>
+                <a:tailEnd type="triangle" w="lg" len="med"/>
+              </a:ln>
+            </p:spPr>
+            <p:style>
+              <a:lnRef idx="2">
+                <a:schemeClr val="accent1">
+                  <a:shade val="50000"/>
+                </a:schemeClr>
+              </a:lnRef>
+              <a:fillRef idx="1">
+                <a:schemeClr val="accent1"/>
+              </a:fillRef>
+              <a:effectRef idx="0">
+                <a:schemeClr val="accent1"/>
+              </a:effectRef>
+              <a:fontRef idx="minor">
+                <a:schemeClr val="lt1"/>
+              </a:fontRef>
+            </p:style>
+            <p:txBody>
+              <a:bodyPr rtlCol="0" anchor="ctr"/>
+              <a:lstStyle/>
+              <a:p>
+                <a:pPr algn="ctr"/>
+                <a:endParaRPr lang="pt-BR"/>
+              </a:p>
+            </p:txBody>
+          </p:sp>
+          <p:sp>
+            <p:nvSpPr>
+              <p:cNvPr id="49" name="Forma livre 48"/>
+              <p:cNvSpPr/>
+              <p:nvPr/>
+            </p:nvSpPr>
+            <p:spPr>
+              <a:xfrm flipH="1" flipV="1">
+                <a:off x="2895745" y="3682192"/>
+                <a:ext cx="86568" cy="542958"/>
+              </a:xfrm>
+              <a:custGeom>
+                <a:avLst/>
+                <a:gdLst>
+                  <a:gd name="connsiteX0" fmla="*/ 121940 w 121940"/>
+                  <a:gd name="connsiteY0" fmla="*/ 0 h 541020"/>
+                  <a:gd name="connsiteX1" fmla="*/ 20 w 121940"/>
+                  <a:gd name="connsiteY1" fmla="*/ 243840 h 541020"/>
+                  <a:gd name="connsiteX2" fmla="*/ 114320 w 121940"/>
+                  <a:gd name="connsiteY2" fmla="*/ 541020 h 541020"/>
+                  <a:gd name="connsiteX0" fmla="*/ 99094 w 99094"/>
+                  <a:gd name="connsiteY0" fmla="*/ 0 h 541020"/>
+                  <a:gd name="connsiteX1" fmla="*/ 34 w 99094"/>
+                  <a:gd name="connsiteY1" fmla="*/ 289560 h 541020"/>
+                  <a:gd name="connsiteX2" fmla="*/ 91474 w 99094"/>
+                  <a:gd name="connsiteY2" fmla="*/ 541020 h 541020"/>
+                </a:gdLst>
+                <a:ahLst/>
+                <a:cxnLst>
+                  <a:cxn ang="0">
+                    <a:pos x="connsiteX0" y="connsiteY0"/>
+                  </a:cxn>
+                  <a:cxn ang="0">
+                    <a:pos x="connsiteX1" y="connsiteY1"/>
+                  </a:cxn>
+                  <a:cxn ang="0">
+                    <a:pos x="connsiteX2" y="connsiteY2"/>
+                  </a:cxn>
+                </a:cxnLst>
+                <a:rect l="l" t="t" r="r" b="b"/>
+                <a:pathLst>
+                  <a:path w="99094" h="541020">
+                    <a:moveTo>
+                      <a:pt x="99094" y="0"/>
+                    </a:moveTo>
+                    <a:cubicBezTo>
+                      <a:pt x="38769" y="76835"/>
+                      <a:pt x="1304" y="199390"/>
+                      <a:pt x="34" y="289560"/>
+                    </a:cubicBezTo>
+                    <a:cubicBezTo>
+                      <a:pt x="-1236" y="379730"/>
+                      <a:pt x="33689" y="437515"/>
+                      <a:pt x="91474" y="541020"/>
+                    </a:cubicBezTo>
+                  </a:path>
+                </a:pathLst>
+              </a:custGeom>
+              <a:noFill/>
+              <a:ln>
+                <a:solidFill>
+                  <a:srgbClr val="FF0000"/>
+                </a:solidFill>
+                <a:headEnd type="none" w="med" len="med"/>
+                <a:tailEnd type="triangle" w="lg" len="med"/>
+              </a:ln>
+            </p:spPr>
+            <p:style>
+              <a:lnRef idx="2">
+                <a:schemeClr val="accent1">
+                  <a:shade val="50000"/>
+                </a:schemeClr>
+              </a:lnRef>
+              <a:fillRef idx="1">
+                <a:schemeClr val="accent1"/>
+              </a:fillRef>
+              <a:effectRef idx="0">
+                <a:schemeClr val="accent1"/>
+              </a:effectRef>
+              <a:fontRef idx="minor">
+                <a:schemeClr val="lt1"/>
+              </a:fontRef>
+            </p:style>
+            <p:txBody>
+              <a:bodyPr rtlCol="0" anchor="ctr"/>
+              <a:lstStyle/>
+              <a:p>
+                <a:pPr algn="ctr"/>
+                <a:endParaRPr lang="pt-BR"/>
+              </a:p>
+            </p:txBody>
+          </p:sp>
+        </p:grpSp>
+        <p:grpSp>
+          <p:nvGrpSpPr>
+            <p:cNvPr id="51" name="Grupo 50"/>
+            <p:cNvGrpSpPr/>
+            <p:nvPr/>
+          </p:nvGrpSpPr>
+          <p:grpSpPr>
+            <a:xfrm rot="19213664">
+              <a:off x="3354626" y="3645982"/>
+              <a:ext cx="274212" cy="654448"/>
+              <a:chOff x="2720634" y="3677999"/>
+              <a:chExt cx="261679" cy="547151"/>
+            </a:xfrm>
+          </p:grpSpPr>
+          <p:sp>
+            <p:nvSpPr>
+              <p:cNvPr id="52" name="Forma livre 51"/>
+              <p:cNvSpPr/>
+              <p:nvPr/>
+            </p:nvSpPr>
+            <p:spPr>
+              <a:xfrm>
+                <a:off x="2720634" y="3677999"/>
+                <a:ext cx="99094" cy="541020"/>
+              </a:xfrm>
+              <a:custGeom>
+                <a:avLst/>
+                <a:gdLst>
+                  <a:gd name="connsiteX0" fmla="*/ 121940 w 121940"/>
+                  <a:gd name="connsiteY0" fmla="*/ 0 h 541020"/>
+                  <a:gd name="connsiteX1" fmla="*/ 20 w 121940"/>
+                  <a:gd name="connsiteY1" fmla="*/ 243840 h 541020"/>
+                  <a:gd name="connsiteX2" fmla="*/ 114320 w 121940"/>
+                  <a:gd name="connsiteY2" fmla="*/ 541020 h 541020"/>
+                  <a:gd name="connsiteX0" fmla="*/ 99094 w 99094"/>
+                  <a:gd name="connsiteY0" fmla="*/ 0 h 541020"/>
+                  <a:gd name="connsiteX1" fmla="*/ 34 w 99094"/>
+                  <a:gd name="connsiteY1" fmla="*/ 289560 h 541020"/>
+                  <a:gd name="connsiteX2" fmla="*/ 91474 w 99094"/>
+                  <a:gd name="connsiteY2" fmla="*/ 541020 h 541020"/>
+                </a:gdLst>
+                <a:ahLst/>
+                <a:cxnLst>
+                  <a:cxn ang="0">
+                    <a:pos x="connsiteX0" y="connsiteY0"/>
+                  </a:cxn>
+                  <a:cxn ang="0">
+                    <a:pos x="connsiteX1" y="connsiteY1"/>
+                  </a:cxn>
+                  <a:cxn ang="0">
+                    <a:pos x="connsiteX2" y="connsiteY2"/>
+                  </a:cxn>
+                </a:cxnLst>
+                <a:rect l="l" t="t" r="r" b="b"/>
+                <a:pathLst>
+                  <a:path w="99094" h="541020">
+                    <a:moveTo>
+                      <a:pt x="99094" y="0"/>
+                    </a:moveTo>
+                    <a:cubicBezTo>
+                      <a:pt x="38769" y="76835"/>
+                      <a:pt x="1304" y="199390"/>
+                      <a:pt x="34" y="289560"/>
+                    </a:cubicBezTo>
+                    <a:cubicBezTo>
+                      <a:pt x="-1236" y="379730"/>
+                      <a:pt x="33689" y="437515"/>
+                      <a:pt x="91474" y="541020"/>
+                    </a:cubicBezTo>
+                  </a:path>
+                </a:pathLst>
+              </a:custGeom>
+              <a:noFill/>
+              <a:ln>
+                <a:solidFill>
+                  <a:srgbClr val="00B050"/>
+                </a:solidFill>
+                <a:headEnd type="none" w="med" len="med"/>
+                <a:tailEnd type="triangle" w="lg" len="med"/>
+              </a:ln>
+            </p:spPr>
+            <p:style>
+              <a:lnRef idx="2">
+                <a:schemeClr val="accent1">
+                  <a:shade val="50000"/>
+                </a:schemeClr>
+              </a:lnRef>
+              <a:fillRef idx="1">
+                <a:schemeClr val="accent1"/>
+              </a:fillRef>
+              <a:effectRef idx="0">
+                <a:schemeClr val="accent1"/>
+              </a:effectRef>
+              <a:fontRef idx="minor">
+                <a:schemeClr val="lt1"/>
+              </a:fontRef>
+            </p:style>
+            <p:txBody>
+              <a:bodyPr rtlCol="0" anchor="ctr"/>
+              <a:lstStyle/>
+              <a:p>
+                <a:pPr algn="ctr"/>
+                <a:endParaRPr lang="pt-BR"/>
+              </a:p>
+            </p:txBody>
+          </p:sp>
+          <p:sp>
+            <p:nvSpPr>
+              <p:cNvPr id="54" name="Forma livre 53"/>
+              <p:cNvSpPr/>
+              <p:nvPr/>
+            </p:nvSpPr>
+            <p:spPr>
+              <a:xfrm flipH="1" flipV="1">
+                <a:off x="2895745" y="3682192"/>
+                <a:ext cx="86568" cy="542958"/>
+              </a:xfrm>
+              <a:custGeom>
+                <a:avLst/>
+                <a:gdLst>
+                  <a:gd name="connsiteX0" fmla="*/ 121940 w 121940"/>
+                  <a:gd name="connsiteY0" fmla="*/ 0 h 541020"/>
+                  <a:gd name="connsiteX1" fmla="*/ 20 w 121940"/>
+                  <a:gd name="connsiteY1" fmla="*/ 243840 h 541020"/>
+                  <a:gd name="connsiteX2" fmla="*/ 114320 w 121940"/>
+                  <a:gd name="connsiteY2" fmla="*/ 541020 h 541020"/>
+                  <a:gd name="connsiteX0" fmla="*/ 99094 w 99094"/>
+                  <a:gd name="connsiteY0" fmla="*/ 0 h 541020"/>
+                  <a:gd name="connsiteX1" fmla="*/ 34 w 99094"/>
+                  <a:gd name="connsiteY1" fmla="*/ 289560 h 541020"/>
+                  <a:gd name="connsiteX2" fmla="*/ 91474 w 99094"/>
+                  <a:gd name="connsiteY2" fmla="*/ 541020 h 541020"/>
+                </a:gdLst>
+                <a:ahLst/>
+                <a:cxnLst>
+                  <a:cxn ang="0">
+                    <a:pos x="connsiteX0" y="connsiteY0"/>
+                  </a:cxn>
+                  <a:cxn ang="0">
+                    <a:pos x="connsiteX1" y="connsiteY1"/>
+                  </a:cxn>
+                  <a:cxn ang="0">
+                    <a:pos x="connsiteX2" y="connsiteY2"/>
+                  </a:cxn>
+                </a:cxnLst>
+                <a:rect l="l" t="t" r="r" b="b"/>
+                <a:pathLst>
+                  <a:path w="99094" h="541020">
+                    <a:moveTo>
+                      <a:pt x="99094" y="0"/>
+                    </a:moveTo>
+                    <a:cubicBezTo>
+                      <a:pt x="38769" y="76835"/>
+                      <a:pt x="1304" y="199390"/>
+                      <a:pt x="34" y="289560"/>
+                    </a:cubicBezTo>
+                    <a:cubicBezTo>
+                      <a:pt x="-1236" y="379730"/>
+                      <a:pt x="33689" y="437515"/>
+                      <a:pt x="91474" y="541020"/>
+                    </a:cubicBezTo>
+                  </a:path>
+                </a:pathLst>
+              </a:custGeom>
+              <a:noFill/>
+              <a:ln>
+                <a:solidFill>
+                  <a:srgbClr val="FF0000"/>
+                </a:solidFill>
+                <a:headEnd type="none" w="med" len="med"/>
+                <a:tailEnd type="triangle" w="lg" len="med"/>
+              </a:ln>
+            </p:spPr>
+            <p:style>
+              <a:lnRef idx="2">
+                <a:schemeClr val="accent1">
+                  <a:shade val="50000"/>
+                </a:schemeClr>
+              </a:lnRef>
+              <a:fillRef idx="1">
+                <a:schemeClr val="accent1"/>
+              </a:fillRef>
+              <a:effectRef idx="0">
+                <a:schemeClr val="accent1"/>
+              </a:effectRef>
+              <a:fontRef idx="minor">
+                <a:schemeClr val="lt1"/>
+              </a:fontRef>
+            </p:style>
+            <p:txBody>
+              <a:bodyPr rtlCol="0" anchor="ctr"/>
+              <a:lstStyle/>
+              <a:p>
+                <a:pPr algn="ctr"/>
+                <a:endParaRPr lang="pt-BR"/>
+              </a:p>
+            </p:txBody>
+          </p:sp>
+        </p:grpSp>
+        <p:grpSp>
+          <p:nvGrpSpPr>
+            <p:cNvPr id="55" name="Grupo 54"/>
+            <p:cNvGrpSpPr/>
+            <p:nvPr/>
+          </p:nvGrpSpPr>
+          <p:grpSpPr>
+            <a:xfrm>
+              <a:off x="6349371" y="3537012"/>
+              <a:ext cx="261679" cy="547151"/>
+              <a:chOff x="2720634" y="3677999"/>
+              <a:chExt cx="261679" cy="547151"/>
+            </a:xfrm>
+          </p:grpSpPr>
+          <p:sp>
+            <p:nvSpPr>
+              <p:cNvPr id="57" name="Forma livre 56"/>
+              <p:cNvSpPr/>
+              <p:nvPr/>
+            </p:nvSpPr>
+            <p:spPr>
+              <a:xfrm>
+                <a:off x="2720634" y="3677999"/>
+                <a:ext cx="99094" cy="541020"/>
+              </a:xfrm>
+              <a:custGeom>
+                <a:avLst/>
+                <a:gdLst>
+                  <a:gd name="connsiteX0" fmla="*/ 121940 w 121940"/>
+                  <a:gd name="connsiteY0" fmla="*/ 0 h 541020"/>
+                  <a:gd name="connsiteX1" fmla="*/ 20 w 121940"/>
+                  <a:gd name="connsiteY1" fmla="*/ 243840 h 541020"/>
+                  <a:gd name="connsiteX2" fmla="*/ 114320 w 121940"/>
+                  <a:gd name="connsiteY2" fmla="*/ 541020 h 541020"/>
+                  <a:gd name="connsiteX0" fmla="*/ 99094 w 99094"/>
+                  <a:gd name="connsiteY0" fmla="*/ 0 h 541020"/>
+                  <a:gd name="connsiteX1" fmla="*/ 34 w 99094"/>
+                  <a:gd name="connsiteY1" fmla="*/ 289560 h 541020"/>
+                  <a:gd name="connsiteX2" fmla="*/ 91474 w 99094"/>
+                  <a:gd name="connsiteY2" fmla="*/ 541020 h 541020"/>
+                </a:gdLst>
+                <a:ahLst/>
+                <a:cxnLst>
+                  <a:cxn ang="0">
+                    <a:pos x="connsiteX0" y="connsiteY0"/>
+                  </a:cxn>
+                  <a:cxn ang="0">
+                    <a:pos x="connsiteX1" y="connsiteY1"/>
+                  </a:cxn>
+                  <a:cxn ang="0">
+                    <a:pos x="connsiteX2" y="connsiteY2"/>
+                  </a:cxn>
+                </a:cxnLst>
+                <a:rect l="l" t="t" r="r" b="b"/>
+                <a:pathLst>
+                  <a:path w="99094" h="541020">
+                    <a:moveTo>
+                      <a:pt x="99094" y="0"/>
+                    </a:moveTo>
+                    <a:cubicBezTo>
+                      <a:pt x="38769" y="76835"/>
+                      <a:pt x="1304" y="199390"/>
+                      <a:pt x="34" y="289560"/>
+                    </a:cubicBezTo>
+                    <a:cubicBezTo>
+                      <a:pt x="-1236" y="379730"/>
+                      <a:pt x="33689" y="437515"/>
+                      <a:pt x="91474" y="541020"/>
+                    </a:cubicBezTo>
+                  </a:path>
+                </a:pathLst>
+              </a:custGeom>
+              <a:noFill/>
+              <a:ln>
+                <a:solidFill>
+                  <a:srgbClr val="00B050"/>
+                </a:solidFill>
+                <a:headEnd type="none" w="lg" len="med"/>
+                <a:tailEnd type="triangle" w="lg" len="med"/>
+              </a:ln>
+            </p:spPr>
+            <p:style>
+              <a:lnRef idx="2">
+                <a:schemeClr val="accent1">
+                  <a:shade val="50000"/>
+                </a:schemeClr>
+              </a:lnRef>
+              <a:fillRef idx="1">
+                <a:schemeClr val="accent1"/>
+              </a:fillRef>
+              <a:effectRef idx="0">
+                <a:schemeClr val="accent1"/>
+              </a:effectRef>
+              <a:fontRef idx="minor">
+                <a:schemeClr val="lt1"/>
+              </a:fontRef>
+            </p:style>
+            <p:txBody>
+              <a:bodyPr rtlCol="0" anchor="ctr"/>
+              <a:lstStyle/>
+              <a:p>
+                <a:pPr algn="ctr"/>
+                <a:endParaRPr lang="pt-BR"/>
+              </a:p>
+            </p:txBody>
+          </p:sp>
+          <p:sp>
+            <p:nvSpPr>
+              <p:cNvPr id="58" name="Forma livre 57"/>
+              <p:cNvSpPr/>
+              <p:nvPr/>
+            </p:nvSpPr>
+            <p:spPr>
+              <a:xfrm flipH="1" flipV="1">
+                <a:off x="2895745" y="3682192"/>
+                <a:ext cx="86568" cy="542958"/>
+              </a:xfrm>
+              <a:custGeom>
+                <a:avLst/>
+                <a:gdLst>
+                  <a:gd name="connsiteX0" fmla="*/ 121940 w 121940"/>
+                  <a:gd name="connsiteY0" fmla="*/ 0 h 541020"/>
+                  <a:gd name="connsiteX1" fmla="*/ 20 w 121940"/>
+                  <a:gd name="connsiteY1" fmla="*/ 243840 h 541020"/>
+                  <a:gd name="connsiteX2" fmla="*/ 114320 w 121940"/>
+                  <a:gd name="connsiteY2" fmla="*/ 541020 h 541020"/>
+                  <a:gd name="connsiteX0" fmla="*/ 99094 w 99094"/>
+                  <a:gd name="connsiteY0" fmla="*/ 0 h 541020"/>
+                  <a:gd name="connsiteX1" fmla="*/ 34 w 99094"/>
+                  <a:gd name="connsiteY1" fmla="*/ 289560 h 541020"/>
+                  <a:gd name="connsiteX2" fmla="*/ 91474 w 99094"/>
+                  <a:gd name="connsiteY2" fmla="*/ 541020 h 541020"/>
+                </a:gdLst>
+                <a:ahLst/>
+                <a:cxnLst>
+                  <a:cxn ang="0">
+                    <a:pos x="connsiteX0" y="connsiteY0"/>
+                  </a:cxn>
+                  <a:cxn ang="0">
+                    <a:pos x="connsiteX1" y="connsiteY1"/>
+                  </a:cxn>
+                  <a:cxn ang="0">
+                    <a:pos x="connsiteX2" y="connsiteY2"/>
+                  </a:cxn>
+                </a:cxnLst>
+                <a:rect l="l" t="t" r="r" b="b"/>
+                <a:pathLst>
+                  <a:path w="99094" h="541020">
+                    <a:moveTo>
+                      <a:pt x="99094" y="0"/>
+                    </a:moveTo>
+                    <a:cubicBezTo>
+                      <a:pt x="38769" y="76835"/>
+                      <a:pt x="1304" y="199390"/>
+                      <a:pt x="34" y="289560"/>
+                    </a:cubicBezTo>
+                    <a:cubicBezTo>
+                      <a:pt x="-1236" y="379730"/>
+                      <a:pt x="33689" y="437515"/>
+                      <a:pt x="91474" y="541020"/>
+                    </a:cubicBezTo>
+                  </a:path>
+                </a:pathLst>
+              </a:custGeom>
+              <a:noFill/>
+              <a:ln>
+                <a:solidFill>
+                  <a:srgbClr val="FF0000"/>
+                </a:solidFill>
+                <a:headEnd type="none" w="lg" len="med"/>
+                <a:tailEnd type="triangle" w="lg" len="med"/>
+              </a:ln>
+            </p:spPr>
+            <p:style>
+              <a:lnRef idx="2">
+                <a:schemeClr val="accent1">
+                  <a:shade val="50000"/>
+                </a:schemeClr>
+              </a:lnRef>
+              <a:fillRef idx="1">
+                <a:schemeClr val="accent1"/>
+              </a:fillRef>
+              <a:effectRef idx="0">
+                <a:schemeClr val="accent1"/>
+              </a:effectRef>
+              <a:fontRef idx="minor">
+                <a:schemeClr val="lt1"/>
+              </a:fontRef>
+            </p:style>
+            <p:txBody>
+              <a:bodyPr rtlCol="0" anchor="ctr"/>
+              <a:lstStyle/>
+              <a:p>
+                <a:pPr algn="ctr"/>
+                <a:endParaRPr lang="pt-BR"/>
+              </a:p>
+            </p:txBody>
+          </p:sp>
+        </p:grpSp>
+        <p:grpSp>
+          <p:nvGrpSpPr>
+            <p:cNvPr id="60" name="Grupo 59"/>
+            <p:cNvGrpSpPr/>
+            <p:nvPr/>
+          </p:nvGrpSpPr>
+          <p:grpSpPr>
+            <a:xfrm>
+              <a:off x="6349371" y="2258106"/>
+              <a:ext cx="261679" cy="547151"/>
+              <a:chOff x="2720634" y="3677999"/>
+              <a:chExt cx="261679" cy="547151"/>
+            </a:xfrm>
+          </p:grpSpPr>
+          <p:sp>
+            <p:nvSpPr>
+              <p:cNvPr id="61" name="Forma livre 60"/>
+              <p:cNvSpPr/>
+              <p:nvPr/>
+            </p:nvSpPr>
+            <p:spPr>
+              <a:xfrm>
+                <a:off x="2720634" y="3677999"/>
+                <a:ext cx="99094" cy="541020"/>
+              </a:xfrm>
+              <a:custGeom>
+                <a:avLst/>
+                <a:gdLst>
+                  <a:gd name="connsiteX0" fmla="*/ 121940 w 121940"/>
+                  <a:gd name="connsiteY0" fmla="*/ 0 h 541020"/>
+                  <a:gd name="connsiteX1" fmla="*/ 20 w 121940"/>
+                  <a:gd name="connsiteY1" fmla="*/ 243840 h 541020"/>
+                  <a:gd name="connsiteX2" fmla="*/ 114320 w 121940"/>
+                  <a:gd name="connsiteY2" fmla="*/ 541020 h 541020"/>
+                  <a:gd name="connsiteX0" fmla="*/ 99094 w 99094"/>
+                  <a:gd name="connsiteY0" fmla="*/ 0 h 541020"/>
+                  <a:gd name="connsiteX1" fmla="*/ 34 w 99094"/>
+                  <a:gd name="connsiteY1" fmla="*/ 289560 h 541020"/>
+                  <a:gd name="connsiteX2" fmla="*/ 91474 w 99094"/>
+                  <a:gd name="connsiteY2" fmla="*/ 541020 h 541020"/>
+                </a:gdLst>
+                <a:ahLst/>
+                <a:cxnLst>
+                  <a:cxn ang="0">
+                    <a:pos x="connsiteX0" y="connsiteY0"/>
+                  </a:cxn>
+                  <a:cxn ang="0">
+                    <a:pos x="connsiteX1" y="connsiteY1"/>
+                  </a:cxn>
+                  <a:cxn ang="0">
+                    <a:pos x="connsiteX2" y="connsiteY2"/>
+                  </a:cxn>
+                </a:cxnLst>
+                <a:rect l="l" t="t" r="r" b="b"/>
+                <a:pathLst>
+                  <a:path w="99094" h="541020">
+                    <a:moveTo>
+                      <a:pt x="99094" y="0"/>
+                    </a:moveTo>
+                    <a:cubicBezTo>
+                      <a:pt x="38769" y="76835"/>
+                      <a:pt x="1304" y="199390"/>
+                      <a:pt x="34" y="289560"/>
+                    </a:cubicBezTo>
+                    <a:cubicBezTo>
+                      <a:pt x="-1236" y="379730"/>
+                      <a:pt x="33689" y="437515"/>
+                      <a:pt x="91474" y="541020"/>
+                    </a:cubicBezTo>
+                  </a:path>
+                </a:pathLst>
+              </a:custGeom>
+              <a:noFill/>
+              <a:ln>
+                <a:solidFill>
+                  <a:srgbClr val="00B050"/>
+                </a:solidFill>
+                <a:headEnd type="none" w="lg" len="med"/>
+                <a:tailEnd type="triangle" w="lg" len="med"/>
+              </a:ln>
+            </p:spPr>
+            <p:style>
+              <a:lnRef idx="2">
+                <a:schemeClr val="accent1">
+                  <a:shade val="50000"/>
+                </a:schemeClr>
+              </a:lnRef>
+              <a:fillRef idx="1">
+                <a:schemeClr val="accent1"/>
+              </a:fillRef>
+              <a:effectRef idx="0">
+                <a:schemeClr val="accent1"/>
+              </a:effectRef>
+              <a:fontRef idx="minor">
+                <a:schemeClr val="lt1"/>
+              </a:fontRef>
+            </p:style>
+            <p:txBody>
+              <a:bodyPr rtlCol="0" anchor="ctr"/>
+              <a:lstStyle/>
+              <a:p>
+                <a:pPr algn="ctr"/>
+                <a:endParaRPr lang="pt-BR"/>
+              </a:p>
+            </p:txBody>
+          </p:sp>
+          <p:sp>
+            <p:nvSpPr>
+              <p:cNvPr id="62" name="Forma livre 61"/>
+              <p:cNvSpPr/>
+              <p:nvPr/>
+            </p:nvSpPr>
+            <p:spPr>
+              <a:xfrm flipH="1" flipV="1">
+                <a:off x="2895745" y="3682192"/>
+                <a:ext cx="86568" cy="542958"/>
+              </a:xfrm>
+              <a:custGeom>
+                <a:avLst/>
+                <a:gdLst>
+                  <a:gd name="connsiteX0" fmla="*/ 121940 w 121940"/>
+                  <a:gd name="connsiteY0" fmla="*/ 0 h 541020"/>
+                  <a:gd name="connsiteX1" fmla="*/ 20 w 121940"/>
+                  <a:gd name="connsiteY1" fmla="*/ 243840 h 541020"/>
+                  <a:gd name="connsiteX2" fmla="*/ 114320 w 121940"/>
+                  <a:gd name="connsiteY2" fmla="*/ 541020 h 541020"/>
+                  <a:gd name="connsiteX0" fmla="*/ 99094 w 99094"/>
+                  <a:gd name="connsiteY0" fmla="*/ 0 h 541020"/>
+                  <a:gd name="connsiteX1" fmla="*/ 34 w 99094"/>
+                  <a:gd name="connsiteY1" fmla="*/ 289560 h 541020"/>
+                  <a:gd name="connsiteX2" fmla="*/ 91474 w 99094"/>
+                  <a:gd name="connsiteY2" fmla="*/ 541020 h 541020"/>
+                </a:gdLst>
+                <a:ahLst/>
+                <a:cxnLst>
+                  <a:cxn ang="0">
+                    <a:pos x="connsiteX0" y="connsiteY0"/>
+                  </a:cxn>
+                  <a:cxn ang="0">
+                    <a:pos x="connsiteX1" y="connsiteY1"/>
+                  </a:cxn>
+                  <a:cxn ang="0">
+                    <a:pos x="connsiteX2" y="connsiteY2"/>
+                  </a:cxn>
+                </a:cxnLst>
+                <a:rect l="l" t="t" r="r" b="b"/>
+                <a:pathLst>
+                  <a:path w="99094" h="541020">
+                    <a:moveTo>
+                      <a:pt x="99094" y="0"/>
+                    </a:moveTo>
+                    <a:cubicBezTo>
+                      <a:pt x="38769" y="76835"/>
+                      <a:pt x="1304" y="199390"/>
+                      <a:pt x="34" y="289560"/>
+                    </a:cubicBezTo>
+                    <a:cubicBezTo>
+                      <a:pt x="-1236" y="379730"/>
+                      <a:pt x="33689" y="437515"/>
+                      <a:pt x="91474" y="541020"/>
+                    </a:cubicBezTo>
+                  </a:path>
+                </a:pathLst>
+              </a:custGeom>
+              <a:noFill/>
+              <a:ln>
+                <a:solidFill>
+                  <a:srgbClr val="FF0000"/>
+                </a:solidFill>
+                <a:headEnd type="none" w="lg" len="med"/>
+                <a:tailEnd type="triangle" w="lg" len="med"/>
+              </a:ln>
+            </p:spPr>
+            <p:style>
+              <a:lnRef idx="2">
+                <a:schemeClr val="accent1">
+                  <a:shade val="50000"/>
+                </a:schemeClr>
+              </a:lnRef>
+              <a:fillRef idx="1">
+                <a:schemeClr val="accent1"/>
+              </a:fillRef>
+              <a:effectRef idx="0">
+                <a:schemeClr val="accent1"/>
+              </a:effectRef>
+              <a:fontRef idx="minor">
+                <a:schemeClr val="lt1"/>
+              </a:fontRef>
+            </p:style>
+            <p:txBody>
+              <a:bodyPr rtlCol="0" anchor="ctr"/>
+              <a:lstStyle/>
+              <a:p>
+                <a:pPr algn="ctr"/>
+                <a:endParaRPr lang="pt-BR"/>
+              </a:p>
+            </p:txBody>
+          </p:sp>
+        </p:grpSp>
+        <p:grpSp>
+          <p:nvGrpSpPr>
+            <p:cNvPr id="63" name="Grupo 62"/>
+            <p:cNvGrpSpPr/>
+            <p:nvPr/>
+          </p:nvGrpSpPr>
+          <p:grpSpPr>
+            <a:xfrm rot="16200000">
+              <a:off x="5341261" y="906250"/>
+              <a:ext cx="261679" cy="1224137"/>
+              <a:chOff x="2720634" y="3677999"/>
+              <a:chExt cx="261679" cy="547151"/>
+            </a:xfrm>
+          </p:grpSpPr>
+          <p:sp>
+            <p:nvSpPr>
+              <p:cNvPr id="64" name="Forma livre 63"/>
+              <p:cNvSpPr/>
+              <p:nvPr/>
+            </p:nvSpPr>
+            <p:spPr>
+              <a:xfrm>
+                <a:off x="2720634" y="3677999"/>
+                <a:ext cx="99094" cy="541020"/>
+              </a:xfrm>
+              <a:custGeom>
+                <a:avLst/>
+                <a:gdLst>
+                  <a:gd name="connsiteX0" fmla="*/ 121940 w 121940"/>
+                  <a:gd name="connsiteY0" fmla="*/ 0 h 541020"/>
+                  <a:gd name="connsiteX1" fmla="*/ 20 w 121940"/>
+                  <a:gd name="connsiteY1" fmla="*/ 243840 h 541020"/>
+                  <a:gd name="connsiteX2" fmla="*/ 114320 w 121940"/>
+                  <a:gd name="connsiteY2" fmla="*/ 541020 h 541020"/>
+                  <a:gd name="connsiteX0" fmla="*/ 99094 w 99094"/>
+                  <a:gd name="connsiteY0" fmla="*/ 0 h 541020"/>
+                  <a:gd name="connsiteX1" fmla="*/ 34 w 99094"/>
+                  <a:gd name="connsiteY1" fmla="*/ 289560 h 541020"/>
+                  <a:gd name="connsiteX2" fmla="*/ 91474 w 99094"/>
+                  <a:gd name="connsiteY2" fmla="*/ 541020 h 541020"/>
+                </a:gdLst>
+                <a:ahLst/>
+                <a:cxnLst>
+                  <a:cxn ang="0">
+                    <a:pos x="connsiteX0" y="connsiteY0"/>
+                  </a:cxn>
+                  <a:cxn ang="0">
+                    <a:pos x="connsiteX1" y="connsiteY1"/>
+                  </a:cxn>
+                  <a:cxn ang="0">
+                    <a:pos x="connsiteX2" y="connsiteY2"/>
+                  </a:cxn>
+                </a:cxnLst>
+                <a:rect l="l" t="t" r="r" b="b"/>
+                <a:pathLst>
+                  <a:path w="99094" h="541020">
+                    <a:moveTo>
+                      <a:pt x="99094" y="0"/>
+                    </a:moveTo>
+                    <a:cubicBezTo>
+                      <a:pt x="38769" y="76835"/>
+                      <a:pt x="1304" y="199390"/>
+                      <a:pt x="34" y="289560"/>
+                    </a:cubicBezTo>
+                    <a:cubicBezTo>
+                      <a:pt x="-1236" y="379730"/>
+                      <a:pt x="33689" y="437515"/>
+                      <a:pt x="91474" y="541020"/>
+                    </a:cubicBezTo>
+                  </a:path>
+                </a:pathLst>
+              </a:custGeom>
+              <a:noFill/>
+              <a:ln>
+                <a:solidFill>
+                  <a:srgbClr val="00B050"/>
+                </a:solidFill>
+                <a:headEnd type="none" w="lg" len="med"/>
+                <a:tailEnd type="triangle" w="lg" len="med"/>
+              </a:ln>
+            </p:spPr>
+            <p:style>
+              <a:lnRef idx="2">
+                <a:schemeClr val="accent1">
+                  <a:shade val="50000"/>
+                </a:schemeClr>
+              </a:lnRef>
+              <a:fillRef idx="1">
+                <a:schemeClr val="accent1"/>
+              </a:fillRef>
+              <a:effectRef idx="0">
+                <a:schemeClr val="accent1"/>
+              </a:effectRef>
+              <a:fontRef idx="minor">
+                <a:schemeClr val="lt1"/>
+              </a:fontRef>
+            </p:style>
+            <p:txBody>
+              <a:bodyPr rtlCol="0" anchor="ctr"/>
+              <a:lstStyle/>
+              <a:p>
+                <a:pPr algn="ctr"/>
+                <a:endParaRPr lang="pt-BR"/>
+              </a:p>
+            </p:txBody>
+          </p:sp>
+          <p:sp>
+            <p:nvSpPr>
+              <p:cNvPr id="65" name="Forma livre 64"/>
+              <p:cNvSpPr/>
+              <p:nvPr/>
+            </p:nvSpPr>
+            <p:spPr>
+              <a:xfrm flipH="1" flipV="1">
+                <a:off x="2895745" y="3682192"/>
+                <a:ext cx="86568" cy="542958"/>
+              </a:xfrm>
+              <a:custGeom>
+                <a:avLst/>
+                <a:gdLst>
+                  <a:gd name="connsiteX0" fmla="*/ 121940 w 121940"/>
+                  <a:gd name="connsiteY0" fmla="*/ 0 h 541020"/>
+                  <a:gd name="connsiteX1" fmla="*/ 20 w 121940"/>
+                  <a:gd name="connsiteY1" fmla="*/ 243840 h 541020"/>
+                  <a:gd name="connsiteX2" fmla="*/ 114320 w 121940"/>
+                  <a:gd name="connsiteY2" fmla="*/ 541020 h 541020"/>
+                  <a:gd name="connsiteX0" fmla="*/ 99094 w 99094"/>
+                  <a:gd name="connsiteY0" fmla="*/ 0 h 541020"/>
+                  <a:gd name="connsiteX1" fmla="*/ 34 w 99094"/>
+                  <a:gd name="connsiteY1" fmla="*/ 289560 h 541020"/>
+                  <a:gd name="connsiteX2" fmla="*/ 91474 w 99094"/>
+                  <a:gd name="connsiteY2" fmla="*/ 541020 h 541020"/>
+                </a:gdLst>
+                <a:ahLst/>
+                <a:cxnLst>
+                  <a:cxn ang="0">
+                    <a:pos x="connsiteX0" y="connsiteY0"/>
+                  </a:cxn>
+                  <a:cxn ang="0">
+                    <a:pos x="connsiteX1" y="connsiteY1"/>
+                  </a:cxn>
+                  <a:cxn ang="0">
+                    <a:pos x="connsiteX2" y="connsiteY2"/>
+                  </a:cxn>
+                </a:cxnLst>
+                <a:rect l="l" t="t" r="r" b="b"/>
+                <a:pathLst>
+                  <a:path w="99094" h="541020">
+                    <a:moveTo>
+                      <a:pt x="99094" y="0"/>
+                    </a:moveTo>
+                    <a:cubicBezTo>
+                      <a:pt x="38769" y="76835"/>
+                      <a:pt x="1304" y="199390"/>
+                      <a:pt x="34" y="289560"/>
+                    </a:cubicBezTo>
+                    <a:cubicBezTo>
+                      <a:pt x="-1236" y="379730"/>
+                      <a:pt x="33689" y="437515"/>
+                      <a:pt x="91474" y="541020"/>
+                    </a:cubicBezTo>
+                  </a:path>
+                </a:pathLst>
+              </a:custGeom>
+              <a:noFill/>
+              <a:ln>
+                <a:solidFill>
+                  <a:srgbClr val="FF0000"/>
+                </a:solidFill>
+                <a:headEnd type="none" w="lg" len="med"/>
+                <a:tailEnd type="triangle" w="lg" len="med"/>
+              </a:ln>
+            </p:spPr>
+            <p:style>
+              <a:lnRef idx="2">
+                <a:schemeClr val="accent1">
+                  <a:shade val="50000"/>
+                </a:schemeClr>
+              </a:lnRef>
+              <a:fillRef idx="1">
+                <a:schemeClr val="accent1"/>
+              </a:fillRef>
+              <a:effectRef idx="0">
+                <a:schemeClr val="accent1"/>
+              </a:effectRef>
+              <a:fontRef idx="minor">
+                <a:schemeClr val="lt1"/>
+              </a:fontRef>
+            </p:style>
+            <p:txBody>
+              <a:bodyPr rtlCol="0" anchor="ctr"/>
+              <a:lstStyle/>
+              <a:p>
+                <a:pPr algn="ctr"/>
+                <a:endParaRPr lang="pt-BR"/>
+              </a:p>
+            </p:txBody>
+          </p:sp>
+        </p:grpSp>
+        <p:grpSp>
+          <p:nvGrpSpPr>
+            <p:cNvPr id="66" name="Grupo 65"/>
+            <p:cNvGrpSpPr/>
+            <p:nvPr/>
+          </p:nvGrpSpPr>
+          <p:grpSpPr>
+            <a:xfrm rot="2083405">
+              <a:off x="3158620" y="1494757"/>
+              <a:ext cx="274212" cy="1595887"/>
+              <a:chOff x="2720634" y="3677999"/>
+              <a:chExt cx="261679" cy="547151"/>
+            </a:xfrm>
+          </p:grpSpPr>
+          <p:sp>
+            <p:nvSpPr>
+              <p:cNvPr id="67" name="Forma livre 66"/>
+              <p:cNvSpPr/>
+              <p:nvPr/>
+            </p:nvSpPr>
+            <p:spPr>
+              <a:xfrm>
+                <a:off x="2720634" y="3677999"/>
+                <a:ext cx="99094" cy="541020"/>
+              </a:xfrm>
+              <a:custGeom>
+                <a:avLst/>
+                <a:gdLst>
+                  <a:gd name="connsiteX0" fmla="*/ 121940 w 121940"/>
+                  <a:gd name="connsiteY0" fmla="*/ 0 h 541020"/>
+                  <a:gd name="connsiteX1" fmla="*/ 20 w 121940"/>
+                  <a:gd name="connsiteY1" fmla="*/ 243840 h 541020"/>
+                  <a:gd name="connsiteX2" fmla="*/ 114320 w 121940"/>
+                  <a:gd name="connsiteY2" fmla="*/ 541020 h 541020"/>
+                  <a:gd name="connsiteX0" fmla="*/ 99094 w 99094"/>
+                  <a:gd name="connsiteY0" fmla="*/ 0 h 541020"/>
+                  <a:gd name="connsiteX1" fmla="*/ 34 w 99094"/>
+                  <a:gd name="connsiteY1" fmla="*/ 289560 h 541020"/>
+                  <a:gd name="connsiteX2" fmla="*/ 91474 w 99094"/>
+                  <a:gd name="connsiteY2" fmla="*/ 541020 h 541020"/>
+                </a:gdLst>
+                <a:ahLst/>
+                <a:cxnLst>
+                  <a:cxn ang="0">
+                    <a:pos x="connsiteX0" y="connsiteY0"/>
+                  </a:cxn>
+                  <a:cxn ang="0">
+                    <a:pos x="connsiteX1" y="connsiteY1"/>
+                  </a:cxn>
+                  <a:cxn ang="0">
+                    <a:pos x="connsiteX2" y="connsiteY2"/>
+                  </a:cxn>
+                </a:cxnLst>
+                <a:rect l="l" t="t" r="r" b="b"/>
+                <a:pathLst>
+                  <a:path w="99094" h="541020">
+                    <a:moveTo>
+                      <a:pt x="99094" y="0"/>
+                    </a:moveTo>
+                    <a:cubicBezTo>
+                      <a:pt x="38769" y="76835"/>
+                      <a:pt x="1304" y="199390"/>
+                      <a:pt x="34" y="289560"/>
+                    </a:cubicBezTo>
+                    <a:cubicBezTo>
+                      <a:pt x="-1236" y="379730"/>
+                      <a:pt x="33689" y="437515"/>
+                      <a:pt x="91474" y="541020"/>
+                    </a:cubicBezTo>
+                  </a:path>
+                </a:pathLst>
+              </a:custGeom>
+              <a:noFill/>
+              <a:ln>
+                <a:solidFill>
+                  <a:srgbClr val="00B050"/>
+                </a:solidFill>
+                <a:headEnd type="none" w="med" len="med"/>
+                <a:tailEnd type="triangle" w="lg" len="med"/>
+              </a:ln>
+            </p:spPr>
+            <p:style>
+              <a:lnRef idx="2">
+                <a:schemeClr val="accent1">
+                  <a:shade val="50000"/>
+                </a:schemeClr>
+              </a:lnRef>
+              <a:fillRef idx="1">
+                <a:schemeClr val="accent1"/>
+              </a:fillRef>
+              <a:effectRef idx="0">
+                <a:schemeClr val="accent1"/>
+              </a:effectRef>
+              <a:fontRef idx="minor">
+                <a:schemeClr val="lt1"/>
+              </a:fontRef>
+            </p:style>
+            <p:txBody>
+              <a:bodyPr rtlCol="0" anchor="ctr"/>
+              <a:lstStyle/>
+              <a:p>
+                <a:pPr algn="ctr"/>
+                <a:endParaRPr lang="pt-BR"/>
+              </a:p>
+            </p:txBody>
+          </p:sp>
+          <p:sp>
+            <p:nvSpPr>
+              <p:cNvPr id="68" name="Forma livre 67"/>
+              <p:cNvSpPr/>
+              <p:nvPr/>
+            </p:nvSpPr>
+            <p:spPr>
+              <a:xfrm flipH="1" flipV="1">
+                <a:off x="2895745" y="3682192"/>
+                <a:ext cx="86568" cy="542958"/>
+              </a:xfrm>
+              <a:custGeom>
+                <a:avLst/>
+                <a:gdLst>
+                  <a:gd name="connsiteX0" fmla="*/ 121940 w 121940"/>
+                  <a:gd name="connsiteY0" fmla="*/ 0 h 541020"/>
+                  <a:gd name="connsiteX1" fmla="*/ 20 w 121940"/>
+                  <a:gd name="connsiteY1" fmla="*/ 243840 h 541020"/>
+                  <a:gd name="connsiteX2" fmla="*/ 114320 w 121940"/>
+                  <a:gd name="connsiteY2" fmla="*/ 541020 h 541020"/>
+                  <a:gd name="connsiteX0" fmla="*/ 99094 w 99094"/>
+                  <a:gd name="connsiteY0" fmla="*/ 0 h 541020"/>
+                  <a:gd name="connsiteX1" fmla="*/ 34 w 99094"/>
+                  <a:gd name="connsiteY1" fmla="*/ 289560 h 541020"/>
+                  <a:gd name="connsiteX2" fmla="*/ 91474 w 99094"/>
+                  <a:gd name="connsiteY2" fmla="*/ 541020 h 541020"/>
+                </a:gdLst>
+                <a:ahLst/>
+                <a:cxnLst>
+                  <a:cxn ang="0">
+                    <a:pos x="connsiteX0" y="connsiteY0"/>
+                  </a:cxn>
+                  <a:cxn ang="0">
+                    <a:pos x="connsiteX1" y="connsiteY1"/>
+                  </a:cxn>
+                  <a:cxn ang="0">
+                    <a:pos x="connsiteX2" y="connsiteY2"/>
+                  </a:cxn>
+                </a:cxnLst>
+                <a:rect l="l" t="t" r="r" b="b"/>
+                <a:pathLst>
+                  <a:path w="99094" h="541020">
+                    <a:moveTo>
+                      <a:pt x="99094" y="0"/>
+                    </a:moveTo>
+                    <a:cubicBezTo>
+                      <a:pt x="38769" y="76835"/>
+                      <a:pt x="1304" y="199390"/>
+                      <a:pt x="34" y="289560"/>
+                    </a:cubicBezTo>
+                    <a:cubicBezTo>
+                      <a:pt x="-1236" y="379730"/>
+                      <a:pt x="33689" y="437515"/>
+                      <a:pt x="91474" y="541020"/>
+                    </a:cubicBezTo>
+                  </a:path>
+                </a:pathLst>
+              </a:custGeom>
+              <a:noFill/>
+              <a:ln>
+                <a:solidFill>
+                  <a:srgbClr val="FF0000"/>
+                </a:solidFill>
+                <a:headEnd type="none" w="med" len="med"/>
+                <a:tailEnd type="triangle" w="lg" len="med"/>
+              </a:ln>
+            </p:spPr>
+            <p:style>
+              <a:lnRef idx="2">
+                <a:schemeClr val="accent1">
+                  <a:shade val="50000"/>
+                </a:schemeClr>
+              </a:lnRef>
+              <a:fillRef idx="1">
+                <a:schemeClr val="accent1"/>
+              </a:fillRef>
+              <a:effectRef idx="0">
+                <a:schemeClr val="accent1"/>
+              </a:effectRef>
+              <a:fontRef idx="minor">
+                <a:schemeClr val="lt1"/>
+              </a:fontRef>
+            </p:style>
+            <p:txBody>
+              <a:bodyPr rtlCol="0" anchor="ctr"/>
+              <a:lstStyle/>
+              <a:p>
+                <a:pPr algn="ctr"/>
+                <a:endParaRPr lang="pt-BR"/>
+              </a:p>
+            </p:txBody>
+          </p:sp>
+        </p:grpSp>
+        <p:sp>
+          <p:nvSpPr>
+            <p:cNvPr id="71" name="Forma livre 70"/>
+            <p:cNvSpPr/>
+            <p:nvPr/>
+          </p:nvSpPr>
+          <p:spPr>
+            <a:xfrm rot="333706" flipV="1">
+              <a:off x="5910017" y="3284864"/>
+              <a:ext cx="478245" cy="2121740"/>
+            </a:xfrm>
+            <a:custGeom>
+              <a:avLst/>
+              <a:gdLst>
+                <a:gd name="connsiteX0" fmla="*/ 121940 w 121940"/>
+                <a:gd name="connsiteY0" fmla="*/ 0 h 541020"/>
+                <a:gd name="connsiteX1" fmla="*/ 20 w 121940"/>
+                <a:gd name="connsiteY1" fmla="*/ 243840 h 541020"/>
+                <a:gd name="connsiteX2" fmla="*/ 114320 w 121940"/>
+                <a:gd name="connsiteY2" fmla="*/ 541020 h 541020"/>
+                <a:gd name="connsiteX0" fmla="*/ 99094 w 99094"/>
+                <a:gd name="connsiteY0" fmla="*/ 0 h 541020"/>
+                <a:gd name="connsiteX1" fmla="*/ 34 w 99094"/>
+                <a:gd name="connsiteY1" fmla="*/ 289560 h 541020"/>
+                <a:gd name="connsiteX2" fmla="*/ 91474 w 99094"/>
+                <a:gd name="connsiteY2" fmla="*/ 541020 h 541020"/>
+                <a:gd name="connsiteX0" fmla="*/ 236033 w 236033"/>
+                <a:gd name="connsiteY0" fmla="*/ 0 h 530398"/>
+                <a:gd name="connsiteX1" fmla="*/ 5317 w 236033"/>
+                <a:gd name="connsiteY1" fmla="*/ 278938 h 530398"/>
+                <a:gd name="connsiteX2" fmla="*/ 96757 w 236033"/>
+                <a:gd name="connsiteY2" fmla="*/ 530398 h 530398"/>
+                <a:gd name="connsiteX0" fmla="*/ 236033 w 236033"/>
+                <a:gd name="connsiteY0" fmla="*/ 0 h 530398"/>
+                <a:gd name="connsiteX1" fmla="*/ 5317 w 236033"/>
+                <a:gd name="connsiteY1" fmla="*/ 278938 h 530398"/>
+                <a:gd name="connsiteX2" fmla="*/ 96757 w 236033"/>
+                <a:gd name="connsiteY2" fmla="*/ 530398 h 530398"/>
+                <a:gd name="connsiteX0" fmla="*/ 237838 w 237838"/>
+                <a:gd name="connsiteY0" fmla="*/ 0 h 530398"/>
+                <a:gd name="connsiteX1" fmla="*/ 5192 w 237838"/>
+                <a:gd name="connsiteY1" fmla="*/ 250130 h 530398"/>
+                <a:gd name="connsiteX2" fmla="*/ 98562 w 237838"/>
+                <a:gd name="connsiteY2" fmla="*/ 530398 h 530398"/>
+                <a:gd name="connsiteX0" fmla="*/ 225567 w 225567"/>
+                <a:gd name="connsiteY0" fmla="*/ 0 h 530398"/>
+                <a:gd name="connsiteX1" fmla="*/ 6184 w 225567"/>
+                <a:gd name="connsiteY1" fmla="*/ 256556 h 530398"/>
+                <a:gd name="connsiteX2" fmla="*/ 86291 w 225567"/>
+                <a:gd name="connsiteY2" fmla="*/ 530398 h 530398"/>
+              </a:gdLst>
+              <a:ahLst/>
+              <a:cxnLst>
+                <a:cxn ang="0">
+                  <a:pos x="connsiteX0" y="connsiteY0"/>
+                </a:cxn>
+                <a:cxn ang="0">
+                  <a:pos x="connsiteX1" y="connsiteY1"/>
+                </a:cxn>
+                <a:cxn ang="0">
+                  <a:pos x="connsiteX2" y="connsiteY2"/>
+                </a:cxn>
+              </a:cxnLst>
+              <a:rect l="l" t="t" r="r" b="b"/>
+              <a:pathLst>
+                <a:path w="225567" h="530398">
+                  <a:moveTo>
+                    <a:pt x="225567" y="0"/>
+                  </a:moveTo>
+                  <a:cubicBezTo>
+                    <a:pt x="78950" y="55157"/>
+                    <a:pt x="29397" y="168156"/>
+                    <a:pt x="6184" y="256556"/>
+                  </a:cubicBezTo>
+                  <a:cubicBezTo>
+                    <a:pt x="-17029" y="344956"/>
+                    <a:pt x="28506" y="426893"/>
+                    <a:pt x="86291" y="530398"/>
+                  </a:cubicBezTo>
+                </a:path>
+              </a:pathLst>
+            </a:custGeom>
+            <a:noFill/>
+            <a:ln>
+              <a:solidFill>
+                <a:srgbClr val="FF0000"/>
+              </a:solidFill>
+              <a:headEnd type="none" w="med" len="med"/>
+              <a:tailEnd type="triangle" w="med" len="med"/>
+            </a:ln>
+          </p:spPr>
+          <p:style>
+            <a:lnRef idx="2">
+              <a:schemeClr val="accent1">
+                <a:shade val="50000"/>
+              </a:schemeClr>
+            </a:lnRef>
+            <a:fillRef idx="1">
+              <a:schemeClr val="accent1"/>
+            </a:fillRef>
+            <a:effectRef idx="0">
+              <a:schemeClr val="accent1"/>
+            </a:effectRef>
+            <a:fontRef idx="minor">
+              <a:schemeClr val="lt1"/>
+            </a:fontRef>
+          </p:style>
+          <p:txBody>
+            <a:bodyPr rtlCol="0" anchor="ctr"/>
+            <a:lstStyle/>
+            <a:p>
+              <a:pPr algn="ctr"/>
+              <a:endParaRPr lang="pt-BR"/>
+            </a:p>
+          </p:txBody>
+        </p:sp>
+        <p:cxnSp>
+          <p:nvCxnSpPr>
+            <p:cNvPr id="72" name="Conector de seta reta 71"/>
+            <p:cNvCxnSpPr/>
+            <p:nvPr/>
+          </p:nvCxnSpPr>
+          <p:spPr>
+            <a:xfrm>
+              <a:off x="6504627" y="4776714"/>
+              <a:ext cx="0" cy="452486"/>
+            </a:xfrm>
+            <a:prstGeom prst="straightConnector1">
+              <a:avLst/>
+            </a:prstGeom>
+            <a:ln w="19050">
+              <a:solidFill>
+                <a:srgbClr val="FF0000"/>
+              </a:solidFill>
+              <a:headEnd type="none" w="lg" len="lg"/>
+              <a:tailEnd type="triangle" w="lg" len="lg"/>
+            </a:ln>
+          </p:spPr>
+          <p:style>
+            <a:lnRef idx="1">
+              <a:schemeClr val="accent1"/>
+            </a:lnRef>
+            <a:fillRef idx="0">
+              <a:schemeClr val="accent1"/>
+            </a:fillRef>
+            <a:effectRef idx="0">
+              <a:schemeClr val="accent1"/>
+            </a:effectRef>
+            <a:fontRef idx="minor">
+              <a:schemeClr val="tx1"/>
+            </a:fontRef>
+          </p:style>
+        </p:cxnSp>
+        <p:cxnSp>
+          <p:nvCxnSpPr>
+            <p:cNvPr id="112" name="Conector de seta reta 111"/>
+            <p:cNvCxnSpPr/>
+            <p:nvPr/>
+          </p:nvCxnSpPr>
+          <p:spPr>
+            <a:xfrm>
+              <a:off x="4317504" y="2276872"/>
+              <a:ext cx="0" cy="648072"/>
+            </a:xfrm>
+            <a:prstGeom prst="straightConnector1">
+              <a:avLst/>
+            </a:prstGeom>
+            <a:ln w="19050">
+              <a:solidFill>
+                <a:srgbClr val="00B050"/>
+              </a:solidFill>
+              <a:headEnd type="none" w="lg" len="lg"/>
+              <a:tailEnd type="triangle" w="lg" len="lg"/>
+            </a:ln>
+          </p:spPr>
+          <p:style>
+            <a:lnRef idx="1">
+              <a:schemeClr val="accent1"/>
+            </a:lnRef>
+            <a:fillRef idx="0">
+              <a:schemeClr val="accent1"/>
+            </a:fillRef>
+            <a:effectRef idx="0">
+              <a:schemeClr val="accent1"/>
+            </a:effectRef>
+            <a:fontRef idx="minor">
+              <a:schemeClr val="tx1"/>
+            </a:fontRef>
+          </p:style>
+        </p:cxnSp>
+      </p:grpSp>
+      <p:sp>
+        <p:nvSpPr>
+          <p:cNvPr id="74" name="Forma livre 73"/>
+          <p:cNvSpPr/>
+          <p:nvPr/>
+        </p:nvSpPr>
+        <p:spPr>
+          <a:xfrm rot="1858745">
+            <a:off x="2394434" y="859300"/>
+            <a:ext cx="426561" cy="3596294"/>
+          </a:xfrm>
+          <a:custGeom>
+            <a:avLst/>
+            <a:gdLst>
+              <a:gd name="connsiteX0" fmla="*/ 121940 w 121940"/>
+              <a:gd name="connsiteY0" fmla="*/ 0 h 541020"/>
+              <a:gd name="connsiteX1" fmla="*/ 20 w 121940"/>
+              <a:gd name="connsiteY1" fmla="*/ 243840 h 541020"/>
+              <a:gd name="connsiteX2" fmla="*/ 114320 w 121940"/>
+              <a:gd name="connsiteY2" fmla="*/ 541020 h 541020"/>
+              <a:gd name="connsiteX0" fmla="*/ 99094 w 99094"/>
+              <a:gd name="connsiteY0" fmla="*/ 0 h 541020"/>
+              <a:gd name="connsiteX1" fmla="*/ 34 w 99094"/>
+              <a:gd name="connsiteY1" fmla="*/ 289560 h 541020"/>
+              <a:gd name="connsiteX2" fmla="*/ 91474 w 99094"/>
+              <a:gd name="connsiteY2" fmla="*/ 541020 h 541020"/>
+              <a:gd name="connsiteX0" fmla="*/ 99914 w 146690"/>
+              <a:gd name="connsiteY0" fmla="*/ 52483 h 3644912"/>
+              <a:gd name="connsiteX1" fmla="*/ 854 w 146690"/>
+              <a:gd name="connsiteY1" fmla="*/ 342043 h 3644912"/>
+              <a:gd name="connsiteX2" fmla="*/ 146690 w 146690"/>
+              <a:gd name="connsiteY2" fmla="*/ 3644912 h 3644912"/>
+              <a:gd name="connsiteX0" fmla="*/ 263455 w 310231"/>
+              <a:gd name="connsiteY0" fmla="*/ 0 h 3592429"/>
+              <a:gd name="connsiteX1" fmla="*/ 210 w 310231"/>
+              <a:gd name="connsiteY1" fmla="*/ 2059037 h 3592429"/>
+              <a:gd name="connsiteX2" fmla="*/ 310231 w 310231"/>
+              <a:gd name="connsiteY2" fmla="*/ 3592429 h 3592429"/>
+              <a:gd name="connsiteX0" fmla="*/ 263556 w 320787"/>
+              <a:gd name="connsiteY0" fmla="*/ 0 h 3595040"/>
+              <a:gd name="connsiteX1" fmla="*/ 311 w 320787"/>
+              <a:gd name="connsiteY1" fmla="*/ 2059037 h 3595040"/>
+              <a:gd name="connsiteX2" fmla="*/ 320787 w 320787"/>
+              <a:gd name="connsiteY2" fmla="*/ 3595040 h 3595040"/>
+              <a:gd name="connsiteX0" fmla="*/ 263556 w 320787"/>
+              <a:gd name="connsiteY0" fmla="*/ 0 h 3596402"/>
+              <a:gd name="connsiteX1" fmla="*/ 311 w 320787"/>
+              <a:gd name="connsiteY1" fmla="*/ 2059037 h 3596402"/>
+              <a:gd name="connsiteX2" fmla="*/ 320787 w 320787"/>
+              <a:gd name="connsiteY2" fmla="*/ 3595040 h 3596402"/>
+              <a:gd name="connsiteX0" fmla="*/ 369330 w 426561"/>
+              <a:gd name="connsiteY0" fmla="*/ 0 h 3596294"/>
+              <a:gd name="connsiteX1" fmla="*/ 209 w 426561"/>
+              <a:gd name="connsiteY1" fmla="*/ 1971508 h 3596294"/>
+              <a:gd name="connsiteX2" fmla="*/ 426561 w 426561"/>
+              <a:gd name="connsiteY2" fmla="*/ 3595040 h 3596294"/>
+            </a:gdLst>
+            <a:ahLst/>
+            <a:cxnLst>
+              <a:cxn ang="0">
+                <a:pos x="connsiteX0" y="connsiteY0"/>
+              </a:cxn>
+              <a:cxn ang="0">
+                <a:pos x="connsiteX1" y="connsiteY1"/>
+              </a:cxn>
+              <a:cxn ang="0">
+                <a:pos x="connsiteX2" y="connsiteY2"/>
+              </a:cxn>
+            </a:cxnLst>
+            <a:rect l="l" t="t" r="r" b="b"/>
+            <a:pathLst>
+              <a:path w="426561" h="3596294">
+                <a:moveTo>
+                  <a:pt x="369330" y="0"/>
+                </a:moveTo>
+                <a:cubicBezTo>
+                  <a:pt x="309005" y="76835"/>
+                  <a:pt x="-9329" y="1372335"/>
+                  <a:pt x="209" y="1971508"/>
+                </a:cubicBezTo>
+                <a:cubicBezTo>
+                  <a:pt x="9747" y="2570681"/>
+                  <a:pt x="243360" y="3637933"/>
+                  <a:pt x="426561" y="3595040"/>
+                </a:cubicBezTo>
+              </a:path>
+            </a:pathLst>
+          </a:custGeom>
           <a:noFill/>
-        </p:spPr>
-      </p:pic>
-      <p:pic>
-        <p:nvPicPr>
-          <p:cNvPr id="1030" name="Picture 6" descr="http://icons.iconarchive.com/icons/tuziibanez/profesional-red/128/network-drive-connected-icon.png"/>
-          <p:cNvPicPr>
-            <a:picLocks noChangeAspect="1" noChangeArrowheads="1"/>
-          </p:cNvPicPr>
-          <p:nvPr/>
-        </p:nvPicPr>
-        <p:blipFill>
-          <a:blip r:embed="rId3" cstate="print"/>
-          <a:srcRect/>
-          <a:stretch>
-            <a:fillRect/>
-          </a:stretch>
-        </p:blipFill>
-        <p:spPr bwMode="auto">
-          <a:xfrm>
-            <a:off x="5940152" y="1052736"/>
-            <a:ext cx="936104" cy="936105"/>
-          </a:xfrm>
-          <a:prstGeom prst="rect">
-            <a:avLst/>
-          </a:prstGeom>
+          <a:ln>
+            <a:solidFill>
+              <a:srgbClr val="00B050"/>
+            </a:solidFill>
+            <a:prstDash val="sysDash"/>
+            <a:headEnd type="none" w="med" len="med"/>
+            <a:tailEnd type="triangle" w="lg" len="med"/>
+          </a:ln>
+        </p:spPr>
+        <p:style>
+          <a:lnRef idx="2">
+            <a:schemeClr val="accent1">
+              <a:shade val="50000"/>
+            </a:schemeClr>
+          </a:lnRef>
+          <a:fillRef idx="1">
+            <a:schemeClr val="accent1"/>
+          </a:fillRef>
+          <a:effectRef idx="0">
+            <a:schemeClr val="accent1"/>
+          </a:effectRef>
+          <a:fontRef idx="minor">
+            <a:schemeClr val="lt1"/>
+          </a:fontRef>
+        </p:style>
+        <p:txBody>
+          <a:bodyPr rtlCol="0" anchor="ctr"/>
+          <a:lstStyle/>
+          <a:p>
+            <a:pPr algn="ctr"/>
+            <a:endParaRPr lang="pt-BR"/>
+          </a:p>
+        </p:txBody>
+      </p:sp>
+      <p:sp>
+        <p:nvSpPr>
+          <p:cNvPr id="75" name="Forma livre 74"/>
+          <p:cNvSpPr/>
+          <p:nvPr/>
+        </p:nvSpPr>
+        <p:spPr>
+          <a:xfrm rot="1858745" flipH="1" flipV="1">
+            <a:off x="2610192" y="972291"/>
+            <a:ext cx="310413" cy="3519913"/>
+          </a:xfrm>
+          <a:custGeom>
+            <a:avLst/>
+            <a:gdLst>
+              <a:gd name="connsiteX0" fmla="*/ 121940 w 121940"/>
+              <a:gd name="connsiteY0" fmla="*/ 0 h 541020"/>
+              <a:gd name="connsiteX1" fmla="*/ 20 w 121940"/>
+              <a:gd name="connsiteY1" fmla="*/ 243840 h 541020"/>
+              <a:gd name="connsiteX2" fmla="*/ 114320 w 121940"/>
+              <a:gd name="connsiteY2" fmla="*/ 541020 h 541020"/>
+              <a:gd name="connsiteX0" fmla="*/ 99094 w 99094"/>
+              <a:gd name="connsiteY0" fmla="*/ 0 h 541020"/>
+              <a:gd name="connsiteX1" fmla="*/ 34 w 99094"/>
+              <a:gd name="connsiteY1" fmla="*/ 289560 h 541020"/>
+              <a:gd name="connsiteX2" fmla="*/ 91474 w 99094"/>
+              <a:gd name="connsiteY2" fmla="*/ 541020 h 541020"/>
+              <a:gd name="connsiteX0" fmla="*/ 96663 w 96663"/>
+              <a:gd name="connsiteY0" fmla="*/ 0 h 3585811"/>
+              <a:gd name="connsiteX1" fmla="*/ 16 w 96663"/>
+              <a:gd name="connsiteY1" fmla="*/ 3272795 h 3585811"/>
+              <a:gd name="connsiteX2" fmla="*/ 91456 w 96663"/>
+              <a:gd name="connsiteY2" fmla="*/ 3524255 h 3585811"/>
+              <a:gd name="connsiteX0" fmla="*/ 12407 w 259277"/>
+              <a:gd name="connsiteY0" fmla="*/ 0 h 3524255"/>
+              <a:gd name="connsiteX1" fmla="*/ 259275 w 259277"/>
+              <a:gd name="connsiteY1" fmla="*/ 1499181 h 3524255"/>
+              <a:gd name="connsiteX2" fmla="*/ 7200 w 259277"/>
+              <a:gd name="connsiteY2" fmla="*/ 3524255 h 3524255"/>
+              <a:gd name="connsiteX0" fmla="*/ 12436 w 257899"/>
+              <a:gd name="connsiteY0" fmla="*/ 0 h 3524255"/>
+              <a:gd name="connsiteX1" fmla="*/ 257898 w 257899"/>
+              <a:gd name="connsiteY1" fmla="*/ 1792166 h 3524255"/>
+              <a:gd name="connsiteX2" fmla="*/ 7229 w 257899"/>
+              <a:gd name="connsiteY2" fmla="*/ 3524255 h 3524255"/>
+              <a:gd name="connsiteX0" fmla="*/ 12436 w 257902"/>
+              <a:gd name="connsiteY0" fmla="*/ 0 h 3524255"/>
+              <a:gd name="connsiteX1" fmla="*/ 257898 w 257902"/>
+              <a:gd name="connsiteY1" fmla="*/ 1792166 h 3524255"/>
+              <a:gd name="connsiteX2" fmla="*/ 7229 w 257902"/>
+              <a:gd name="connsiteY2" fmla="*/ 3524255 h 3524255"/>
+              <a:gd name="connsiteX0" fmla="*/ 5207 w 250673"/>
+              <a:gd name="connsiteY0" fmla="*/ 0 h 3524255"/>
+              <a:gd name="connsiteX1" fmla="*/ 250669 w 250673"/>
+              <a:gd name="connsiteY1" fmla="*/ 1792166 h 3524255"/>
+              <a:gd name="connsiteX2" fmla="*/ 0 w 250673"/>
+              <a:gd name="connsiteY2" fmla="*/ 3524255 h 3524255"/>
+              <a:gd name="connsiteX0" fmla="*/ 5207 w 250673"/>
+              <a:gd name="connsiteY0" fmla="*/ 0 h 3524255"/>
+              <a:gd name="connsiteX1" fmla="*/ 250669 w 250673"/>
+              <a:gd name="connsiteY1" fmla="*/ 1792166 h 3524255"/>
+              <a:gd name="connsiteX2" fmla="*/ 0 w 250673"/>
+              <a:gd name="connsiteY2" fmla="*/ 3524255 h 3524255"/>
+              <a:gd name="connsiteX0" fmla="*/ 108430 w 355329"/>
+              <a:gd name="connsiteY0" fmla="*/ 0 h 3507350"/>
+              <a:gd name="connsiteX1" fmla="*/ 353892 w 355329"/>
+              <a:gd name="connsiteY1" fmla="*/ 1792166 h 3507350"/>
+              <a:gd name="connsiteX2" fmla="*/ 0 w 355329"/>
+              <a:gd name="connsiteY2" fmla="*/ 3507350 h 3507350"/>
+              <a:gd name="connsiteX0" fmla="*/ 108430 w 355329"/>
+              <a:gd name="connsiteY0" fmla="*/ 0 h 3507350"/>
+              <a:gd name="connsiteX1" fmla="*/ 353892 w 355329"/>
+              <a:gd name="connsiteY1" fmla="*/ 1792166 h 3507350"/>
+              <a:gd name="connsiteX2" fmla="*/ 0 w 355329"/>
+              <a:gd name="connsiteY2" fmla="*/ 3507350 h 3507350"/>
+            </a:gdLst>
+            <a:ahLst/>
+            <a:cxnLst>
+              <a:cxn ang="0">
+                <a:pos x="connsiteX0" y="connsiteY0"/>
+              </a:cxn>
+              <a:cxn ang="0">
+                <a:pos x="connsiteX1" y="connsiteY1"/>
+              </a:cxn>
+              <a:cxn ang="0">
+                <a:pos x="connsiteX2" y="connsiteY2"/>
+              </a:cxn>
+            </a:cxnLst>
+            <a:rect l="l" t="t" r="r" b="b"/>
+            <a:pathLst>
+              <a:path w="355329" h="3507350">
+                <a:moveTo>
+                  <a:pt x="108430" y="0"/>
+                </a:moveTo>
+                <a:cubicBezTo>
+                  <a:pt x="215686" y="201802"/>
+                  <a:pt x="371964" y="1207608"/>
+                  <a:pt x="353892" y="1792166"/>
+                </a:cubicBezTo>
+                <a:cubicBezTo>
+                  <a:pt x="335820" y="2376724"/>
+                  <a:pt x="162132" y="3457183"/>
+                  <a:pt x="0" y="3507350"/>
+                </a:cubicBezTo>
+              </a:path>
+            </a:pathLst>
+          </a:custGeom>
           <a:noFill/>
-        </p:spPr>
-      </p:pic>
-      <p:pic>
-        <p:nvPicPr>
-          <p:cNvPr id="1032" name="Picture 8" descr="http://icons.iconarchive.com/icons/icons-land/vista-hardware-devices/128/Portable-Computer-icon.png"/>
-          <p:cNvPicPr>
-            <a:picLocks noChangeAspect="1" noChangeArrowheads="1"/>
-          </p:cNvPicPr>
-          <p:nvPr/>
-        </p:nvPicPr>
-        <p:blipFill>
-          <a:blip r:embed="rId4" cstate="print"/>
-          <a:srcRect/>
-          <a:stretch>
-            <a:fillRect/>
-          </a:stretch>
-        </p:blipFill>
-        <p:spPr bwMode="auto">
-          <a:xfrm>
-            <a:off x="4067944" y="2924944"/>
-            <a:ext cx="504055" cy="504056"/>
-          </a:xfrm>
-          <a:prstGeom prst="rect">
-            <a:avLst/>
-          </a:prstGeom>
+          <a:ln>
+            <a:solidFill>
+              <a:srgbClr val="FF0000"/>
+            </a:solidFill>
+            <a:prstDash val="sysDash"/>
+            <a:headEnd type="none" w="med" len="med"/>
+            <a:tailEnd type="triangle" w="lg" len="med"/>
+          </a:ln>
+        </p:spPr>
+        <p:style>
+          <a:lnRef idx="2">
+            <a:schemeClr val="accent1">
+              <a:shade val="50000"/>
+            </a:schemeClr>
+          </a:lnRef>
+          <a:fillRef idx="1">
+            <a:schemeClr val="accent1"/>
+          </a:fillRef>
+          <a:effectRef idx="0">
+            <a:schemeClr val="accent1"/>
+          </a:effectRef>
+          <a:fontRef idx="minor">
+            <a:schemeClr val="lt1"/>
+          </a:fontRef>
+        </p:style>
+        <p:txBody>
+          <a:bodyPr rtlCol="0" anchor="ctr"/>
+          <a:lstStyle/>
+          <a:p>
+            <a:pPr algn="ctr"/>
+            <a:endParaRPr lang="pt-BR"/>
+          </a:p>
+        </p:txBody>
+      </p:sp>
+      <p:grpSp>
+        <p:nvGrpSpPr>
+          <p:cNvPr id="78" name="Grupo 77"/>
+          <p:cNvGrpSpPr/>
+          <p:nvPr/>
+        </p:nvGrpSpPr>
+        <p:grpSpPr>
+          <a:xfrm rot="7590775">
+            <a:off x="2406807" y="4190344"/>
+            <a:ext cx="117749" cy="475443"/>
+            <a:chOff x="788253" y="2935895"/>
+            <a:chExt cx="210626" cy="741238"/>
+          </a:xfrm>
+        </p:grpSpPr>
+        <p:sp>
+          <p:nvSpPr>
+            <p:cNvPr id="79" name="Forma livre 78"/>
+            <p:cNvSpPr/>
+            <p:nvPr/>
+          </p:nvSpPr>
+          <p:spPr>
+            <a:xfrm rot="19213664">
+              <a:off x="788253" y="3030018"/>
+              <a:ext cx="103840" cy="647115"/>
+            </a:xfrm>
+            <a:custGeom>
+              <a:avLst/>
+              <a:gdLst>
+                <a:gd name="connsiteX0" fmla="*/ 121940 w 121940"/>
+                <a:gd name="connsiteY0" fmla="*/ 0 h 541020"/>
+                <a:gd name="connsiteX1" fmla="*/ 20 w 121940"/>
+                <a:gd name="connsiteY1" fmla="*/ 243840 h 541020"/>
+                <a:gd name="connsiteX2" fmla="*/ 114320 w 121940"/>
+                <a:gd name="connsiteY2" fmla="*/ 541020 h 541020"/>
+                <a:gd name="connsiteX0" fmla="*/ 99094 w 99094"/>
+                <a:gd name="connsiteY0" fmla="*/ 0 h 541020"/>
+                <a:gd name="connsiteX1" fmla="*/ 34 w 99094"/>
+                <a:gd name="connsiteY1" fmla="*/ 289560 h 541020"/>
+                <a:gd name="connsiteX2" fmla="*/ 91474 w 99094"/>
+                <a:gd name="connsiteY2" fmla="*/ 541020 h 541020"/>
+              </a:gdLst>
+              <a:ahLst/>
+              <a:cxnLst>
+                <a:cxn ang="0">
+                  <a:pos x="connsiteX0" y="connsiteY0"/>
+                </a:cxn>
+                <a:cxn ang="0">
+                  <a:pos x="connsiteX1" y="connsiteY1"/>
+                </a:cxn>
+                <a:cxn ang="0">
+                  <a:pos x="connsiteX2" y="connsiteY2"/>
+                </a:cxn>
+              </a:cxnLst>
+              <a:rect l="l" t="t" r="r" b="b"/>
+              <a:pathLst>
+                <a:path w="99094" h="541020">
+                  <a:moveTo>
+                    <a:pt x="99094" y="0"/>
+                  </a:moveTo>
+                  <a:cubicBezTo>
+                    <a:pt x="38769" y="76835"/>
+                    <a:pt x="1304" y="199390"/>
+                    <a:pt x="34" y="289560"/>
+                  </a:cubicBezTo>
+                  <a:cubicBezTo>
+                    <a:pt x="-1236" y="379730"/>
+                    <a:pt x="33689" y="437515"/>
+                    <a:pt x="91474" y="541020"/>
+                  </a:cubicBezTo>
+                </a:path>
+              </a:pathLst>
+            </a:custGeom>
+            <a:noFill/>
+            <a:ln>
+              <a:solidFill>
+                <a:srgbClr val="00B050"/>
+              </a:solidFill>
+              <a:prstDash val="sysDash"/>
+              <a:headEnd type="none" w="med" len="med"/>
+              <a:tailEnd type="triangle" w="lg" len="med"/>
+            </a:ln>
+          </p:spPr>
+          <p:style>
+            <a:lnRef idx="2">
+              <a:schemeClr val="accent1">
+                <a:shade val="50000"/>
+              </a:schemeClr>
+            </a:lnRef>
+            <a:fillRef idx="1">
+              <a:schemeClr val="accent1"/>
+            </a:fillRef>
+            <a:effectRef idx="0">
+              <a:schemeClr val="accent1"/>
+            </a:effectRef>
+            <a:fontRef idx="minor">
+              <a:schemeClr val="lt1"/>
+            </a:fontRef>
+          </p:style>
+          <p:txBody>
+            <a:bodyPr rtlCol="0" anchor="ctr"/>
+            <a:lstStyle/>
+            <a:p>
+              <a:pPr algn="ctr"/>
+              <a:endParaRPr lang="pt-BR"/>
+            </a:p>
+          </p:txBody>
+        </p:sp>
+        <p:sp>
+          <p:nvSpPr>
+            <p:cNvPr id="81" name="Forma livre 80"/>
+            <p:cNvSpPr/>
+            <p:nvPr/>
+          </p:nvSpPr>
+          <p:spPr>
+            <a:xfrm rot="19213664" flipH="1" flipV="1">
+              <a:off x="908165" y="2935895"/>
+              <a:ext cx="90714" cy="649433"/>
+            </a:xfrm>
+            <a:custGeom>
+              <a:avLst/>
+              <a:gdLst>
+                <a:gd name="connsiteX0" fmla="*/ 121940 w 121940"/>
+                <a:gd name="connsiteY0" fmla="*/ 0 h 541020"/>
+                <a:gd name="connsiteX1" fmla="*/ 20 w 121940"/>
+                <a:gd name="connsiteY1" fmla="*/ 243840 h 541020"/>
+                <a:gd name="connsiteX2" fmla="*/ 114320 w 121940"/>
+                <a:gd name="connsiteY2" fmla="*/ 541020 h 541020"/>
+                <a:gd name="connsiteX0" fmla="*/ 99094 w 99094"/>
+                <a:gd name="connsiteY0" fmla="*/ 0 h 541020"/>
+                <a:gd name="connsiteX1" fmla="*/ 34 w 99094"/>
+                <a:gd name="connsiteY1" fmla="*/ 289560 h 541020"/>
+                <a:gd name="connsiteX2" fmla="*/ 91474 w 99094"/>
+                <a:gd name="connsiteY2" fmla="*/ 541020 h 541020"/>
+              </a:gdLst>
+              <a:ahLst/>
+              <a:cxnLst>
+                <a:cxn ang="0">
+                  <a:pos x="connsiteX0" y="connsiteY0"/>
+                </a:cxn>
+                <a:cxn ang="0">
+                  <a:pos x="connsiteX1" y="connsiteY1"/>
+                </a:cxn>
+                <a:cxn ang="0">
+                  <a:pos x="connsiteX2" y="connsiteY2"/>
+                </a:cxn>
+              </a:cxnLst>
+              <a:rect l="l" t="t" r="r" b="b"/>
+              <a:pathLst>
+                <a:path w="99094" h="541020">
+                  <a:moveTo>
+                    <a:pt x="99094" y="0"/>
+                  </a:moveTo>
+                  <a:cubicBezTo>
+                    <a:pt x="38769" y="76835"/>
+                    <a:pt x="1304" y="199390"/>
+                    <a:pt x="34" y="289560"/>
+                  </a:cubicBezTo>
+                  <a:cubicBezTo>
+                    <a:pt x="-1236" y="379730"/>
+                    <a:pt x="33689" y="437515"/>
+                    <a:pt x="91474" y="541020"/>
+                  </a:cubicBezTo>
+                </a:path>
+              </a:pathLst>
+            </a:custGeom>
+            <a:noFill/>
+            <a:ln>
+              <a:solidFill>
+                <a:srgbClr val="FF0000"/>
+              </a:solidFill>
+              <a:prstDash val="sysDash"/>
+              <a:headEnd type="none" w="med" len="med"/>
+              <a:tailEnd type="triangle" w="lg" len="med"/>
+            </a:ln>
+          </p:spPr>
+          <p:style>
+            <a:lnRef idx="2">
+              <a:schemeClr val="accent1">
+                <a:shade val="50000"/>
+              </a:schemeClr>
+            </a:lnRef>
+            <a:fillRef idx="1">
+              <a:schemeClr val="accent1"/>
+            </a:fillRef>
+            <a:effectRef idx="0">
+              <a:schemeClr val="accent1"/>
+            </a:effectRef>
+            <a:fontRef idx="minor">
+              <a:schemeClr val="lt1"/>
+            </a:fontRef>
+          </p:style>
+          <p:txBody>
+            <a:bodyPr rtlCol="0" anchor="ctr"/>
+            <a:lstStyle/>
+            <a:p>
+              <a:pPr algn="ctr"/>
+              <a:endParaRPr lang="pt-BR"/>
+            </a:p>
+          </p:txBody>
+        </p:sp>
+      </p:grpSp>
+      <p:grpSp>
+        <p:nvGrpSpPr>
+          <p:cNvPr id="82" name="Grupo 81"/>
+          <p:cNvGrpSpPr/>
+          <p:nvPr/>
+        </p:nvGrpSpPr>
+        <p:grpSpPr>
+          <a:xfrm rot="7590775">
+            <a:off x="3224175" y="4220341"/>
+            <a:ext cx="117750" cy="475442"/>
+            <a:chOff x="788253" y="2935896"/>
+            <a:chExt cx="210627" cy="741237"/>
+          </a:xfrm>
+        </p:grpSpPr>
+        <p:sp>
+          <p:nvSpPr>
+            <p:cNvPr id="83" name="Forma livre 82"/>
+            <p:cNvSpPr/>
+            <p:nvPr/>
+          </p:nvSpPr>
+          <p:spPr>
+            <a:xfrm rot="19213664">
+              <a:off x="788253" y="3030018"/>
+              <a:ext cx="103840" cy="647115"/>
+            </a:xfrm>
+            <a:custGeom>
+              <a:avLst/>
+              <a:gdLst>
+                <a:gd name="connsiteX0" fmla="*/ 121940 w 121940"/>
+                <a:gd name="connsiteY0" fmla="*/ 0 h 541020"/>
+                <a:gd name="connsiteX1" fmla="*/ 20 w 121940"/>
+                <a:gd name="connsiteY1" fmla="*/ 243840 h 541020"/>
+                <a:gd name="connsiteX2" fmla="*/ 114320 w 121940"/>
+                <a:gd name="connsiteY2" fmla="*/ 541020 h 541020"/>
+                <a:gd name="connsiteX0" fmla="*/ 99094 w 99094"/>
+                <a:gd name="connsiteY0" fmla="*/ 0 h 541020"/>
+                <a:gd name="connsiteX1" fmla="*/ 34 w 99094"/>
+                <a:gd name="connsiteY1" fmla="*/ 289560 h 541020"/>
+                <a:gd name="connsiteX2" fmla="*/ 91474 w 99094"/>
+                <a:gd name="connsiteY2" fmla="*/ 541020 h 541020"/>
+              </a:gdLst>
+              <a:ahLst/>
+              <a:cxnLst>
+                <a:cxn ang="0">
+                  <a:pos x="connsiteX0" y="connsiteY0"/>
+                </a:cxn>
+                <a:cxn ang="0">
+                  <a:pos x="connsiteX1" y="connsiteY1"/>
+                </a:cxn>
+                <a:cxn ang="0">
+                  <a:pos x="connsiteX2" y="connsiteY2"/>
+                </a:cxn>
+              </a:cxnLst>
+              <a:rect l="l" t="t" r="r" b="b"/>
+              <a:pathLst>
+                <a:path w="99094" h="541020">
+                  <a:moveTo>
+                    <a:pt x="99094" y="0"/>
+                  </a:moveTo>
+                  <a:cubicBezTo>
+                    <a:pt x="38769" y="76835"/>
+                    <a:pt x="1304" y="199390"/>
+                    <a:pt x="34" y="289560"/>
+                  </a:cubicBezTo>
+                  <a:cubicBezTo>
+                    <a:pt x="-1236" y="379730"/>
+                    <a:pt x="33689" y="437515"/>
+                    <a:pt x="91474" y="541020"/>
+                  </a:cubicBezTo>
+                </a:path>
+              </a:pathLst>
+            </a:custGeom>
+            <a:noFill/>
+            <a:ln>
+              <a:solidFill>
+                <a:srgbClr val="00B050"/>
+              </a:solidFill>
+              <a:prstDash val="sysDash"/>
+              <a:headEnd type="none" w="med" len="med"/>
+              <a:tailEnd type="triangle" w="lg" len="med"/>
+            </a:ln>
+          </p:spPr>
+          <p:style>
+            <a:lnRef idx="2">
+              <a:schemeClr val="accent1">
+                <a:shade val="50000"/>
+              </a:schemeClr>
+            </a:lnRef>
+            <a:fillRef idx="1">
+              <a:schemeClr val="accent1"/>
+            </a:fillRef>
+            <a:effectRef idx="0">
+              <a:schemeClr val="accent1"/>
+            </a:effectRef>
+            <a:fontRef idx="minor">
+              <a:schemeClr val="lt1"/>
+            </a:fontRef>
+          </p:style>
+          <p:txBody>
+            <a:bodyPr rtlCol="0" anchor="ctr"/>
+            <a:lstStyle/>
+            <a:p>
+              <a:pPr algn="ctr"/>
+              <a:endParaRPr lang="pt-BR"/>
+            </a:p>
+          </p:txBody>
+        </p:sp>
+        <p:sp>
+          <p:nvSpPr>
+            <p:cNvPr id="84" name="Forma livre 83"/>
+            <p:cNvSpPr/>
+            <p:nvPr/>
+          </p:nvSpPr>
+          <p:spPr>
+            <a:xfrm rot="19213664" flipH="1" flipV="1">
+              <a:off x="908166" y="2935896"/>
+              <a:ext cx="90714" cy="649434"/>
+            </a:xfrm>
+            <a:custGeom>
+              <a:avLst/>
+              <a:gdLst>
+                <a:gd name="connsiteX0" fmla="*/ 121940 w 121940"/>
+                <a:gd name="connsiteY0" fmla="*/ 0 h 541020"/>
+                <a:gd name="connsiteX1" fmla="*/ 20 w 121940"/>
+                <a:gd name="connsiteY1" fmla="*/ 243840 h 541020"/>
+                <a:gd name="connsiteX2" fmla="*/ 114320 w 121940"/>
+                <a:gd name="connsiteY2" fmla="*/ 541020 h 541020"/>
+                <a:gd name="connsiteX0" fmla="*/ 99094 w 99094"/>
+                <a:gd name="connsiteY0" fmla="*/ 0 h 541020"/>
+                <a:gd name="connsiteX1" fmla="*/ 34 w 99094"/>
+                <a:gd name="connsiteY1" fmla="*/ 289560 h 541020"/>
+                <a:gd name="connsiteX2" fmla="*/ 91474 w 99094"/>
+                <a:gd name="connsiteY2" fmla="*/ 541020 h 541020"/>
+              </a:gdLst>
+              <a:ahLst/>
+              <a:cxnLst>
+                <a:cxn ang="0">
+                  <a:pos x="connsiteX0" y="connsiteY0"/>
+                </a:cxn>
+                <a:cxn ang="0">
+                  <a:pos x="connsiteX1" y="connsiteY1"/>
+                </a:cxn>
+                <a:cxn ang="0">
+                  <a:pos x="connsiteX2" y="connsiteY2"/>
+                </a:cxn>
+              </a:cxnLst>
+              <a:rect l="l" t="t" r="r" b="b"/>
+              <a:pathLst>
+                <a:path w="99094" h="541020">
+                  <a:moveTo>
+                    <a:pt x="99094" y="0"/>
+                  </a:moveTo>
+                  <a:cubicBezTo>
+                    <a:pt x="38769" y="76835"/>
+                    <a:pt x="1304" y="199390"/>
+                    <a:pt x="34" y="289560"/>
+                  </a:cubicBezTo>
+                  <a:cubicBezTo>
+                    <a:pt x="-1236" y="379730"/>
+                    <a:pt x="33689" y="437515"/>
+                    <a:pt x="91474" y="541020"/>
+                  </a:cubicBezTo>
+                </a:path>
+              </a:pathLst>
+            </a:custGeom>
+            <a:noFill/>
+            <a:ln>
+              <a:solidFill>
+                <a:srgbClr val="FF0000"/>
+              </a:solidFill>
+              <a:prstDash val="sysDash"/>
+              <a:headEnd type="none" w="med" len="med"/>
+              <a:tailEnd type="triangle" w="lg" len="med"/>
+            </a:ln>
+          </p:spPr>
+          <p:style>
+            <a:lnRef idx="2">
+              <a:schemeClr val="accent1">
+                <a:shade val="50000"/>
+              </a:schemeClr>
+            </a:lnRef>
+            <a:fillRef idx="1">
+              <a:schemeClr val="accent1"/>
+            </a:fillRef>
+            <a:effectRef idx="0">
+              <a:schemeClr val="accent1"/>
+            </a:effectRef>
+            <a:fontRef idx="minor">
+              <a:schemeClr val="lt1"/>
+            </a:fontRef>
+          </p:style>
+          <p:txBody>
+            <a:bodyPr rtlCol="0" anchor="ctr"/>
+            <a:lstStyle/>
+            <a:p>
+              <a:pPr algn="ctr"/>
+              <a:endParaRPr lang="pt-BR"/>
+            </a:p>
+          </p:txBody>
+        </p:sp>
+      </p:grpSp>
+      <p:grpSp>
+        <p:nvGrpSpPr>
+          <p:cNvPr id="85" name="Grupo 84"/>
+          <p:cNvGrpSpPr/>
+          <p:nvPr/>
+        </p:nvGrpSpPr>
+        <p:grpSpPr>
+          <a:xfrm rot="7590775">
+            <a:off x="6915325" y="4113579"/>
+            <a:ext cx="117749" cy="475443"/>
+            <a:chOff x="788253" y="2935895"/>
+            <a:chExt cx="210626" cy="741238"/>
+          </a:xfrm>
+        </p:grpSpPr>
+        <p:sp>
+          <p:nvSpPr>
+            <p:cNvPr id="89" name="Forma livre 88"/>
+            <p:cNvSpPr/>
+            <p:nvPr/>
+          </p:nvSpPr>
+          <p:spPr>
+            <a:xfrm rot="19213664">
+              <a:off x="788253" y="3030018"/>
+              <a:ext cx="103840" cy="647115"/>
+            </a:xfrm>
+            <a:custGeom>
+              <a:avLst/>
+              <a:gdLst>
+                <a:gd name="connsiteX0" fmla="*/ 121940 w 121940"/>
+                <a:gd name="connsiteY0" fmla="*/ 0 h 541020"/>
+                <a:gd name="connsiteX1" fmla="*/ 20 w 121940"/>
+                <a:gd name="connsiteY1" fmla="*/ 243840 h 541020"/>
+                <a:gd name="connsiteX2" fmla="*/ 114320 w 121940"/>
+                <a:gd name="connsiteY2" fmla="*/ 541020 h 541020"/>
+                <a:gd name="connsiteX0" fmla="*/ 99094 w 99094"/>
+                <a:gd name="connsiteY0" fmla="*/ 0 h 541020"/>
+                <a:gd name="connsiteX1" fmla="*/ 34 w 99094"/>
+                <a:gd name="connsiteY1" fmla="*/ 289560 h 541020"/>
+                <a:gd name="connsiteX2" fmla="*/ 91474 w 99094"/>
+                <a:gd name="connsiteY2" fmla="*/ 541020 h 541020"/>
+              </a:gdLst>
+              <a:ahLst/>
+              <a:cxnLst>
+                <a:cxn ang="0">
+                  <a:pos x="connsiteX0" y="connsiteY0"/>
+                </a:cxn>
+                <a:cxn ang="0">
+                  <a:pos x="connsiteX1" y="connsiteY1"/>
+                </a:cxn>
+                <a:cxn ang="0">
+                  <a:pos x="connsiteX2" y="connsiteY2"/>
+                </a:cxn>
+              </a:cxnLst>
+              <a:rect l="l" t="t" r="r" b="b"/>
+              <a:pathLst>
+                <a:path w="99094" h="541020">
+                  <a:moveTo>
+                    <a:pt x="99094" y="0"/>
+                  </a:moveTo>
+                  <a:cubicBezTo>
+                    <a:pt x="38769" y="76835"/>
+                    <a:pt x="1304" y="199390"/>
+                    <a:pt x="34" y="289560"/>
+                  </a:cubicBezTo>
+                  <a:cubicBezTo>
+                    <a:pt x="-1236" y="379730"/>
+                    <a:pt x="33689" y="437515"/>
+                    <a:pt x="91474" y="541020"/>
+                  </a:cubicBezTo>
+                </a:path>
+              </a:pathLst>
+            </a:custGeom>
+            <a:noFill/>
+            <a:ln>
+              <a:solidFill>
+                <a:srgbClr val="00B050"/>
+              </a:solidFill>
+              <a:prstDash val="sysDash"/>
+              <a:headEnd type="none" w="med" len="med"/>
+              <a:tailEnd type="triangle" w="lg" len="med"/>
+            </a:ln>
+          </p:spPr>
+          <p:style>
+            <a:lnRef idx="2">
+              <a:schemeClr val="accent1">
+                <a:shade val="50000"/>
+              </a:schemeClr>
+            </a:lnRef>
+            <a:fillRef idx="1">
+              <a:schemeClr val="accent1"/>
+            </a:fillRef>
+            <a:effectRef idx="0">
+              <a:schemeClr val="accent1"/>
+            </a:effectRef>
+            <a:fontRef idx="minor">
+              <a:schemeClr val="lt1"/>
+            </a:fontRef>
+          </p:style>
+          <p:txBody>
+            <a:bodyPr rtlCol="0" anchor="ctr"/>
+            <a:lstStyle/>
+            <a:p>
+              <a:pPr algn="ctr"/>
+              <a:endParaRPr lang="pt-BR"/>
+            </a:p>
+          </p:txBody>
+        </p:sp>
+        <p:sp>
+          <p:nvSpPr>
+            <p:cNvPr id="92" name="Forma livre 91"/>
+            <p:cNvSpPr/>
+            <p:nvPr/>
+          </p:nvSpPr>
+          <p:spPr>
+            <a:xfrm rot="19213664" flipH="1" flipV="1">
+              <a:off x="908165" y="2935895"/>
+              <a:ext cx="90714" cy="649433"/>
+            </a:xfrm>
+            <a:custGeom>
+              <a:avLst/>
+              <a:gdLst>
+                <a:gd name="connsiteX0" fmla="*/ 121940 w 121940"/>
+                <a:gd name="connsiteY0" fmla="*/ 0 h 541020"/>
+                <a:gd name="connsiteX1" fmla="*/ 20 w 121940"/>
+                <a:gd name="connsiteY1" fmla="*/ 243840 h 541020"/>
+                <a:gd name="connsiteX2" fmla="*/ 114320 w 121940"/>
+                <a:gd name="connsiteY2" fmla="*/ 541020 h 541020"/>
+                <a:gd name="connsiteX0" fmla="*/ 99094 w 99094"/>
+                <a:gd name="connsiteY0" fmla="*/ 0 h 541020"/>
+                <a:gd name="connsiteX1" fmla="*/ 34 w 99094"/>
+                <a:gd name="connsiteY1" fmla="*/ 289560 h 541020"/>
+                <a:gd name="connsiteX2" fmla="*/ 91474 w 99094"/>
+                <a:gd name="connsiteY2" fmla="*/ 541020 h 541020"/>
+              </a:gdLst>
+              <a:ahLst/>
+              <a:cxnLst>
+                <a:cxn ang="0">
+                  <a:pos x="connsiteX0" y="connsiteY0"/>
+                </a:cxn>
+                <a:cxn ang="0">
+                  <a:pos x="connsiteX1" y="connsiteY1"/>
+                </a:cxn>
+                <a:cxn ang="0">
+                  <a:pos x="connsiteX2" y="connsiteY2"/>
+                </a:cxn>
+              </a:cxnLst>
+              <a:rect l="l" t="t" r="r" b="b"/>
+              <a:pathLst>
+                <a:path w="99094" h="541020">
+                  <a:moveTo>
+                    <a:pt x="99094" y="0"/>
+                  </a:moveTo>
+                  <a:cubicBezTo>
+                    <a:pt x="38769" y="76835"/>
+                    <a:pt x="1304" y="199390"/>
+                    <a:pt x="34" y="289560"/>
+                  </a:cubicBezTo>
+                  <a:cubicBezTo>
+                    <a:pt x="-1236" y="379730"/>
+                    <a:pt x="33689" y="437515"/>
+                    <a:pt x="91474" y="541020"/>
+                  </a:cubicBezTo>
+                </a:path>
+              </a:pathLst>
+            </a:custGeom>
+            <a:noFill/>
+            <a:ln>
+              <a:solidFill>
+                <a:srgbClr val="FF0000"/>
+              </a:solidFill>
+              <a:prstDash val="sysDash"/>
+              <a:headEnd type="none" w="med" len="med"/>
+              <a:tailEnd type="triangle" w="lg" len="med"/>
+            </a:ln>
+          </p:spPr>
+          <p:style>
+            <a:lnRef idx="2">
+              <a:schemeClr val="accent1">
+                <a:shade val="50000"/>
+              </a:schemeClr>
+            </a:lnRef>
+            <a:fillRef idx="1">
+              <a:schemeClr val="accent1"/>
+            </a:fillRef>
+            <a:effectRef idx="0">
+              <a:schemeClr val="accent1"/>
+            </a:effectRef>
+            <a:fontRef idx="minor">
+              <a:schemeClr val="lt1"/>
+            </a:fontRef>
+          </p:style>
+          <p:txBody>
+            <a:bodyPr rtlCol="0" anchor="ctr"/>
+            <a:lstStyle/>
+            <a:p>
+              <a:pPr algn="ctr"/>
+              <a:endParaRPr lang="pt-BR"/>
+            </a:p>
+          </p:txBody>
+        </p:sp>
+      </p:grpSp>
+      <p:sp>
+        <p:nvSpPr>
+          <p:cNvPr id="97" name="Forma livre 96"/>
+          <p:cNvSpPr/>
+          <p:nvPr/>
+        </p:nvSpPr>
+        <p:spPr>
+          <a:xfrm rot="5996636" flipH="1" flipV="1">
+            <a:off x="3834981" y="3260883"/>
+            <a:ext cx="415684" cy="4440715"/>
+          </a:xfrm>
+          <a:custGeom>
+            <a:avLst/>
+            <a:gdLst>
+              <a:gd name="connsiteX0" fmla="*/ 121940 w 121940"/>
+              <a:gd name="connsiteY0" fmla="*/ 0 h 541020"/>
+              <a:gd name="connsiteX1" fmla="*/ 20 w 121940"/>
+              <a:gd name="connsiteY1" fmla="*/ 243840 h 541020"/>
+              <a:gd name="connsiteX2" fmla="*/ 114320 w 121940"/>
+              <a:gd name="connsiteY2" fmla="*/ 541020 h 541020"/>
+              <a:gd name="connsiteX0" fmla="*/ 99094 w 99094"/>
+              <a:gd name="connsiteY0" fmla="*/ 0 h 541020"/>
+              <a:gd name="connsiteX1" fmla="*/ 34 w 99094"/>
+              <a:gd name="connsiteY1" fmla="*/ 289560 h 541020"/>
+              <a:gd name="connsiteX2" fmla="*/ 91474 w 99094"/>
+              <a:gd name="connsiteY2" fmla="*/ 541020 h 541020"/>
+              <a:gd name="connsiteX0" fmla="*/ 101516 w 101516"/>
+              <a:gd name="connsiteY0" fmla="*/ 0 h 541020"/>
+              <a:gd name="connsiteX1" fmla="*/ 2456 w 101516"/>
+              <a:gd name="connsiteY1" fmla="*/ 289560 h 541020"/>
+              <a:gd name="connsiteX2" fmla="*/ 93896 w 101516"/>
+              <a:gd name="connsiteY2" fmla="*/ 541020 h 541020"/>
+              <a:gd name="connsiteX0" fmla="*/ 99102 w 99102"/>
+              <a:gd name="connsiteY0" fmla="*/ 0 h 541020"/>
+              <a:gd name="connsiteX1" fmla="*/ 42 w 99102"/>
+              <a:gd name="connsiteY1" fmla="*/ 289560 h 541020"/>
+              <a:gd name="connsiteX2" fmla="*/ 91482 w 99102"/>
+              <a:gd name="connsiteY2" fmla="*/ 541020 h 541020"/>
+              <a:gd name="connsiteX0" fmla="*/ 100363 w 160244"/>
+              <a:gd name="connsiteY0" fmla="*/ 0 h 535523"/>
+              <a:gd name="connsiteX1" fmla="*/ 1303 w 160244"/>
+              <a:gd name="connsiteY1" fmla="*/ 289560 h 535523"/>
+              <a:gd name="connsiteX2" fmla="*/ 160244 w 160244"/>
+              <a:gd name="connsiteY2" fmla="*/ 535523 h 535523"/>
+              <a:gd name="connsiteX0" fmla="*/ 100363 w 160244"/>
+              <a:gd name="connsiteY0" fmla="*/ 0 h 535523"/>
+              <a:gd name="connsiteX1" fmla="*/ 1303 w 160244"/>
+              <a:gd name="connsiteY1" fmla="*/ 289560 h 535523"/>
+              <a:gd name="connsiteX2" fmla="*/ 160244 w 160244"/>
+              <a:gd name="connsiteY2" fmla="*/ 535523 h 535523"/>
+              <a:gd name="connsiteX0" fmla="*/ 102430 w 162311"/>
+              <a:gd name="connsiteY0" fmla="*/ 0 h 535523"/>
+              <a:gd name="connsiteX1" fmla="*/ 3370 w 162311"/>
+              <a:gd name="connsiteY1" fmla="*/ 289560 h 535523"/>
+              <a:gd name="connsiteX2" fmla="*/ 162311 w 162311"/>
+              <a:gd name="connsiteY2" fmla="*/ 535523 h 535523"/>
+              <a:gd name="connsiteX0" fmla="*/ 131229 w 159372"/>
+              <a:gd name="connsiteY0" fmla="*/ 0 h 539103"/>
+              <a:gd name="connsiteX1" fmla="*/ 431 w 159372"/>
+              <a:gd name="connsiteY1" fmla="*/ 293140 h 539103"/>
+              <a:gd name="connsiteX2" fmla="*/ 159372 w 159372"/>
+              <a:gd name="connsiteY2" fmla="*/ 539103 h 539103"/>
+              <a:gd name="connsiteX0" fmla="*/ 131293 w 159436"/>
+              <a:gd name="connsiteY0" fmla="*/ 0 h 539103"/>
+              <a:gd name="connsiteX1" fmla="*/ 495 w 159436"/>
+              <a:gd name="connsiteY1" fmla="*/ 293140 h 539103"/>
+              <a:gd name="connsiteX2" fmla="*/ 159436 w 159436"/>
+              <a:gd name="connsiteY2" fmla="*/ 539103 h 539103"/>
+              <a:gd name="connsiteX0" fmla="*/ 136914 w 165057"/>
+              <a:gd name="connsiteY0" fmla="*/ 0 h 539103"/>
+              <a:gd name="connsiteX1" fmla="*/ 427 w 165057"/>
+              <a:gd name="connsiteY1" fmla="*/ 267148 h 539103"/>
+              <a:gd name="connsiteX2" fmla="*/ 165057 w 165057"/>
+              <a:gd name="connsiteY2" fmla="*/ 539103 h 539103"/>
+            </a:gdLst>
+            <a:ahLst/>
+            <a:cxnLst>
+              <a:cxn ang="0">
+                <a:pos x="connsiteX0" y="connsiteY0"/>
+              </a:cxn>
+              <a:cxn ang="0">
+                <a:pos x="connsiteX1" y="connsiteY1"/>
+              </a:cxn>
+              <a:cxn ang="0">
+                <a:pos x="connsiteX2" y="connsiteY2"/>
+              </a:cxn>
+            </a:cxnLst>
+            <a:rect l="l" t="t" r="r" b="b"/>
+            <a:pathLst>
+              <a:path w="165057" h="539103">
+                <a:moveTo>
+                  <a:pt x="136914" y="0"/>
+                </a:moveTo>
+                <a:cubicBezTo>
+                  <a:pt x="28926" y="25857"/>
+                  <a:pt x="-4263" y="177298"/>
+                  <a:pt x="427" y="267148"/>
+                </a:cubicBezTo>
+                <a:cubicBezTo>
+                  <a:pt x="5117" y="356998"/>
+                  <a:pt x="89614" y="498325"/>
+                  <a:pt x="165057" y="539103"/>
+                </a:cubicBezTo>
+              </a:path>
+            </a:pathLst>
+          </a:custGeom>
           <a:noFill/>
-        </p:spPr>
-      </p:pic>
+          <a:ln>
+            <a:solidFill>
+              <a:srgbClr val="00B050"/>
+            </a:solidFill>
+            <a:prstDash val="sysDash"/>
+            <a:headEnd type="none" w="med" len="med"/>
+            <a:tailEnd type="triangle" w="lg" len="med"/>
+          </a:ln>
+        </p:spPr>
+        <p:style>
+          <a:lnRef idx="2">
+            <a:schemeClr val="accent1">
+              <a:shade val="50000"/>
+            </a:schemeClr>
+          </a:lnRef>
+          <a:fillRef idx="1">
+            <a:schemeClr val="accent1"/>
+          </a:fillRef>
+          <a:effectRef idx="0">
+            <a:schemeClr val="accent1"/>
+          </a:effectRef>
+          <a:fontRef idx="minor">
+            <a:schemeClr val="lt1"/>
+          </a:fontRef>
+        </p:style>
+        <p:txBody>
+          <a:bodyPr rtlCol="0" anchor="ctr"/>
+          <a:lstStyle/>
+          <a:p>
+            <a:pPr algn="ctr"/>
+            <a:endParaRPr lang="pt-BR"/>
+          </a:p>
+        </p:txBody>
+      </p:sp>
+      <p:sp>
+        <p:nvSpPr>
+          <p:cNvPr id="98" name="Forma livre 97"/>
+          <p:cNvSpPr/>
+          <p:nvPr/>
+        </p:nvSpPr>
+        <p:spPr>
+          <a:xfrm rot="5400000" flipH="1">
+            <a:off x="2769545" y="4138478"/>
+            <a:ext cx="263999" cy="1744414"/>
+          </a:xfrm>
+          <a:custGeom>
+            <a:avLst/>
+            <a:gdLst>
+              <a:gd name="connsiteX0" fmla="*/ 121940 w 121940"/>
+              <a:gd name="connsiteY0" fmla="*/ 0 h 541020"/>
+              <a:gd name="connsiteX1" fmla="*/ 20 w 121940"/>
+              <a:gd name="connsiteY1" fmla="*/ 243840 h 541020"/>
+              <a:gd name="connsiteX2" fmla="*/ 114320 w 121940"/>
+              <a:gd name="connsiteY2" fmla="*/ 541020 h 541020"/>
+              <a:gd name="connsiteX0" fmla="*/ 99094 w 99094"/>
+              <a:gd name="connsiteY0" fmla="*/ 0 h 541020"/>
+              <a:gd name="connsiteX1" fmla="*/ 34 w 99094"/>
+              <a:gd name="connsiteY1" fmla="*/ 289560 h 541020"/>
+              <a:gd name="connsiteX2" fmla="*/ 91474 w 99094"/>
+              <a:gd name="connsiteY2" fmla="*/ 541020 h 541020"/>
+              <a:gd name="connsiteX0" fmla="*/ 101490 w 188998"/>
+              <a:gd name="connsiteY0" fmla="*/ 0 h 572094"/>
+              <a:gd name="connsiteX1" fmla="*/ 2430 w 188998"/>
+              <a:gd name="connsiteY1" fmla="*/ 289560 h 572094"/>
+              <a:gd name="connsiteX2" fmla="*/ 188998 w 188998"/>
+              <a:gd name="connsiteY2" fmla="*/ 572094 h 572094"/>
+              <a:gd name="connsiteX0" fmla="*/ 101490 w 188998"/>
+              <a:gd name="connsiteY0" fmla="*/ 0 h 572094"/>
+              <a:gd name="connsiteX1" fmla="*/ 2430 w 188998"/>
+              <a:gd name="connsiteY1" fmla="*/ 289560 h 572094"/>
+              <a:gd name="connsiteX2" fmla="*/ 188998 w 188998"/>
+              <a:gd name="connsiteY2" fmla="*/ 572094 h 572094"/>
+              <a:gd name="connsiteX0" fmla="*/ 140227 w 227735"/>
+              <a:gd name="connsiteY0" fmla="*/ 0 h 572094"/>
+              <a:gd name="connsiteX1" fmla="*/ 1530 w 227735"/>
+              <a:gd name="connsiteY1" fmla="*/ 266254 h 572094"/>
+              <a:gd name="connsiteX2" fmla="*/ 227735 w 227735"/>
+              <a:gd name="connsiteY2" fmla="*/ 572094 h 572094"/>
+              <a:gd name="connsiteX0" fmla="*/ 146203 w 233711"/>
+              <a:gd name="connsiteY0" fmla="*/ 0 h 572094"/>
+              <a:gd name="connsiteX1" fmla="*/ 7506 w 233711"/>
+              <a:gd name="connsiteY1" fmla="*/ 266254 h 572094"/>
+              <a:gd name="connsiteX2" fmla="*/ 233711 w 233711"/>
+              <a:gd name="connsiteY2" fmla="*/ 572094 h 572094"/>
+              <a:gd name="connsiteX0" fmla="*/ 217996 w 226230"/>
+              <a:gd name="connsiteY0" fmla="*/ 0 h 597989"/>
+              <a:gd name="connsiteX1" fmla="*/ 25 w 226230"/>
+              <a:gd name="connsiteY1" fmla="*/ 292149 h 597989"/>
+              <a:gd name="connsiteX2" fmla="*/ 226230 w 226230"/>
+              <a:gd name="connsiteY2" fmla="*/ 597989 h 597989"/>
+              <a:gd name="connsiteX0" fmla="*/ 218850 w 274648"/>
+              <a:gd name="connsiteY0" fmla="*/ 0 h 592810"/>
+              <a:gd name="connsiteX1" fmla="*/ 879 w 274648"/>
+              <a:gd name="connsiteY1" fmla="*/ 292149 h 592810"/>
+              <a:gd name="connsiteX2" fmla="*/ 274648 w 274648"/>
+              <a:gd name="connsiteY2" fmla="*/ 592810 h 592810"/>
+              <a:gd name="connsiteX0" fmla="*/ 218850 w 274648"/>
+              <a:gd name="connsiteY0" fmla="*/ 0 h 592810"/>
+              <a:gd name="connsiteX1" fmla="*/ 879 w 274648"/>
+              <a:gd name="connsiteY1" fmla="*/ 292149 h 592810"/>
+              <a:gd name="connsiteX2" fmla="*/ 274648 w 274648"/>
+              <a:gd name="connsiteY2" fmla="*/ 592810 h 592810"/>
+            </a:gdLst>
+            <a:ahLst/>
+            <a:cxnLst>
+              <a:cxn ang="0">
+                <a:pos x="connsiteX0" y="connsiteY0"/>
+              </a:cxn>
+              <a:cxn ang="0">
+                <a:pos x="connsiteX1" y="connsiteY1"/>
+              </a:cxn>
+              <a:cxn ang="0">
+                <a:pos x="connsiteX2" y="connsiteY2"/>
+              </a:cxn>
+            </a:cxnLst>
+            <a:rect l="l" t="t" r="r" b="b"/>
+            <a:pathLst>
+              <a:path w="274648" h="592810">
+                <a:moveTo>
+                  <a:pt x="218850" y="0"/>
+                </a:moveTo>
+                <a:cubicBezTo>
+                  <a:pt x="55469" y="35402"/>
+                  <a:pt x="-8421" y="193347"/>
+                  <a:pt x="879" y="292149"/>
+                </a:cubicBezTo>
+                <a:cubicBezTo>
+                  <a:pt x="10179" y="390951"/>
+                  <a:pt x="58314" y="548864"/>
+                  <a:pt x="274648" y="592810"/>
+                </a:cubicBezTo>
+              </a:path>
+            </a:pathLst>
+          </a:custGeom>
+          <a:noFill/>
+          <a:ln>
+            <a:solidFill>
+              <a:srgbClr val="FF0000"/>
+            </a:solidFill>
+            <a:prstDash val="sysDash"/>
+            <a:headEnd type="none" w="med" len="med"/>
+            <a:tailEnd type="triangle" w="lg" len="med"/>
+          </a:ln>
+        </p:spPr>
+        <p:style>
+          <a:lnRef idx="2">
+            <a:schemeClr val="accent1">
+              <a:shade val="50000"/>
+            </a:schemeClr>
+          </a:lnRef>
+          <a:fillRef idx="1">
+            <a:schemeClr val="accent1"/>
+          </a:fillRef>
+          <a:effectRef idx="0">
+            <a:schemeClr val="accent1"/>
+          </a:effectRef>
+          <a:fontRef idx="minor">
+            <a:schemeClr val="lt1"/>
+          </a:fontRef>
+        </p:style>
+        <p:txBody>
+          <a:bodyPr rtlCol="0" anchor="ctr"/>
+          <a:lstStyle/>
+          <a:p>
+            <a:pPr algn="ctr"/>
+            <a:endParaRPr lang="pt-BR"/>
+          </a:p>
+        </p:txBody>
+      </p:sp>
+      <p:sp>
+        <p:nvSpPr>
+          <p:cNvPr id="99" name="Forma livre 98"/>
+          <p:cNvSpPr/>
+          <p:nvPr/>
+        </p:nvSpPr>
+        <p:spPr>
+          <a:xfrm rot="6609077" flipH="1" flipV="1">
+            <a:off x="4857171" y="4170836"/>
+            <a:ext cx="249581" cy="2264578"/>
+          </a:xfrm>
+          <a:custGeom>
+            <a:avLst/>
+            <a:gdLst>
+              <a:gd name="connsiteX0" fmla="*/ 121940 w 121940"/>
+              <a:gd name="connsiteY0" fmla="*/ 0 h 541020"/>
+              <a:gd name="connsiteX1" fmla="*/ 20 w 121940"/>
+              <a:gd name="connsiteY1" fmla="*/ 243840 h 541020"/>
+              <a:gd name="connsiteX2" fmla="*/ 114320 w 121940"/>
+              <a:gd name="connsiteY2" fmla="*/ 541020 h 541020"/>
+              <a:gd name="connsiteX0" fmla="*/ 99094 w 99094"/>
+              <a:gd name="connsiteY0" fmla="*/ 0 h 541020"/>
+              <a:gd name="connsiteX1" fmla="*/ 34 w 99094"/>
+              <a:gd name="connsiteY1" fmla="*/ 289560 h 541020"/>
+              <a:gd name="connsiteX2" fmla="*/ 91474 w 99094"/>
+              <a:gd name="connsiteY2" fmla="*/ 541020 h 541020"/>
+              <a:gd name="connsiteX0" fmla="*/ 101516 w 101516"/>
+              <a:gd name="connsiteY0" fmla="*/ 0 h 541020"/>
+              <a:gd name="connsiteX1" fmla="*/ 2456 w 101516"/>
+              <a:gd name="connsiteY1" fmla="*/ 289560 h 541020"/>
+              <a:gd name="connsiteX2" fmla="*/ 93896 w 101516"/>
+              <a:gd name="connsiteY2" fmla="*/ 541020 h 541020"/>
+              <a:gd name="connsiteX0" fmla="*/ 99102 w 99102"/>
+              <a:gd name="connsiteY0" fmla="*/ 0 h 541020"/>
+              <a:gd name="connsiteX1" fmla="*/ 42 w 99102"/>
+              <a:gd name="connsiteY1" fmla="*/ 289560 h 541020"/>
+              <a:gd name="connsiteX2" fmla="*/ 91482 w 99102"/>
+              <a:gd name="connsiteY2" fmla="*/ 541020 h 541020"/>
+            </a:gdLst>
+            <a:ahLst/>
+            <a:cxnLst>
+              <a:cxn ang="0">
+                <a:pos x="connsiteX0" y="connsiteY0"/>
+              </a:cxn>
+              <a:cxn ang="0">
+                <a:pos x="connsiteX1" y="connsiteY1"/>
+              </a:cxn>
+              <a:cxn ang="0">
+                <a:pos x="connsiteX2" y="connsiteY2"/>
+              </a:cxn>
+            </a:cxnLst>
+            <a:rect l="l" t="t" r="r" b="b"/>
+            <a:pathLst>
+              <a:path w="99102" h="541020">
+                <a:moveTo>
+                  <a:pt x="99102" y="0"/>
+                </a:moveTo>
+                <a:cubicBezTo>
+                  <a:pt x="38777" y="76835"/>
+                  <a:pt x="1312" y="199390"/>
+                  <a:pt x="42" y="289560"/>
+                </a:cubicBezTo>
+                <a:cubicBezTo>
+                  <a:pt x="-1228" y="379730"/>
+                  <a:pt x="26606" y="486527"/>
+                  <a:pt x="91482" y="541020"/>
+                </a:cubicBezTo>
+              </a:path>
+            </a:pathLst>
+          </a:custGeom>
+          <a:noFill/>
+          <a:ln>
+            <a:solidFill>
+              <a:srgbClr val="FF0000"/>
+            </a:solidFill>
+            <a:prstDash val="sysDash"/>
+            <a:headEnd type="triangle" w="med" len="med"/>
+            <a:tailEnd type="none" w="lg" len="med"/>
+          </a:ln>
+        </p:spPr>
+        <p:style>
+          <a:lnRef idx="2">
+            <a:schemeClr val="accent1">
+              <a:shade val="50000"/>
+            </a:schemeClr>
+          </a:lnRef>
+          <a:fillRef idx="1">
+            <a:schemeClr val="accent1"/>
+          </a:fillRef>
+          <a:effectRef idx="0">
+            <a:schemeClr val="accent1"/>
+          </a:effectRef>
+          <a:fontRef idx="minor">
+            <a:schemeClr val="lt1"/>
+          </a:fontRef>
+        </p:style>
+        <p:txBody>
+          <a:bodyPr rtlCol="0" anchor="ctr"/>
+          <a:lstStyle/>
+          <a:p>
+            <a:pPr algn="ctr"/>
+            <a:endParaRPr lang="pt-BR"/>
+          </a:p>
+        </p:txBody>
+      </p:sp>
+      <p:sp>
+        <p:nvSpPr>
+          <p:cNvPr id="100" name="Forma livre 99"/>
+          <p:cNvSpPr/>
+          <p:nvPr/>
+        </p:nvSpPr>
+        <p:spPr>
+          <a:xfrm rot="5996636" flipH="1" flipV="1">
+            <a:off x="3796919" y="3368888"/>
+            <a:ext cx="416588" cy="4440715"/>
+          </a:xfrm>
+          <a:custGeom>
+            <a:avLst/>
+            <a:gdLst>
+              <a:gd name="connsiteX0" fmla="*/ 121940 w 121940"/>
+              <a:gd name="connsiteY0" fmla="*/ 0 h 541020"/>
+              <a:gd name="connsiteX1" fmla="*/ 20 w 121940"/>
+              <a:gd name="connsiteY1" fmla="*/ 243840 h 541020"/>
+              <a:gd name="connsiteX2" fmla="*/ 114320 w 121940"/>
+              <a:gd name="connsiteY2" fmla="*/ 541020 h 541020"/>
+              <a:gd name="connsiteX0" fmla="*/ 99094 w 99094"/>
+              <a:gd name="connsiteY0" fmla="*/ 0 h 541020"/>
+              <a:gd name="connsiteX1" fmla="*/ 34 w 99094"/>
+              <a:gd name="connsiteY1" fmla="*/ 289560 h 541020"/>
+              <a:gd name="connsiteX2" fmla="*/ 91474 w 99094"/>
+              <a:gd name="connsiteY2" fmla="*/ 541020 h 541020"/>
+              <a:gd name="connsiteX0" fmla="*/ 101516 w 101516"/>
+              <a:gd name="connsiteY0" fmla="*/ 0 h 541020"/>
+              <a:gd name="connsiteX1" fmla="*/ 2456 w 101516"/>
+              <a:gd name="connsiteY1" fmla="*/ 289560 h 541020"/>
+              <a:gd name="connsiteX2" fmla="*/ 93896 w 101516"/>
+              <a:gd name="connsiteY2" fmla="*/ 541020 h 541020"/>
+              <a:gd name="connsiteX0" fmla="*/ 99102 w 99102"/>
+              <a:gd name="connsiteY0" fmla="*/ 0 h 541020"/>
+              <a:gd name="connsiteX1" fmla="*/ 42 w 99102"/>
+              <a:gd name="connsiteY1" fmla="*/ 289560 h 541020"/>
+              <a:gd name="connsiteX2" fmla="*/ 91482 w 99102"/>
+              <a:gd name="connsiteY2" fmla="*/ 541020 h 541020"/>
+              <a:gd name="connsiteX0" fmla="*/ 100363 w 160244"/>
+              <a:gd name="connsiteY0" fmla="*/ 0 h 535523"/>
+              <a:gd name="connsiteX1" fmla="*/ 1303 w 160244"/>
+              <a:gd name="connsiteY1" fmla="*/ 289560 h 535523"/>
+              <a:gd name="connsiteX2" fmla="*/ 160244 w 160244"/>
+              <a:gd name="connsiteY2" fmla="*/ 535523 h 535523"/>
+              <a:gd name="connsiteX0" fmla="*/ 100363 w 160244"/>
+              <a:gd name="connsiteY0" fmla="*/ 0 h 535523"/>
+              <a:gd name="connsiteX1" fmla="*/ 1303 w 160244"/>
+              <a:gd name="connsiteY1" fmla="*/ 289560 h 535523"/>
+              <a:gd name="connsiteX2" fmla="*/ 160244 w 160244"/>
+              <a:gd name="connsiteY2" fmla="*/ 535523 h 535523"/>
+              <a:gd name="connsiteX0" fmla="*/ 102430 w 162311"/>
+              <a:gd name="connsiteY0" fmla="*/ 0 h 535523"/>
+              <a:gd name="connsiteX1" fmla="*/ 3370 w 162311"/>
+              <a:gd name="connsiteY1" fmla="*/ 289560 h 535523"/>
+              <a:gd name="connsiteX2" fmla="*/ 162311 w 162311"/>
+              <a:gd name="connsiteY2" fmla="*/ 535523 h 535523"/>
+              <a:gd name="connsiteX0" fmla="*/ 131229 w 159372"/>
+              <a:gd name="connsiteY0" fmla="*/ 0 h 539103"/>
+              <a:gd name="connsiteX1" fmla="*/ 431 w 159372"/>
+              <a:gd name="connsiteY1" fmla="*/ 293140 h 539103"/>
+              <a:gd name="connsiteX2" fmla="*/ 159372 w 159372"/>
+              <a:gd name="connsiteY2" fmla="*/ 539103 h 539103"/>
+              <a:gd name="connsiteX0" fmla="*/ 131293 w 159436"/>
+              <a:gd name="connsiteY0" fmla="*/ 0 h 539103"/>
+              <a:gd name="connsiteX1" fmla="*/ 495 w 159436"/>
+              <a:gd name="connsiteY1" fmla="*/ 293140 h 539103"/>
+              <a:gd name="connsiteX2" fmla="*/ 159436 w 159436"/>
+              <a:gd name="connsiteY2" fmla="*/ 539103 h 539103"/>
+              <a:gd name="connsiteX0" fmla="*/ 136914 w 165057"/>
+              <a:gd name="connsiteY0" fmla="*/ 0 h 539103"/>
+              <a:gd name="connsiteX1" fmla="*/ 427 w 165057"/>
+              <a:gd name="connsiteY1" fmla="*/ 267148 h 539103"/>
+              <a:gd name="connsiteX2" fmla="*/ 165057 w 165057"/>
+              <a:gd name="connsiteY2" fmla="*/ 539103 h 539103"/>
+              <a:gd name="connsiteX0" fmla="*/ 137273 w 165416"/>
+              <a:gd name="connsiteY0" fmla="*/ 0 h 539103"/>
+              <a:gd name="connsiteX1" fmla="*/ 786 w 165416"/>
+              <a:gd name="connsiteY1" fmla="*/ 267148 h 539103"/>
+              <a:gd name="connsiteX2" fmla="*/ 165416 w 165416"/>
+              <a:gd name="connsiteY2" fmla="*/ 539103 h 539103"/>
+            </a:gdLst>
+            <a:ahLst/>
+            <a:cxnLst>
+              <a:cxn ang="0">
+                <a:pos x="connsiteX0" y="connsiteY0"/>
+              </a:cxn>
+              <a:cxn ang="0">
+                <a:pos x="connsiteX1" y="connsiteY1"/>
+              </a:cxn>
+              <a:cxn ang="0">
+                <a:pos x="connsiteX2" y="connsiteY2"/>
+              </a:cxn>
+            </a:cxnLst>
+            <a:rect l="l" t="t" r="r" b="b"/>
+            <a:pathLst>
+              <a:path w="165416" h="539103">
+                <a:moveTo>
+                  <a:pt x="137273" y="0"/>
+                </a:moveTo>
+                <a:cubicBezTo>
+                  <a:pt x="8849" y="6290"/>
+                  <a:pt x="-3904" y="177298"/>
+                  <a:pt x="786" y="267148"/>
+                </a:cubicBezTo>
+                <a:cubicBezTo>
+                  <a:pt x="5476" y="356998"/>
+                  <a:pt x="89973" y="498325"/>
+                  <a:pt x="165416" y="539103"/>
+                </a:cubicBezTo>
+              </a:path>
+            </a:pathLst>
+          </a:custGeom>
+          <a:noFill/>
+          <a:ln>
+            <a:solidFill>
+              <a:srgbClr val="FF0000"/>
+            </a:solidFill>
+            <a:prstDash val="sysDash"/>
+            <a:headEnd type="triangle" w="lg" len="med"/>
+            <a:tailEnd type="none" w="lg" len="med"/>
+          </a:ln>
+        </p:spPr>
+        <p:style>
+          <a:lnRef idx="2">
+            <a:schemeClr val="accent1">
+              <a:shade val="50000"/>
+            </a:schemeClr>
+          </a:lnRef>
+          <a:fillRef idx="1">
+            <a:schemeClr val="accent1"/>
+          </a:fillRef>
+          <a:effectRef idx="0">
+            <a:schemeClr val="accent1"/>
+          </a:effectRef>
+          <a:fontRef idx="minor">
+            <a:schemeClr val="lt1"/>
+          </a:fontRef>
+        </p:style>
+        <p:txBody>
+          <a:bodyPr rtlCol="0" anchor="ctr"/>
+          <a:lstStyle/>
+          <a:p>
+            <a:pPr algn="ctr"/>
+            <a:endParaRPr lang="pt-BR"/>
+          </a:p>
+        </p:txBody>
+      </p:sp>
+      <p:sp>
+        <p:nvSpPr>
+          <p:cNvPr id="101" name="Forma livre 100"/>
+          <p:cNvSpPr/>
+          <p:nvPr/>
+        </p:nvSpPr>
+        <p:spPr>
+          <a:xfrm rot="5400000" flipH="1">
+            <a:off x="2747334" y="4245458"/>
+            <a:ext cx="263999" cy="1744414"/>
+          </a:xfrm>
+          <a:custGeom>
+            <a:avLst/>
+            <a:gdLst>
+              <a:gd name="connsiteX0" fmla="*/ 121940 w 121940"/>
+              <a:gd name="connsiteY0" fmla="*/ 0 h 541020"/>
+              <a:gd name="connsiteX1" fmla="*/ 20 w 121940"/>
+              <a:gd name="connsiteY1" fmla="*/ 243840 h 541020"/>
+              <a:gd name="connsiteX2" fmla="*/ 114320 w 121940"/>
+              <a:gd name="connsiteY2" fmla="*/ 541020 h 541020"/>
+              <a:gd name="connsiteX0" fmla="*/ 99094 w 99094"/>
+              <a:gd name="connsiteY0" fmla="*/ 0 h 541020"/>
+              <a:gd name="connsiteX1" fmla="*/ 34 w 99094"/>
+              <a:gd name="connsiteY1" fmla="*/ 289560 h 541020"/>
+              <a:gd name="connsiteX2" fmla="*/ 91474 w 99094"/>
+              <a:gd name="connsiteY2" fmla="*/ 541020 h 541020"/>
+              <a:gd name="connsiteX0" fmla="*/ 101490 w 188998"/>
+              <a:gd name="connsiteY0" fmla="*/ 0 h 572094"/>
+              <a:gd name="connsiteX1" fmla="*/ 2430 w 188998"/>
+              <a:gd name="connsiteY1" fmla="*/ 289560 h 572094"/>
+              <a:gd name="connsiteX2" fmla="*/ 188998 w 188998"/>
+              <a:gd name="connsiteY2" fmla="*/ 572094 h 572094"/>
+              <a:gd name="connsiteX0" fmla="*/ 101490 w 188998"/>
+              <a:gd name="connsiteY0" fmla="*/ 0 h 572094"/>
+              <a:gd name="connsiteX1" fmla="*/ 2430 w 188998"/>
+              <a:gd name="connsiteY1" fmla="*/ 289560 h 572094"/>
+              <a:gd name="connsiteX2" fmla="*/ 188998 w 188998"/>
+              <a:gd name="connsiteY2" fmla="*/ 572094 h 572094"/>
+              <a:gd name="connsiteX0" fmla="*/ 140227 w 227735"/>
+              <a:gd name="connsiteY0" fmla="*/ 0 h 572094"/>
+              <a:gd name="connsiteX1" fmla="*/ 1530 w 227735"/>
+              <a:gd name="connsiteY1" fmla="*/ 266254 h 572094"/>
+              <a:gd name="connsiteX2" fmla="*/ 227735 w 227735"/>
+              <a:gd name="connsiteY2" fmla="*/ 572094 h 572094"/>
+              <a:gd name="connsiteX0" fmla="*/ 146203 w 233711"/>
+              <a:gd name="connsiteY0" fmla="*/ 0 h 572094"/>
+              <a:gd name="connsiteX1" fmla="*/ 7506 w 233711"/>
+              <a:gd name="connsiteY1" fmla="*/ 266254 h 572094"/>
+              <a:gd name="connsiteX2" fmla="*/ 233711 w 233711"/>
+              <a:gd name="connsiteY2" fmla="*/ 572094 h 572094"/>
+              <a:gd name="connsiteX0" fmla="*/ 217996 w 226230"/>
+              <a:gd name="connsiteY0" fmla="*/ 0 h 597989"/>
+              <a:gd name="connsiteX1" fmla="*/ 25 w 226230"/>
+              <a:gd name="connsiteY1" fmla="*/ 292149 h 597989"/>
+              <a:gd name="connsiteX2" fmla="*/ 226230 w 226230"/>
+              <a:gd name="connsiteY2" fmla="*/ 597989 h 597989"/>
+              <a:gd name="connsiteX0" fmla="*/ 218850 w 274648"/>
+              <a:gd name="connsiteY0" fmla="*/ 0 h 592810"/>
+              <a:gd name="connsiteX1" fmla="*/ 879 w 274648"/>
+              <a:gd name="connsiteY1" fmla="*/ 292149 h 592810"/>
+              <a:gd name="connsiteX2" fmla="*/ 274648 w 274648"/>
+              <a:gd name="connsiteY2" fmla="*/ 592810 h 592810"/>
+              <a:gd name="connsiteX0" fmla="*/ 218850 w 274648"/>
+              <a:gd name="connsiteY0" fmla="*/ 0 h 592810"/>
+              <a:gd name="connsiteX1" fmla="*/ 879 w 274648"/>
+              <a:gd name="connsiteY1" fmla="*/ 292149 h 592810"/>
+              <a:gd name="connsiteX2" fmla="*/ 274648 w 274648"/>
+              <a:gd name="connsiteY2" fmla="*/ 592810 h 592810"/>
+            </a:gdLst>
+            <a:ahLst/>
+            <a:cxnLst>
+              <a:cxn ang="0">
+                <a:pos x="connsiteX0" y="connsiteY0"/>
+              </a:cxn>
+              <a:cxn ang="0">
+                <a:pos x="connsiteX1" y="connsiteY1"/>
+              </a:cxn>
+              <a:cxn ang="0">
+                <a:pos x="connsiteX2" y="connsiteY2"/>
+              </a:cxn>
+            </a:cxnLst>
+            <a:rect l="l" t="t" r="r" b="b"/>
+            <a:pathLst>
+              <a:path w="274648" h="592810">
+                <a:moveTo>
+                  <a:pt x="218850" y="0"/>
+                </a:moveTo>
+                <a:cubicBezTo>
+                  <a:pt x="55469" y="35402"/>
+                  <a:pt x="-8421" y="193347"/>
+                  <a:pt x="879" y="292149"/>
+                </a:cubicBezTo>
+                <a:cubicBezTo>
+                  <a:pt x="10179" y="390951"/>
+                  <a:pt x="58314" y="548864"/>
+                  <a:pt x="274648" y="592810"/>
+                </a:cubicBezTo>
+              </a:path>
+            </a:pathLst>
+          </a:custGeom>
+          <a:noFill/>
+          <a:ln>
+            <a:solidFill>
+              <a:srgbClr val="00B050"/>
+            </a:solidFill>
+            <a:prstDash val="sysDash"/>
+            <a:headEnd type="triangle" w="med" len="med"/>
+            <a:tailEnd type="none" w="lg" len="med"/>
+          </a:ln>
+        </p:spPr>
+        <p:style>
+          <a:lnRef idx="2">
+            <a:schemeClr val="accent1">
+              <a:shade val="50000"/>
+            </a:schemeClr>
+          </a:lnRef>
+          <a:fillRef idx="1">
+            <a:schemeClr val="accent1"/>
+          </a:fillRef>
+          <a:effectRef idx="0">
+            <a:schemeClr val="accent1"/>
+          </a:effectRef>
+          <a:fontRef idx="minor">
+            <a:schemeClr val="lt1"/>
+          </a:fontRef>
+        </p:style>
+        <p:txBody>
+          <a:bodyPr rtlCol="0" anchor="ctr"/>
+          <a:lstStyle/>
+          <a:p>
+            <a:pPr algn="ctr"/>
+            <a:endParaRPr lang="pt-BR"/>
+          </a:p>
+        </p:txBody>
+      </p:sp>
+      <p:grpSp>
+        <p:nvGrpSpPr>
+          <p:cNvPr id="102" name="Grupo 101"/>
+          <p:cNvGrpSpPr/>
+          <p:nvPr/>
+        </p:nvGrpSpPr>
+        <p:grpSpPr>
+          <a:xfrm rot="3971443">
+            <a:off x="4005101" y="3546108"/>
+            <a:ext cx="210626" cy="741238"/>
+            <a:chOff x="788253" y="2935895"/>
+            <a:chExt cx="210626" cy="741238"/>
+          </a:xfrm>
+        </p:grpSpPr>
+        <p:sp>
+          <p:nvSpPr>
+            <p:cNvPr id="103" name="Forma livre 102"/>
+            <p:cNvSpPr/>
+            <p:nvPr/>
+          </p:nvSpPr>
+          <p:spPr>
+            <a:xfrm rot="19213664">
+              <a:off x="788253" y="3030018"/>
+              <a:ext cx="103840" cy="647115"/>
+            </a:xfrm>
+            <a:custGeom>
+              <a:avLst/>
+              <a:gdLst>
+                <a:gd name="connsiteX0" fmla="*/ 121940 w 121940"/>
+                <a:gd name="connsiteY0" fmla="*/ 0 h 541020"/>
+                <a:gd name="connsiteX1" fmla="*/ 20 w 121940"/>
+                <a:gd name="connsiteY1" fmla="*/ 243840 h 541020"/>
+                <a:gd name="connsiteX2" fmla="*/ 114320 w 121940"/>
+                <a:gd name="connsiteY2" fmla="*/ 541020 h 541020"/>
+                <a:gd name="connsiteX0" fmla="*/ 99094 w 99094"/>
+                <a:gd name="connsiteY0" fmla="*/ 0 h 541020"/>
+                <a:gd name="connsiteX1" fmla="*/ 34 w 99094"/>
+                <a:gd name="connsiteY1" fmla="*/ 289560 h 541020"/>
+                <a:gd name="connsiteX2" fmla="*/ 91474 w 99094"/>
+                <a:gd name="connsiteY2" fmla="*/ 541020 h 541020"/>
+              </a:gdLst>
+              <a:ahLst/>
+              <a:cxnLst>
+                <a:cxn ang="0">
+                  <a:pos x="connsiteX0" y="connsiteY0"/>
+                </a:cxn>
+                <a:cxn ang="0">
+                  <a:pos x="connsiteX1" y="connsiteY1"/>
+                </a:cxn>
+                <a:cxn ang="0">
+                  <a:pos x="connsiteX2" y="connsiteY2"/>
+                </a:cxn>
+              </a:cxnLst>
+              <a:rect l="l" t="t" r="r" b="b"/>
+              <a:pathLst>
+                <a:path w="99094" h="541020">
+                  <a:moveTo>
+                    <a:pt x="99094" y="0"/>
+                  </a:moveTo>
+                  <a:cubicBezTo>
+                    <a:pt x="38769" y="76835"/>
+                    <a:pt x="1304" y="199390"/>
+                    <a:pt x="34" y="289560"/>
+                  </a:cubicBezTo>
+                  <a:cubicBezTo>
+                    <a:pt x="-1236" y="379730"/>
+                    <a:pt x="33689" y="437515"/>
+                    <a:pt x="91474" y="541020"/>
+                  </a:cubicBezTo>
+                </a:path>
+              </a:pathLst>
+            </a:custGeom>
+            <a:noFill/>
+            <a:ln>
+              <a:solidFill>
+                <a:srgbClr val="00B050"/>
+              </a:solidFill>
+              <a:prstDash val="dash"/>
+              <a:headEnd type="none" w="med" len="med"/>
+              <a:tailEnd type="triangle" w="lg" len="med"/>
+            </a:ln>
+          </p:spPr>
+          <p:style>
+            <a:lnRef idx="2">
+              <a:schemeClr val="accent1">
+                <a:shade val="50000"/>
+              </a:schemeClr>
+            </a:lnRef>
+            <a:fillRef idx="1">
+              <a:schemeClr val="accent1"/>
+            </a:fillRef>
+            <a:effectRef idx="0">
+              <a:schemeClr val="accent1"/>
+            </a:effectRef>
+            <a:fontRef idx="minor">
+              <a:schemeClr val="lt1"/>
+            </a:fontRef>
+          </p:style>
+          <p:txBody>
+            <a:bodyPr rtlCol="0" anchor="ctr"/>
+            <a:lstStyle/>
+            <a:p>
+              <a:pPr algn="ctr"/>
+              <a:endParaRPr lang="pt-BR"/>
+            </a:p>
+          </p:txBody>
+        </p:sp>
+        <p:sp>
+          <p:nvSpPr>
+            <p:cNvPr id="104" name="Forma livre 103"/>
+            <p:cNvSpPr/>
+            <p:nvPr/>
+          </p:nvSpPr>
+          <p:spPr>
+            <a:xfrm rot="19213664" flipH="1" flipV="1">
+              <a:off x="908165" y="2935895"/>
+              <a:ext cx="90714" cy="649433"/>
+            </a:xfrm>
+            <a:custGeom>
+              <a:avLst/>
+              <a:gdLst>
+                <a:gd name="connsiteX0" fmla="*/ 121940 w 121940"/>
+                <a:gd name="connsiteY0" fmla="*/ 0 h 541020"/>
+                <a:gd name="connsiteX1" fmla="*/ 20 w 121940"/>
+                <a:gd name="connsiteY1" fmla="*/ 243840 h 541020"/>
+                <a:gd name="connsiteX2" fmla="*/ 114320 w 121940"/>
+                <a:gd name="connsiteY2" fmla="*/ 541020 h 541020"/>
+                <a:gd name="connsiteX0" fmla="*/ 99094 w 99094"/>
+                <a:gd name="connsiteY0" fmla="*/ 0 h 541020"/>
+                <a:gd name="connsiteX1" fmla="*/ 34 w 99094"/>
+                <a:gd name="connsiteY1" fmla="*/ 289560 h 541020"/>
+                <a:gd name="connsiteX2" fmla="*/ 91474 w 99094"/>
+                <a:gd name="connsiteY2" fmla="*/ 541020 h 541020"/>
+              </a:gdLst>
+              <a:ahLst/>
+              <a:cxnLst>
+                <a:cxn ang="0">
+                  <a:pos x="connsiteX0" y="connsiteY0"/>
+                </a:cxn>
+                <a:cxn ang="0">
+                  <a:pos x="connsiteX1" y="connsiteY1"/>
+                </a:cxn>
+                <a:cxn ang="0">
+                  <a:pos x="connsiteX2" y="connsiteY2"/>
+                </a:cxn>
+              </a:cxnLst>
+              <a:rect l="l" t="t" r="r" b="b"/>
+              <a:pathLst>
+                <a:path w="99094" h="541020">
+                  <a:moveTo>
+                    <a:pt x="99094" y="0"/>
+                  </a:moveTo>
+                  <a:cubicBezTo>
+                    <a:pt x="38769" y="76835"/>
+                    <a:pt x="1304" y="199390"/>
+                    <a:pt x="34" y="289560"/>
+                  </a:cubicBezTo>
+                  <a:cubicBezTo>
+                    <a:pt x="-1236" y="379730"/>
+                    <a:pt x="33689" y="437515"/>
+                    <a:pt x="91474" y="541020"/>
+                  </a:cubicBezTo>
+                </a:path>
+              </a:pathLst>
+            </a:custGeom>
+            <a:noFill/>
+            <a:ln>
+              <a:solidFill>
+                <a:srgbClr val="FF0000"/>
+              </a:solidFill>
+              <a:prstDash val="dash"/>
+              <a:headEnd type="none" w="med" len="med"/>
+              <a:tailEnd type="triangle" w="lg" len="med"/>
+            </a:ln>
+          </p:spPr>
+          <p:style>
+            <a:lnRef idx="2">
+              <a:schemeClr val="accent1">
+                <a:shade val="50000"/>
+              </a:schemeClr>
+            </a:lnRef>
+            <a:fillRef idx="1">
+              <a:schemeClr val="accent1"/>
+            </a:fillRef>
+            <a:effectRef idx="0">
+              <a:schemeClr val="accent1"/>
+            </a:effectRef>
+            <a:fontRef idx="minor">
+              <a:schemeClr val="lt1"/>
+            </a:fontRef>
+          </p:style>
+          <p:txBody>
+            <a:bodyPr rtlCol="0" anchor="ctr"/>
+            <a:lstStyle/>
+            <a:p>
+              <a:pPr algn="ctr"/>
+              <a:endParaRPr lang="pt-BR"/>
+            </a:p>
+          </p:txBody>
+        </p:sp>
+      </p:grpSp>
+      <p:grpSp>
+        <p:nvGrpSpPr>
+          <p:cNvPr id="105" name="Grupo 104"/>
+          <p:cNvGrpSpPr/>
+          <p:nvPr/>
+        </p:nvGrpSpPr>
+        <p:grpSpPr>
+          <a:xfrm rot="7590775">
+            <a:off x="3536505" y="2633799"/>
+            <a:ext cx="161972" cy="1133115"/>
+            <a:chOff x="788253" y="2935895"/>
+            <a:chExt cx="210626" cy="741238"/>
+          </a:xfrm>
+        </p:grpSpPr>
+        <p:sp>
+          <p:nvSpPr>
+            <p:cNvPr id="106" name="Forma livre 105"/>
+            <p:cNvSpPr/>
+            <p:nvPr/>
+          </p:nvSpPr>
+          <p:spPr>
+            <a:xfrm rot="19213664">
+              <a:off x="788253" y="3030018"/>
+              <a:ext cx="103840" cy="647115"/>
+            </a:xfrm>
+            <a:custGeom>
+              <a:avLst/>
+              <a:gdLst>
+                <a:gd name="connsiteX0" fmla="*/ 121940 w 121940"/>
+                <a:gd name="connsiteY0" fmla="*/ 0 h 541020"/>
+                <a:gd name="connsiteX1" fmla="*/ 20 w 121940"/>
+                <a:gd name="connsiteY1" fmla="*/ 243840 h 541020"/>
+                <a:gd name="connsiteX2" fmla="*/ 114320 w 121940"/>
+                <a:gd name="connsiteY2" fmla="*/ 541020 h 541020"/>
+                <a:gd name="connsiteX0" fmla="*/ 99094 w 99094"/>
+                <a:gd name="connsiteY0" fmla="*/ 0 h 541020"/>
+                <a:gd name="connsiteX1" fmla="*/ 34 w 99094"/>
+                <a:gd name="connsiteY1" fmla="*/ 289560 h 541020"/>
+                <a:gd name="connsiteX2" fmla="*/ 91474 w 99094"/>
+                <a:gd name="connsiteY2" fmla="*/ 541020 h 541020"/>
+              </a:gdLst>
+              <a:ahLst/>
+              <a:cxnLst>
+                <a:cxn ang="0">
+                  <a:pos x="connsiteX0" y="connsiteY0"/>
+                </a:cxn>
+                <a:cxn ang="0">
+                  <a:pos x="connsiteX1" y="connsiteY1"/>
+                </a:cxn>
+                <a:cxn ang="0">
+                  <a:pos x="connsiteX2" y="connsiteY2"/>
+                </a:cxn>
+              </a:cxnLst>
+              <a:rect l="l" t="t" r="r" b="b"/>
+              <a:pathLst>
+                <a:path w="99094" h="541020">
+                  <a:moveTo>
+                    <a:pt x="99094" y="0"/>
+                  </a:moveTo>
+                  <a:cubicBezTo>
+                    <a:pt x="38769" y="76835"/>
+                    <a:pt x="1304" y="199390"/>
+                    <a:pt x="34" y="289560"/>
+                  </a:cubicBezTo>
+                  <a:cubicBezTo>
+                    <a:pt x="-1236" y="379730"/>
+                    <a:pt x="33689" y="437515"/>
+                    <a:pt x="91474" y="541020"/>
+                  </a:cubicBezTo>
+                </a:path>
+              </a:pathLst>
+            </a:custGeom>
+            <a:noFill/>
+            <a:ln>
+              <a:solidFill>
+                <a:srgbClr val="00B050"/>
+              </a:solidFill>
+              <a:prstDash val="sysDash"/>
+              <a:headEnd type="none" w="med" len="med"/>
+              <a:tailEnd type="triangle" w="med" len="med"/>
+            </a:ln>
+          </p:spPr>
+          <p:style>
+            <a:lnRef idx="2">
+              <a:schemeClr val="accent1">
+                <a:shade val="50000"/>
+              </a:schemeClr>
+            </a:lnRef>
+            <a:fillRef idx="1">
+              <a:schemeClr val="accent1"/>
+            </a:fillRef>
+            <a:effectRef idx="0">
+              <a:schemeClr val="accent1"/>
+            </a:effectRef>
+            <a:fontRef idx="minor">
+              <a:schemeClr val="lt1"/>
+            </a:fontRef>
+          </p:style>
+          <p:txBody>
+            <a:bodyPr rtlCol="0" anchor="ctr"/>
+            <a:lstStyle/>
+            <a:p>
+              <a:pPr algn="ctr"/>
+              <a:endParaRPr lang="pt-BR"/>
+            </a:p>
+          </p:txBody>
+        </p:sp>
+        <p:sp>
+          <p:nvSpPr>
+            <p:cNvPr id="107" name="Forma livre 106"/>
+            <p:cNvSpPr/>
+            <p:nvPr/>
+          </p:nvSpPr>
+          <p:spPr>
+            <a:xfrm rot="19213664" flipH="1" flipV="1">
+              <a:off x="908165" y="2935895"/>
+              <a:ext cx="90714" cy="649433"/>
+            </a:xfrm>
+            <a:custGeom>
+              <a:avLst/>
+              <a:gdLst>
+                <a:gd name="connsiteX0" fmla="*/ 121940 w 121940"/>
+                <a:gd name="connsiteY0" fmla="*/ 0 h 541020"/>
+                <a:gd name="connsiteX1" fmla="*/ 20 w 121940"/>
+                <a:gd name="connsiteY1" fmla="*/ 243840 h 541020"/>
+                <a:gd name="connsiteX2" fmla="*/ 114320 w 121940"/>
+                <a:gd name="connsiteY2" fmla="*/ 541020 h 541020"/>
+                <a:gd name="connsiteX0" fmla="*/ 99094 w 99094"/>
+                <a:gd name="connsiteY0" fmla="*/ 0 h 541020"/>
+                <a:gd name="connsiteX1" fmla="*/ 34 w 99094"/>
+                <a:gd name="connsiteY1" fmla="*/ 289560 h 541020"/>
+                <a:gd name="connsiteX2" fmla="*/ 91474 w 99094"/>
+                <a:gd name="connsiteY2" fmla="*/ 541020 h 541020"/>
+              </a:gdLst>
+              <a:ahLst/>
+              <a:cxnLst>
+                <a:cxn ang="0">
+                  <a:pos x="connsiteX0" y="connsiteY0"/>
+                </a:cxn>
+                <a:cxn ang="0">
+                  <a:pos x="connsiteX1" y="connsiteY1"/>
+                </a:cxn>
+                <a:cxn ang="0">
+                  <a:pos x="connsiteX2" y="connsiteY2"/>
+                </a:cxn>
+              </a:cxnLst>
+              <a:rect l="l" t="t" r="r" b="b"/>
+              <a:pathLst>
+                <a:path w="99094" h="541020">
+                  <a:moveTo>
+                    <a:pt x="99094" y="0"/>
+                  </a:moveTo>
+                  <a:cubicBezTo>
+                    <a:pt x="38769" y="76835"/>
+                    <a:pt x="1304" y="199390"/>
+                    <a:pt x="34" y="289560"/>
+                  </a:cubicBezTo>
+                  <a:cubicBezTo>
+                    <a:pt x="-1236" y="379730"/>
+                    <a:pt x="33689" y="437515"/>
+                    <a:pt x="91474" y="541020"/>
+                  </a:cubicBezTo>
+                </a:path>
+              </a:pathLst>
+            </a:custGeom>
+            <a:noFill/>
+            <a:ln>
+              <a:solidFill>
+                <a:srgbClr val="FF0000"/>
+              </a:solidFill>
+              <a:prstDash val="sysDash"/>
+              <a:headEnd type="none" w="med" len="med"/>
+              <a:tailEnd type="triangle" w="med" len="med"/>
+            </a:ln>
+          </p:spPr>
+          <p:style>
+            <a:lnRef idx="2">
+              <a:schemeClr val="accent1">
+                <a:shade val="50000"/>
+              </a:schemeClr>
+            </a:lnRef>
+            <a:fillRef idx="1">
+              <a:schemeClr val="accent1"/>
+            </a:fillRef>
+            <a:effectRef idx="0">
+              <a:schemeClr val="accent1"/>
+            </a:effectRef>
+            <a:fontRef idx="minor">
+              <a:schemeClr val="lt1"/>
+            </a:fontRef>
+          </p:style>
+          <p:txBody>
+            <a:bodyPr rtlCol="0" anchor="ctr"/>
+            <a:lstStyle/>
+            <a:p>
+              <a:pPr algn="ctr"/>
+              <a:endParaRPr lang="pt-BR"/>
+            </a:p>
+          </p:txBody>
+        </p:sp>
+      </p:grpSp>
+      <p:sp>
+        <p:nvSpPr>
+          <p:cNvPr id="114" name="Forma livre 113"/>
+          <p:cNvSpPr/>
+          <p:nvPr/>
+        </p:nvSpPr>
+        <p:spPr>
+          <a:xfrm rot="3019416">
+            <a:off x="6971843" y="4516672"/>
+            <a:ext cx="162085" cy="919965"/>
+          </a:xfrm>
+          <a:custGeom>
+            <a:avLst/>
+            <a:gdLst>
+              <a:gd name="connsiteX0" fmla="*/ 121940 w 121940"/>
+              <a:gd name="connsiteY0" fmla="*/ 0 h 541020"/>
+              <a:gd name="connsiteX1" fmla="*/ 20 w 121940"/>
+              <a:gd name="connsiteY1" fmla="*/ 243840 h 541020"/>
+              <a:gd name="connsiteX2" fmla="*/ 114320 w 121940"/>
+              <a:gd name="connsiteY2" fmla="*/ 541020 h 541020"/>
+              <a:gd name="connsiteX0" fmla="*/ 99094 w 99094"/>
+              <a:gd name="connsiteY0" fmla="*/ 0 h 541020"/>
+              <a:gd name="connsiteX1" fmla="*/ 34 w 99094"/>
+              <a:gd name="connsiteY1" fmla="*/ 289560 h 541020"/>
+              <a:gd name="connsiteX2" fmla="*/ 91474 w 99094"/>
+              <a:gd name="connsiteY2" fmla="*/ 541020 h 541020"/>
+            </a:gdLst>
+            <a:ahLst/>
+            <a:cxnLst>
+              <a:cxn ang="0">
+                <a:pos x="connsiteX0" y="connsiteY0"/>
+              </a:cxn>
+              <a:cxn ang="0">
+                <a:pos x="connsiteX1" y="connsiteY1"/>
+              </a:cxn>
+              <a:cxn ang="0">
+                <a:pos x="connsiteX2" y="connsiteY2"/>
+              </a:cxn>
+            </a:cxnLst>
+            <a:rect l="l" t="t" r="r" b="b"/>
+            <a:pathLst>
+              <a:path w="99094" h="541020">
+                <a:moveTo>
+                  <a:pt x="99094" y="0"/>
+                </a:moveTo>
+                <a:cubicBezTo>
+                  <a:pt x="38769" y="76835"/>
+                  <a:pt x="1304" y="199390"/>
+                  <a:pt x="34" y="289560"/>
+                </a:cubicBezTo>
+                <a:cubicBezTo>
+                  <a:pt x="-1236" y="379730"/>
+                  <a:pt x="33689" y="437515"/>
+                  <a:pt x="91474" y="541020"/>
+                </a:cubicBezTo>
+              </a:path>
+            </a:pathLst>
+          </a:custGeom>
+          <a:noFill/>
+          <a:ln>
+            <a:solidFill>
+              <a:srgbClr val="00B050"/>
+            </a:solidFill>
+            <a:headEnd type="none" w="med" len="med"/>
+            <a:tailEnd type="triangle" w="lg" len="med"/>
+          </a:ln>
+        </p:spPr>
+        <p:style>
+          <a:lnRef idx="2">
+            <a:schemeClr val="accent1">
+              <a:shade val="50000"/>
+            </a:schemeClr>
+          </a:lnRef>
+          <a:fillRef idx="1">
+            <a:schemeClr val="accent1"/>
+          </a:fillRef>
+          <a:effectRef idx="0">
+            <a:schemeClr val="accent1"/>
+          </a:effectRef>
+          <a:fontRef idx="minor">
+            <a:schemeClr val="lt1"/>
+          </a:fontRef>
+        </p:style>
+        <p:txBody>
+          <a:bodyPr rtlCol="0" anchor="ctr"/>
+          <a:lstStyle/>
+          <a:p>
+            <a:pPr algn="ctr"/>
+            <a:endParaRPr lang="pt-BR"/>
+          </a:p>
+        </p:txBody>
+      </p:sp>
+      <p:sp>
+        <p:nvSpPr>
+          <p:cNvPr id="115" name="Forma livre 114"/>
+          <p:cNvSpPr/>
+          <p:nvPr/>
+        </p:nvSpPr>
+        <p:spPr>
+          <a:xfrm flipH="1" flipV="1">
+            <a:off x="6700408" y="1739658"/>
+            <a:ext cx="274115" cy="2377774"/>
+          </a:xfrm>
+          <a:custGeom>
+            <a:avLst/>
+            <a:gdLst>
+              <a:gd name="connsiteX0" fmla="*/ 121940 w 121940"/>
+              <a:gd name="connsiteY0" fmla="*/ 0 h 541020"/>
+              <a:gd name="connsiteX1" fmla="*/ 20 w 121940"/>
+              <a:gd name="connsiteY1" fmla="*/ 243840 h 541020"/>
+              <a:gd name="connsiteX2" fmla="*/ 114320 w 121940"/>
+              <a:gd name="connsiteY2" fmla="*/ 541020 h 541020"/>
+              <a:gd name="connsiteX0" fmla="*/ 99094 w 99094"/>
+              <a:gd name="connsiteY0" fmla="*/ 0 h 541020"/>
+              <a:gd name="connsiteX1" fmla="*/ 34 w 99094"/>
+              <a:gd name="connsiteY1" fmla="*/ 289560 h 541020"/>
+              <a:gd name="connsiteX2" fmla="*/ 91474 w 99094"/>
+              <a:gd name="connsiteY2" fmla="*/ 541020 h 541020"/>
+            </a:gdLst>
+            <a:ahLst/>
+            <a:cxnLst>
+              <a:cxn ang="0">
+                <a:pos x="connsiteX0" y="connsiteY0"/>
+              </a:cxn>
+              <a:cxn ang="0">
+                <a:pos x="connsiteX1" y="connsiteY1"/>
+              </a:cxn>
+              <a:cxn ang="0">
+                <a:pos x="connsiteX2" y="connsiteY2"/>
+              </a:cxn>
+            </a:cxnLst>
+            <a:rect l="l" t="t" r="r" b="b"/>
+            <a:pathLst>
+              <a:path w="99094" h="541020">
+                <a:moveTo>
+                  <a:pt x="99094" y="0"/>
+                </a:moveTo>
+                <a:cubicBezTo>
+                  <a:pt x="38769" y="76835"/>
+                  <a:pt x="1304" y="199390"/>
+                  <a:pt x="34" y="289560"/>
+                </a:cubicBezTo>
+                <a:cubicBezTo>
+                  <a:pt x="-1236" y="379730"/>
+                  <a:pt x="33689" y="437515"/>
+                  <a:pt x="91474" y="541020"/>
+                </a:cubicBezTo>
+              </a:path>
+            </a:pathLst>
+          </a:custGeom>
+          <a:noFill/>
+          <a:ln>
+            <a:solidFill>
+              <a:srgbClr val="FF0000"/>
+            </a:solidFill>
+            <a:prstDash val="sysDash"/>
+            <a:headEnd type="none" w="med" len="med"/>
+            <a:tailEnd type="triangle" w="lg" len="med"/>
+          </a:ln>
+        </p:spPr>
+        <p:style>
+          <a:lnRef idx="2">
+            <a:schemeClr val="accent1">
+              <a:shade val="50000"/>
+            </a:schemeClr>
+          </a:lnRef>
+          <a:fillRef idx="1">
+            <a:schemeClr val="accent1"/>
+          </a:fillRef>
+          <a:effectRef idx="0">
+            <a:schemeClr val="accent1"/>
+          </a:effectRef>
+          <a:fontRef idx="minor">
+            <a:schemeClr val="lt1"/>
+          </a:fontRef>
+        </p:style>
+        <p:txBody>
+          <a:bodyPr rtlCol="0" anchor="ctr"/>
+          <a:lstStyle/>
+          <a:p>
+            <a:pPr algn="ctr"/>
+            <a:endParaRPr lang="pt-BR"/>
+          </a:p>
+        </p:txBody>
+      </p:sp>
       <p:cxnSp>
         <p:nvCxnSpPr>
-          <p:cNvPr id="11" name="Conector de seta reta 10"/>
-          <p:cNvCxnSpPr>
-            <a:endCxn id="87" idx="0"/>
-          </p:cNvCxnSpPr>
+          <p:cNvPr id="18" name="Conector de seta reta 17"/>
+          <p:cNvCxnSpPr/>
           <p:nvPr/>
         </p:nvCxnSpPr>
         <p:spPr>
-          <a:xfrm flipH="1">
-            <a:off x="2807804" y="2276872"/>
-            <a:ext cx="797231" cy="720080"/>
+          <a:xfrm flipV="1">
+            <a:off x="4573753" y="1671402"/>
+            <a:ext cx="1490232" cy="1295423"/>
           </a:xfrm>
           <a:prstGeom prst="straightConnector1">
             <a:avLst/>
           </a:prstGeom>
           <a:ln w="19050">
             <a:solidFill>
-              <a:schemeClr val="tx1"/>
+              <a:srgbClr val="FF0000"/>
             </a:solidFill>
-            <a:headEnd type="triangle" w="lg" len="lg"/>
-            <a:tailEnd type="triangle" w="lg" len="lg"/>
-          </a:ln>
-        </p:spPr>
-        <p:style>
-          <a:lnRef idx="1">
-            <a:schemeClr val="accent1"/>
-          </a:lnRef>
-          <a:fillRef idx="0">
-            <a:schemeClr val="accent1"/>
-          </a:fillRef>
-          <a:effectRef idx="0">
-            <a:schemeClr val="accent1"/>
-          </a:effectRef>
-          <a:fontRef idx="minor">
-            <a:schemeClr val="tx1"/>
-          </a:fontRef>
-        </p:style>
-      </p:cxnSp>
-      <p:sp>
-        <p:nvSpPr>
-          <p:cNvPr id="12" name="CaixaDeTexto 11"/>
-          <p:cNvSpPr txBox="1"/>
-          <p:nvPr/>
-        </p:nvSpPr>
-        <p:spPr>
-          <a:xfrm>
-            <a:off x="3563888" y="1988840"/>
-            <a:ext cx="1368152" cy="276999"/>
-          </a:xfrm>
-          <a:prstGeom prst="rect">
-            <a:avLst/>
-          </a:prstGeom>
-          <a:noFill/>
-        </p:spPr>
-        <p:txBody>
-          <a:bodyPr wrap="square" rtlCol="0">
-            <a:spAutoFit/>
-          </a:bodyPr>
-          <a:lstStyle/>
-          <a:p>
-            <a:pPr algn="ctr"/>
-            <a:r>
-              <a:rPr lang="pt-BR" sz="1200" b="1" dirty="0" smtClean="0"/>
-              <a:t>Instituto Xavier</a:t>
-            </a:r>
-            <a:endParaRPr lang="pt-BR" sz="1200" b="1" dirty="0"/>
-          </a:p>
-        </p:txBody>
-      </p:sp>
-      <p:cxnSp>
-        <p:nvCxnSpPr>
-          <p:cNvPr id="13" name="Conector de seta reta 12"/>
-          <p:cNvCxnSpPr>
-            <a:stCxn id="108" idx="2"/>
-            <a:endCxn id="27" idx="0"/>
-          </p:cNvCxnSpPr>
-          <p:nvPr/>
-        </p:nvCxnSpPr>
-        <p:spPr>
-          <a:xfrm>
-            <a:off x="6480212" y="2265839"/>
-            <a:ext cx="0" cy="587097"/>
-          </a:xfrm>
-          <a:prstGeom prst="straightConnector1">
-            <a:avLst/>
-          </a:prstGeom>
-          <a:ln w="19050">
-            <a:solidFill>
-              <a:schemeClr val="tx1"/>
-            </a:solidFill>
-            <a:headEnd type="triangle" w="lg" len="lg"/>
-            <a:tailEnd type="triangle" w="lg" len="lg"/>
+            <a:prstDash val="sysDash"/>
+            <a:tailEnd type="triangle" w="lg" len="med"/>
           </a:ln>
         </p:spPr>
         <p:style>
@@ -3857,170 +8005,24 @@
       </p:cxnSp>
       <p:cxnSp>
         <p:nvCxnSpPr>
-          <p:cNvPr id="19" name="Conector de seta reta 18"/>
-          <p:cNvCxnSpPr>
-            <a:stCxn id="1028" idx="3"/>
-            <a:endCxn id="1030" idx="1"/>
-          </p:cNvCxnSpPr>
+          <p:cNvPr id="117" name="Conector de seta reta 116"/>
+          <p:cNvCxnSpPr/>
           <p:nvPr/>
         </p:nvCxnSpPr>
         <p:spPr>
-          <a:xfrm>
-            <a:off x="4927104" y="1518321"/>
-            <a:ext cx="1013048" cy="2468"/>
+          <a:xfrm flipV="1">
+            <a:off x="4593559" y="3064025"/>
+            <a:ext cx="1555580" cy="1"/>
           </a:xfrm>
           <a:prstGeom prst="straightConnector1">
             <a:avLst/>
           </a:prstGeom>
           <a:ln w="19050">
             <a:solidFill>
-              <a:schemeClr val="tx1"/>
+              <a:srgbClr val="FF0000"/>
             </a:solidFill>
-            <a:headEnd type="triangle" w="lg" len="lg"/>
-            <a:tailEnd type="triangle" w="lg" len="lg"/>
-          </a:ln>
-        </p:spPr>
-        <p:style>
-          <a:lnRef idx="1">
-            <a:schemeClr val="accent1"/>
-          </a:lnRef>
-          <a:fillRef idx="0">
-            <a:schemeClr val="accent1"/>
-          </a:fillRef>
-          <a:effectRef idx="0">
-            <a:schemeClr val="accent1"/>
-          </a:effectRef>
-          <a:fontRef idx="minor">
-            <a:schemeClr val="tx1"/>
-          </a:fontRef>
-        </p:style>
-      </p:cxnSp>
-      <p:pic>
-        <p:nvPicPr>
-          <p:cNvPr id="27" name="Picture 8" descr="http://icons.iconarchive.com/icons/icons-land/vista-hardware-devices/128/Portable-Computer-icon.png"/>
-          <p:cNvPicPr>
-            <a:picLocks noChangeAspect="1" noChangeArrowheads="1"/>
-          </p:cNvPicPr>
-          <p:nvPr/>
-        </p:nvPicPr>
-        <p:blipFill>
-          <a:blip r:embed="rId4" cstate="print"/>
-          <a:srcRect/>
-          <a:stretch>
-            <a:fillRect/>
-          </a:stretch>
-        </p:blipFill>
-        <p:spPr bwMode="auto">
-          <a:xfrm>
-            <a:off x="6228184" y="2852936"/>
-            <a:ext cx="504055" cy="504056"/>
-          </a:xfrm>
-          <a:prstGeom prst="rect">
-            <a:avLst/>
-          </a:prstGeom>
-          <a:noFill/>
-        </p:spPr>
-      </p:pic>
-      <p:pic>
-        <p:nvPicPr>
-          <p:cNvPr id="28" name="Picture 8" descr="http://icons.iconarchive.com/icons/icons-land/vista-hardware-devices/128/Portable-Computer-icon.png"/>
-          <p:cNvPicPr>
-            <a:picLocks noChangeAspect="1" noChangeArrowheads="1"/>
-          </p:cNvPicPr>
-          <p:nvPr/>
-        </p:nvPicPr>
-        <p:blipFill>
-          <a:blip r:embed="rId4" cstate="print"/>
-          <a:srcRect/>
-          <a:stretch>
-            <a:fillRect/>
-          </a:stretch>
-        </p:blipFill>
-        <p:spPr bwMode="auto">
-          <a:xfrm>
-            <a:off x="7236296" y="4077072"/>
-            <a:ext cx="504055" cy="504056"/>
-          </a:xfrm>
-          <a:prstGeom prst="rect">
-            <a:avLst/>
-          </a:prstGeom>
-          <a:noFill/>
-        </p:spPr>
-      </p:pic>
-      <p:pic>
-        <p:nvPicPr>
-          <p:cNvPr id="29" name="Picture 8" descr="http://icons.iconarchive.com/icons/icons-land/vista-hardware-devices/128/Portable-Computer-icon.png"/>
-          <p:cNvPicPr>
-            <a:picLocks noChangeAspect="1" noChangeArrowheads="1"/>
-          </p:cNvPicPr>
-          <p:nvPr/>
-        </p:nvPicPr>
-        <p:blipFill>
-          <a:blip r:embed="rId4" cstate="print"/>
-          <a:srcRect/>
-          <a:stretch>
-            <a:fillRect/>
-          </a:stretch>
-        </p:blipFill>
-        <p:spPr bwMode="auto">
-          <a:xfrm>
-            <a:off x="6228184" y="5157192"/>
-            <a:ext cx="504055" cy="504056"/>
-          </a:xfrm>
-          <a:prstGeom prst="rect">
-            <a:avLst/>
-          </a:prstGeom>
-          <a:noFill/>
-        </p:spPr>
-      </p:pic>
-      <p:pic>
-        <p:nvPicPr>
-          <p:cNvPr id="30" name="Picture 8" descr="http://icons.iconarchive.com/icons/icons-land/vista-hardware-devices/128/Portable-Computer-icon.png"/>
-          <p:cNvPicPr>
-            <a:picLocks noChangeAspect="1" noChangeArrowheads="1"/>
-          </p:cNvPicPr>
-          <p:nvPr/>
-        </p:nvPicPr>
-        <p:blipFill>
-          <a:blip r:embed="rId4" cstate="print"/>
-          <a:srcRect/>
-          <a:stretch>
-            <a:fillRect/>
-          </a:stretch>
-        </p:blipFill>
-        <p:spPr bwMode="auto">
-          <a:xfrm>
-            <a:off x="6228184" y="4077072"/>
-            <a:ext cx="504055" cy="504056"/>
-          </a:xfrm>
-          <a:prstGeom prst="rect">
-            <a:avLst/>
-          </a:prstGeom>
-          <a:noFill/>
-        </p:spPr>
-      </p:pic>
-      <p:cxnSp>
-        <p:nvCxnSpPr>
-          <p:cNvPr id="36" name="Forma 35"/>
-          <p:cNvCxnSpPr>
-            <a:stCxn id="27" idx="3"/>
-            <a:endCxn id="28" idx="0"/>
-          </p:cNvCxnSpPr>
-          <p:nvPr/>
-        </p:nvCxnSpPr>
-        <p:spPr>
-          <a:xfrm>
-            <a:off x="6732239" y="3104964"/>
-            <a:ext cx="756085" cy="972108"/>
-          </a:xfrm>
-          <a:prstGeom prst="curvedConnector2">
-            <a:avLst/>
-          </a:prstGeom>
-          <a:ln w="19050">
-            <a:solidFill>
-              <a:schemeClr val="tx1"/>
-            </a:solidFill>
-            <a:tailEnd type="triangle" w="lg" len="lg"/>
+            <a:prstDash val="sysDash"/>
+            <a:tailEnd type="triangle" w="lg" len="med"/>
           </a:ln>
         </p:spPr>
         <p:style>
@@ -4040,26 +8042,24 @@
       </p:cxnSp>
       <p:cxnSp>
         <p:nvCxnSpPr>
-          <p:cNvPr id="45" name="Conector de seta reta 44"/>
-          <p:cNvCxnSpPr>
-            <a:endCxn id="30" idx="0"/>
-          </p:cNvCxnSpPr>
+          <p:cNvPr id="118" name="Conector de seta reta 117"/>
+          <p:cNvCxnSpPr/>
           <p:nvPr/>
         </p:nvCxnSpPr>
         <p:spPr>
           <a:xfrm>
-            <a:off x="6480212" y="3573016"/>
-            <a:ext cx="0" cy="504056"/>
+            <a:off x="4617352" y="3222247"/>
+            <a:ext cx="1748092" cy="947136"/>
           </a:xfrm>
           <a:prstGeom prst="straightConnector1">
             <a:avLst/>
           </a:prstGeom>
           <a:ln w="19050">
             <a:solidFill>
-              <a:schemeClr val="tx1"/>
+              <a:srgbClr val="FF0000"/>
             </a:solidFill>
-            <a:headEnd type="triangle" w="lg" len="lg"/>
-            <a:tailEnd type="triangle" w="lg" len="lg"/>
+            <a:prstDash val="sysDash"/>
+            <a:tailEnd type="triangle" w="lg" len="med"/>
           </a:ln>
         </p:spPr>
         <p:style>
@@ -4079,26 +8079,24 @@
       </p:cxnSp>
       <p:cxnSp>
         <p:nvCxnSpPr>
-          <p:cNvPr id="53" name="Forma 52"/>
-          <p:cNvCxnSpPr>
-            <a:stCxn id="143" idx="2"/>
-            <a:endCxn id="29" idx="3"/>
-          </p:cNvCxnSpPr>
+          <p:cNvPr id="119" name="Conector de seta reta 118"/>
+          <p:cNvCxnSpPr/>
           <p:nvPr/>
         </p:nvCxnSpPr>
         <p:spPr>
-          <a:xfrm rot="5400000">
-            <a:off x="6798732" y="4719627"/>
-            <a:ext cx="623101" cy="756085"/>
-          </a:xfrm>
-          <a:prstGeom prst="curvedConnector2">
+          <a:xfrm>
+            <a:off x="4541532" y="3603504"/>
+            <a:ext cx="1604694" cy="1821282"/>
+          </a:xfrm>
+          <a:prstGeom prst="straightConnector1">
             <a:avLst/>
           </a:prstGeom>
           <a:ln w="19050">
             <a:solidFill>
-              <a:schemeClr val="tx1"/>
+              <a:srgbClr val="FF0000"/>
             </a:solidFill>
-            <a:tailEnd type="triangle" w="lg" len="lg"/>
+            <a:prstDash val="sysDash"/>
+            <a:tailEnd type="triangle"/>
           </a:ln>
         </p:spPr>
         <p:style>
@@ -4118,28 +8116,25 @@
       </p:cxnSp>
       <p:cxnSp>
         <p:nvCxnSpPr>
-          <p:cNvPr id="56" name="Forma 55"/>
-          <p:cNvCxnSpPr>
-            <a:stCxn id="29" idx="1"/>
-            <a:endCxn id="27" idx="1"/>
-          </p:cNvCxnSpPr>
+          <p:cNvPr id="120" name="Conector de seta reta 119"/>
+          <p:cNvCxnSpPr/>
           <p:nvPr/>
         </p:nvCxnSpPr>
         <p:spPr>
-          <a:xfrm rot="10800000">
-            <a:off x="6228184" y="3104964"/>
-            <a:ext cx="12700" cy="2304256"/>
-          </a:xfrm>
-          <a:prstGeom prst="curvedConnector3">
-            <a:avLst>
-              <a:gd name="adj1" fmla="val 4800001"/>
-            </a:avLst>
+          <a:xfrm flipV="1">
+            <a:off x="4611762" y="1739658"/>
+            <a:ext cx="1490232" cy="1295423"/>
+          </a:xfrm>
+          <a:prstGeom prst="straightConnector1">
+            <a:avLst/>
           </a:prstGeom>
           <a:ln w="19050">
             <a:solidFill>
-              <a:schemeClr val="tx1"/>
+              <a:srgbClr val="00B050"/>
             </a:solidFill>
-            <a:tailEnd type="triangle" w="lg" len="lg"/>
+            <a:prstDash val="sysDash"/>
+            <a:headEnd type="triangle" w="lg" len="med"/>
+            <a:tailEnd type="none" w="lg" len="med"/>
           </a:ln>
         </p:spPr>
         <p:style>
@@ -4159,26 +8154,25 @@
       </p:cxnSp>
       <p:cxnSp>
         <p:nvCxnSpPr>
-          <p:cNvPr id="59" name="Conector de seta reta 58"/>
-          <p:cNvCxnSpPr>
-            <a:stCxn id="146" idx="2"/>
-            <a:endCxn id="29" idx="0"/>
-          </p:cNvCxnSpPr>
+          <p:cNvPr id="121" name="Conector de seta reta 120"/>
+          <p:cNvCxnSpPr/>
           <p:nvPr/>
         </p:nvCxnSpPr>
         <p:spPr>
-          <a:xfrm>
-            <a:off x="6480212" y="4786119"/>
-            <a:ext cx="0" cy="371073"/>
+          <a:xfrm flipV="1">
+            <a:off x="4579088" y="3140230"/>
+            <a:ext cx="1555580" cy="1"/>
           </a:xfrm>
           <a:prstGeom prst="straightConnector1">
             <a:avLst/>
           </a:prstGeom>
           <a:ln w="19050">
             <a:solidFill>
-              <a:schemeClr val="tx1"/>
+              <a:srgbClr val="00B050"/>
             </a:solidFill>
-            <a:tailEnd type="triangle" w="lg" len="lg"/>
+            <a:prstDash val="sysDash"/>
+            <a:headEnd type="triangle" w="lg" len="med"/>
+            <a:tailEnd type="none" w="lg" len="med"/>
           </a:ln>
         </p:spPr>
         <p:style>
@@ -4198,143 +8192,25 @@
       </p:cxnSp>
       <p:cxnSp>
         <p:nvCxnSpPr>
-          <p:cNvPr id="80" name="Conector de seta reta 79"/>
-          <p:cNvCxnSpPr>
-            <a:endCxn id="1032" idx="0"/>
-          </p:cNvCxnSpPr>
+          <p:cNvPr id="122" name="Conector de seta reta 121"/>
+          <p:cNvCxnSpPr/>
           <p:nvPr/>
         </p:nvCxnSpPr>
         <p:spPr>
           <a:xfrm>
-            <a:off x="4319972" y="2276872"/>
-            <a:ext cx="0" cy="648072"/>
+            <a:off x="4548459" y="3282781"/>
+            <a:ext cx="1748092" cy="947136"/>
           </a:xfrm>
           <a:prstGeom prst="straightConnector1">
             <a:avLst/>
           </a:prstGeom>
           <a:ln w="19050">
             <a:solidFill>
-              <a:schemeClr val="tx1"/>
+              <a:srgbClr val="00B050"/>
             </a:solidFill>
-            <a:headEnd type="none" w="lg" len="lg"/>
-            <a:tailEnd type="triangle" w="lg" len="lg"/>
-          </a:ln>
-        </p:spPr>
-        <p:style>
-          <a:lnRef idx="1">
-            <a:schemeClr val="accent1"/>
-          </a:lnRef>
-          <a:fillRef idx="0">
-            <a:schemeClr val="accent1"/>
-          </a:fillRef>
-          <a:effectRef idx="0">
-            <a:schemeClr val="accent1"/>
-          </a:effectRef>
-          <a:fontRef idx="minor">
-            <a:schemeClr val="tx1"/>
-          </a:fontRef>
-        </p:style>
-      </p:cxnSp>
-      <p:pic>
-        <p:nvPicPr>
-          <p:cNvPr id="86" name="Picture 8" descr="http://icons.iconarchive.com/icons/icons-land/vista-hardware-devices/128/Portable-Computer-icon.png"/>
-          <p:cNvPicPr>
-            <a:picLocks noChangeAspect="1" noChangeArrowheads="1"/>
-          </p:cNvPicPr>
-          <p:nvPr/>
-        </p:nvPicPr>
-        <p:blipFill>
-          <a:blip r:embed="rId4" cstate="print"/>
-          <a:srcRect/>
-          <a:stretch>
-            <a:fillRect/>
-          </a:stretch>
-        </p:blipFill>
-        <p:spPr bwMode="auto">
-          <a:xfrm>
-            <a:off x="1763688" y="4201343"/>
-            <a:ext cx="504055" cy="504056"/>
-          </a:xfrm>
-          <a:prstGeom prst="rect">
-            <a:avLst/>
-          </a:prstGeom>
-          <a:noFill/>
-        </p:spPr>
-      </p:pic>
-      <p:pic>
-        <p:nvPicPr>
-          <p:cNvPr id="88" name="Picture 8" descr="http://icons.iconarchive.com/icons/icons-land/vista-hardware-devices/128/Portable-Computer-icon.png"/>
-          <p:cNvPicPr>
-            <a:picLocks noChangeAspect="1" noChangeArrowheads="1"/>
-          </p:cNvPicPr>
-          <p:nvPr/>
-        </p:nvPicPr>
-        <p:blipFill>
-          <a:blip r:embed="rId4" cstate="print"/>
-          <a:srcRect/>
-          <a:stretch>
-            <a:fillRect/>
-          </a:stretch>
-        </p:blipFill>
-        <p:spPr bwMode="auto">
-          <a:xfrm>
-            <a:off x="3419873" y="4201343"/>
-            <a:ext cx="504055" cy="504056"/>
-          </a:xfrm>
-          <a:prstGeom prst="rect">
-            <a:avLst/>
-          </a:prstGeom>
-          <a:noFill/>
-        </p:spPr>
-      </p:pic>
-      <p:pic>
-        <p:nvPicPr>
-          <p:cNvPr id="90" name="Picture 8" descr="http://icons.iconarchive.com/icons/icons-land/vista-hardware-devices/128/Portable-Computer-icon.png"/>
-          <p:cNvPicPr>
-            <a:picLocks noChangeAspect="1" noChangeArrowheads="1"/>
-          </p:cNvPicPr>
-          <p:nvPr/>
-        </p:nvPicPr>
-        <p:blipFill>
-          <a:blip r:embed="rId4" cstate="print"/>
-          <a:srcRect/>
-          <a:stretch>
-            <a:fillRect/>
-          </a:stretch>
-        </p:blipFill>
-        <p:spPr bwMode="auto">
-          <a:xfrm>
-            <a:off x="2555776" y="4201343"/>
-            <a:ext cx="504055" cy="504056"/>
-          </a:xfrm>
-          <a:prstGeom prst="rect">
-            <a:avLst/>
-          </a:prstGeom>
-          <a:noFill/>
-        </p:spPr>
-      </p:pic>
-      <p:cxnSp>
-        <p:nvCxnSpPr>
-          <p:cNvPr id="91" name="Conector de seta reta 90"/>
-          <p:cNvCxnSpPr>
-            <a:endCxn id="86" idx="0"/>
-          </p:cNvCxnSpPr>
-          <p:nvPr/>
-        </p:nvCxnSpPr>
-        <p:spPr>
-          <a:xfrm flipH="1">
-            <a:off x="2015716" y="3697287"/>
-            <a:ext cx="540060" cy="504056"/>
-          </a:xfrm>
-          <a:prstGeom prst="straightConnector1">
-            <a:avLst/>
-          </a:prstGeom>
-          <a:ln w="19050">
-            <a:solidFill>
-              <a:schemeClr val="tx1"/>
-            </a:solidFill>
-            <a:headEnd type="none" w="lg" len="lg"/>
-            <a:tailEnd type="triangle" w="lg" len="lg"/>
+            <a:prstDash val="sysDash"/>
+            <a:headEnd type="triangle" w="lg" len="med"/>
+            <a:tailEnd type="none" w="lg" len="med"/>
           </a:ln>
         </p:spPr>
         <p:style>
@@ -4354,27 +8230,25 @@
       </p:cxnSp>
       <p:cxnSp>
         <p:nvCxnSpPr>
-          <p:cNvPr id="94" name="Conector de seta reta 93"/>
-          <p:cNvCxnSpPr>
-            <a:stCxn id="142" idx="2"/>
-            <a:endCxn id="90" idx="0"/>
-          </p:cNvCxnSpPr>
+          <p:cNvPr id="123" name="Conector de seta reta 122"/>
+          <p:cNvCxnSpPr/>
           <p:nvPr/>
         </p:nvCxnSpPr>
         <p:spPr>
           <a:xfrm>
-            <a:off x="2807804" y="3705999"/>
-            <a:ext cx="0" cy="495344"/>
+            <a:off x="4488712" y="3663644"/>
+            <a:ext cx="1604694" cy="1821282"/>
           </a:xfrm>
           <a:prstGeom prst="straightConnector1">
             <a:avLst/>
           </a:prstGeom>
           <a:ln w="19050">
             <a:solidFill>
-              <a:schemeClr val="tx1"/>
+              <a:srgbClr val="00B050"/>
             </a:solidFill>
-            <a:headEnd type="triangle" w="lg" len="lg"/>
-            <a:tailEnd type="triangle" w="lg" len="lg"/>
+            <a:prstDash val="sysDash"/>
+            <a:headEnd type="triangle" w="lg" len="med"/>
+            <a:tailEnd type="none" w="med" len="med"/>
           </a:ln>
         </p:spPr>
         <p:style>
@@ -4394,26 +8268,25 @@
       </p:cxnSp>
       <p:cxnSp>
         <p:nvCxnSpPr>
-          <p:cNvPr id="95" name="Conector de seta reta 94"/>
-          <p:cNvCxnSpPr>
-            <a:endCxn id="88" idx="0"/>
-          </p:cNvCxnSpPr>
+          <p:cNvPr id="124" name="Conector de seta reta 123"/>
+          <p:cNvCxnSpPr/>
           <p:nvPr/>
         </p:nvCxnSpPr>
         <p:spPr>
           <a:xfrm>
-            <a:off x="3059832" y="3697287"/>
-            <a:ext cx="612069" cy="504056"/>
+            <a:off x="3993411" y="4701246"/>
+            <a:ext cx="2045615" cy="830520"/>
           </a:xfrm>
           <a:prstGeom prst="straightConnector1">
             <a:avLst/>
           </a:prstGeom>
           <a:ln w="19050">
             <a:solidFill>
-              <a:schemeClr val="tx1"/>
+              <a:srgbClr val="00B050"/>
             </a:solidFill>
-            <a:headEnd type="triangle" w="lg" len="lg"/>
-            <a:tailEnd type="triangle" w="lg" len="lg"/>
+            <a:prstDash val="sysDash"/>
+            <a:headEnd type="none" w="med" len="med"/>
+            <a:tailEnd type="triangle" w="lg" len="med"/>
           </a:ln>
         </p:spPr>
         <p:style>
@@ -4431,339 +8304,632 @@
           </a:fontRef>
         </p:style>
       </p:cxnSp>
-      <p:sp>
-        <p:nvSpPr>
-          <p:cNvPr id="108" name="CaixaDeTexto 107"/>
-          <p:cNvSpPr txBox="1"/>
-          <p:nvPr/>
-        </p:nvSpPr>
+      <p:cxnSp>
+        <p:nvCxnSpPr>
+          <p:cNvPr id="126" name="Conector de seta reta 125"/>
+          <p:cNvCxnSpPr/>
+          <p:nvPr/>
+        </p:nvCxnSpPr>
         <p:spPr>
           <a:xfrm>
-            <a:off x="5796136" y="1988840"/>
-            <a:ext cx="1368152" cy="276999"/>
-          </a:xfrm>
-          <a:prstGeom prst="rect">
+            <a:off x="4473001" y="2269171"/>
+            <a:ext cx="11704" cy="644740"/>
+          </a:xfrm>
+          <a:prstGeom prst="straightConnector1">
             <a:avLst/>
           </a:prstGeom>
+          <a:ln w="19050">
+            <a:solidFill>
+              <a:srgbClr val="FF0000"/>
+            </a:solidFill>
+            <a:prstDash val="sysDash"/>
+            <a:headEnd type="triangle" w="lg" len="med"/>
+            <a:tailEnd type="none" w="lg" len="med"/>
+          </a:ln>
+        </p:spPr>
+        <p:style>
+          <a:lnRef idx="1">
+            <a:schemeClr val="accent1"/>
+          </a:lnRef>
+          <a:fillRef idx="0">
+            <a:schemeClr val="accent1"/>
+          </a:fillRef>
+          <a:effectRef idx="0">
+            <a:schemeClr val="accent1"/>
+          </a:effectRef>
+          <a:fontRef idx="minor">
+            <a:schemeClr val="tx1"/>
+          </a:fontRef>
+        </p:style>
+      </p:cxnSp>
+      <p:cxnSp>
+        <p:nvCxnSpPr>
+          <p:cNvPr id="129" name="Conector de seta reta 128"/>
+          <p:cNvCxnSpPr/>
+          <p:nvPr/>
+        </p:nvCxnSpPr>
+        <p:spPr>
+          <a:xfrm>
+            <a:off x="6629545" y="4768056"/>
+            <a:ext cx="3906" cy="443020"/>
+          </a:xfrm>
+          <a:prstGeom prst="straightConnector1">
+            <a:avLst/>
+          </a:prstGeom>
+          <a:ln w="19050">
+            <a:solidFill>
+              <a:srgbClr val="00B050"/>
+            </a:solidFill>
+            <a:prstDash val="sysDash"/>
+            <a:headEnd type="triangle" w="lg" len="med"/>
+            <a:tailEnd type="none" w="med" len="med"/>
+          </a:ln>
+        </p:spPr>
+        <p:style>
+          <a:lnRef idx="1">
+            <a:schemeClr val="accent1"/>
+          </a:lnRef>
+          <a:fillRef idx="0">
+            <a:schemeClr val="accent1"/>
+          </a:fillRef>
+          <a:effectRef idx="0">
+            <a:schemeClr val="accent1"/>
+          </a:effectRef>
+          <a:fontRef idx="minor">
+            <a:schemeClr val="tx1"/>
+          </a:fontRef>
+        </p:style>
+      </p:cxnSp>
+      <p:sp>
+        <p:nvSpPr>
+          <p:cNvPr id="132" name="Forma livre 131"/>
+          <p:cNvSpPr/>
+          <p:nvPr/>
+        </p:nvSpPr>
+        <p:spPr>
+          <a:xfrm flipH="1" flipV="1">
+            <a:off x="6800176" y="1671402"/>
+            <a:ext cx="274115" cy="2490188"/>
+          </a:xfrm>
+          <a:custGeom>
+            <a:avLst/>
+            <a:gdLst>
+              <a:gd name="connsiteX0" fmla="*/ 121940 w 121940"/>
+              <a:gd name="connsiteY0" fmla="*/ 0 h 541020"/>
+              <a:gd name="connsiteX1" fmla="*/ 20 w 121940"/>
+              <a:gd name="connsiteY1" fmla="*/ 243840 h 541020"/>
+              <a:gd name="connsiteX2" fmla="*/ 114320 w 121940"/>
+              <a:gd name="connsiteY2" fmla="*/ 541020 h 541020"/>
+              <a:gd name="connsiteX0" fmla="*/ 99094 w 99094"/>
+              <a:gd name="connsiteY0" fmla="*/ 0 h 541020"/>
+              <a:gd name="connsiteX1" fmla="*/ 34 w 99094"/>
+              <a:gd name="connsiteY1" fmla="*/ 289560 h 541020"/>
+              <a:gd name="connsiteX2" fmla="*/ 91474 w 99094"/>
+              <a:gd name="connsiteY2" fmla="*/ 541020 h 541020"/>
+            </a:gdLst>
+            <a:ahLst/>
+            <a:cxnLst>
+              <a:cxn ang="0">
+                <a:pos x="connsiteX0" y="connsiteY0"/>
+              </a:cxn>
+              <a:cxn ang="0">
+                <a:pos x="connsiteX1" y="connsiteY1"/>
+              </a:cxn>
+              <a:cxn ang="0">
+                <a:pos x="connsiteX2" y="connsiteY2"/>
+              </a:cxn>
+            </a:cxnLst>
+            <a:rect l="l" t="t" r="r" b="b"/>
+            <a:pathLst>
+              <a:path w="99094" h="541020">
+                <a:moveTo>
+                  <a:pt x="99094" y="0"/>
+                </a:moveTo>
+                <a:cubicBezTo>
+                  <a:pt x="38769" y="76835"/>
+                  <a:pt x="1304" y="199390"/>
+                  <a:pt x="34" y="289560"/>
+                </a:cubicBezTo>
+                <a:cubicBezTo>
+                  <a:pt x="-1236" y="379730"/>
+                  <a:pt x="33689" y="437515"/>
+                  <a:pt x="91474" y="541020"/>
+                </a:cubicBezTo>
+              </a:path>
+            </a:pathLst>
+          </a:custGeom>
           <a:noFill/>
-        </p:spPr>
-        <p:txBody>
-          <a:bodyPr wrap="square" rtlCol="0">
-            <a:spAutoFit/>
-          </a:bodyPr>
+          <a:ln>
+            <a:solidFill>
+              <a:srgbClr val="00B050"/>
+            </a:solidFill>
+            <a:prstDash val="sysDash"/>
+            <a:headEnd type="triangle" w="lg" len="med"/>
+            <a:tailEnd type="none" w="lg" len="med"/>
+          </a:ln>
+        </p:spPr>
+        <p:style>
+          <a:lnRef idx="2">
+            <a:schemeClr val="accent1">
+              <a:shade val="50000"/>
+            </a:schemeClr>
+          </a:lnRef>
+          <a:fillRef idx="1">
+            <a:schemeClr val="accent1"/>
+          </a:fillRef>
+          <a:effectRef idx="0">
+            <a:schemeClr val="accent1"/>
+          </a:effectRef>
+          <a:fontRef idx="minor">
+            <a:schemeClr val="lt1"/>
+          </a:fontRef>
+        </p:style>
+        <p:txBody>
+          <a:bodyPr rtlCol="0" anchor="ctr"/>
           <a:lstStyle/>
           <a:p>
             <a:pPr algn="ctr"/>
-            <a:r>
-              <a:rPr lang="pt-BR" sz="1200" b="1" dirty="0" smtClean="0"/>
-              <a:t>Wolverine</a:t>
-            </a:r>
-            <a:endParaRPr lang="pt-BR" sz="1200" b="1" dirty="0"/>
-          </a:p>
-        </p:txBody>
-      </p:sp>
-      <p:sp>
-        <p:nvSpPr>
-          <p:cNvPr id="116" name="CaixaDeTexto 115"/>
-          <p:cNvSpPr txBox="1"/>
+            <a:endParaRPr lang="pt-BR"/>
+          </a:p>
+        </p:txBody>
+      </p:sp>
+      <p:sp>
+        <p:nvSpPr>
+          <p:cNvPr id="133" name="Forma livre 132"/>
+          <p:cNvSpPr/>
+          <p:nvPr/>
+        </p:nvSpPr>
+        <p:spPr>
+          <a:xfrm rot="20594035" flipH="1" flipV="1">
+            <a:off x="7232555" y="1464702"/>
+            <a:ext cx="184789" cy="2664556"/>
+          </a:xfrm>
+          <a:custGeom>
+            <a:avLst/>
+            <a:gdLst>
+              <a:gd name="connsiteX0" fmla="*/ 121940 w 121940"/>
+              <a:gd name="connsiteY0" fmla="*/ 0 h 541020"/>
+              <a:gd name="connsiteX1" fmla="*/ 20 w 121940"/>
+              <a:gd name="connsiteY1" fmla="*/ 243840 h 541020"/>
+              <a:gd name="connsiteX2" fmla="*/ 114320 w 121940"/>
+              <a:gd name="connsiteY2" fmla="*/ 541020 h 541020"/>
+              <a:gd name="connsiteX0" fmla="*/ 99094 w 99094"/>
+              <a:gd name="connsiteY0" fmla="*/ 0 h 541020"/>
+              <a:gd name="connsiteX1" fmla="*/ 34 w 99094"/>
+              <a:gd name="connsiteY1" fmla="*/ 289560 h 541020"/>
+              <a:gd name="connsiteX2" fmla="*/ 91474 w 99094"/>
+              <a:gd name="connsiteY2" fmla="*/ 541020 h 541020"/>
+            </a:gdLst>
+            <a:ahLst/>
+            <a:cxnLst>
+              <a:cxn ang="0">
+                <a:pos x="connsiteX0" y="connsiteY0"/>
+              </a:cxn>
+              <a:cxn ang="0">
+                <a:pos x="connsiteX1" y="connsiteY1"/>
+              </a:cxn>
+              <a:cxn ang="0">
+                <a:pos x="connsiteX2" y="connsiteY2"/>
+              </a:cxn>
+            </a:cxnLst>
+            <a:rect l="l" t="t" r="r" b="b"/>
+            <a:pathLst>
+              <a:path w="99094" h="541020">
+                <a:moveTo>
+                  <a:pt x="99094" y="0"/>
+                </a:moveTo>
+                <a:cubicBezTo>
+                  <a:pt x="38769" y="76835"/>
+                  <a:pt x="1304" y="199390"/>
+                  <a:pt x="34" y="289560"/>
+                </a:cubicBezTo>
+                <a:cubicBezTo>
+                  <a:pt x="-1236" y="379730"/>
+                  <a:pt x="33689" y="437515"/>
+                  <a:pt x="91474" y="541020"/>
+                </a:cubicBezTo>
+              </a:path>
+            </a:pathLst>
+          </a:custGeom>
+          <a:noFill/>
+          <a:ln>
+            <a:solidFill>
+              <a:srgbClr val="FF0000"/>
+            </a:solidFill>
+            <a:prstDash val="sysDash"/>
+            <a:headEnd type="none" w="med" len="med"/>
+            <a:tailEnd type="triangle" w="lg" len="med"/>
+          </a:ln>
+        </p:spPr>
+        <p:style>
+          <a:lnRef idx="2">
+            <a:schemeClr val="accent1">
+              <a:shade val="50000"/>
+            </a:schemeClr>
+          </a:lnRef>
+          <a:fillRef idx="1">
+            <a:schemeClr val="accent1"/>
+          </a:fillRef>
+          <a:effectRef idx="0">
+            <a:schemeClr val="accent1"/>
+          </a:effectRef>
+          <a:fontRef idx="minor">
+            <a:schemeClr val="lt1"/>
+          </a:fontRef>
+        </p:style>
+        <p:txBody>
+          <a:bodyPr rtlCol="0" anchor="ctr"/>
+          <a:lstStyle/>
+          <a:p>
+            <a:pPr algn="ctr"/>
+            <a:endParaRPr lang="pt-BR"/>
+          </a:p>
+        </p:txBody>
+      </p:sp>
+      <p:sp>
+        <p:nvSpPr>
+          <p:cNvPr id="134" name="Forma livre 133"/>
+          <p:cNvSpPr/>
+          <p:nvPr/>
+        </p:nvSpPr>
+        <p:spPr>
+          <a:xfrm rot="20594035" flipH="1" flipV="1">
+            <a:off x="7317622" y="1418533"/>
+            <a:ext cx="184789" cy="2664556"/>
+          </a:xfrm>
+          <a:custGeom>
+            <a:avLst/>
+            <a:gdLst>
+              <a:gd name="connsiteX0" fmla="*/ 121940 w 121940"/>
+              <a:gd name="connsiteY0" fmla="*/ 0 h 541020"/>
+              <a:gd name="connsiteX1" fmla="*/ 20 w 121940"/>
+              <a:gd name="connsiteY1" fmla="*/ 243840 h 541020"/>
+              <a:gd name="connsiteX2" fmla="*/ 114320 w 121940"/>
+              <a:gd name="connsiteY2" fmla="*/ 541020 h 541020"/>
+              <a:gd name="connsiteX0" fmla="*/ 99094 w 99094"/>
+              <a:gd name="connsiteY0" fmla="*/ 0 h 541020"/>
+              <a:gd name="connsiteX1" fmla="*/ 34 w 99094"/>
+              <a:gd name="connsiteY1" fmla="*/ 289560 h 541020"/>
+              <a:gd name="connsiteX2" fmla="*/ 91474 w 99094"/>
+              <a:gd name="connsiteY2" fmla="*/ 541020 h 541020"/>
+            </a:gdLst>
+            <a:ahLst/>
+            <a:cxnLst>
+              <a:cxn ang="0">
+                <a:pos x="connsiteX0" y="connsiteY0"/>
+              </a:cxn>
+              <a:cxn ang="0">
+                <a:pos x="connsiteX1" y="connsiteY1"/>
+              </a:cxn>
+              <a:cxn ang="0">
+                <a:pos x="connsiteX2" y="connsiteY2"/>
+              </a:cxn>
+            </a:cxnLst>
+            <a:rect l="l" t="t" r="r" b="b"/>
+            <a:pathLst>
+              <a:path w="99094" h="541020">
+                <a:moveTo>
+                  <a:pt x="99094" y="0"/>
+                </a:moveTo>
+                <a:cubicBezTo>
+                  <a:pt x="38769" y="76835"/>
+                  <a:pt x="1304" y="199390"/>
+                  <a:pt x="34" y="289560"/>
+                </a:cubicBezTo>
+                <a:cubicBezTo>
+                  <a:pt x="-1236" y="379730"/>
+                  <a:pt x="33689" y="437515"/>
+                  <a:pt x="91474" y="541020"/>
+                </a:cubicBezTo>
+              </a:path>
+            </a:pathLst>
+          </a:custGeom>
+          <a:noFill/>
+          <a:ln>
+            <a:solidFill>
+              <a:srgbClr val="00B050"/>
+            </a:solidFill>
+            <a:prstDash val="sysDash"/>
+            <a:headEnd type="triangle" w="lg" len="med"/>
+            <a:tailEnd type="none" w="lg" len="med"/>
+          </a:ln>
+        </p:spPr>
+        <p:style>
+          <a:lnRef idx="2">
+            <a:schemeClr val="accent1">
+              <a:shade val="50000"/>
+            </a:schemeClr>
+          </a:lnRef>
+          <a:fillRef idx="1">
+            <a:schemeClr val="accent1"/>
+          </a:fillRef>
+          <a:effectRef idx="0">
+            <a:schemeClr val="accent1"/>
+          </a:effectRef>
+          <a:fontRef idx="minor">
+            <a:schemeClr val="lt1"/>
+          </a:fontRef>
+        </p:style>
+        <p:txBody>
+          <a:bodyPr rtlCol="0" anchor="ctr"/>
+          <a:lstStyle/>
+          <a:p>
+            <a:pPr algn="ctr"/>
+            <a:endParaRPr lang="pt-BR"/>
+          </a:p>
+        </p:txBody>
+      </p:sp>
+      <p:sp>
+        <p:nvSpPr>
+          <p:cNvPr id="41" name="Forma livre 40"/>
+          <p:cNvSpPr/>
           <p:nvPr/>
         </p:nvSpPr>
         <p:spPr>
           <a:xfrm>
-            <a:off x="5796136" y="5569495"/>
-            <a:ext cx="1368152" cy="276999"/>
-          </a:xfrm>
-          <a:prstGeom prst="rect">
-            <a:avLst/>
-          </a:prstGeom>
+            <a:off x="6774180" y="1379220"/>
+            <a:ext cx="1207227" cy="4198620"/>
+          </a:xfrm>
+          <a:custGeom>
+            <a:avLst/>
+            <a:gdLst>
+              <a:gd name="connsiteX0" fmla="*/ 53340 w 1207227"/>
+              <a:gd name="connsiteY0" fmla="*/ 0 h 4198620"/>
+              <a:gd name="connsiteX1" fmla="*/ 899160 w 1207227"/>
+              <a:gd name="connsiteY1" fmla="*/ 609600 h 4198620"/>
+              <a:gd name="connsiteX2" fmla="*/ 1203960 w 1207227"/>
+              <a:gd name="connsiteY2" fmla="*/ 2994660 h 4198620"/>
+              <a:gd name="connsiteX3" fmla="*/ 739140 w 1207227"/>
+              <a:gd name="connsiteY3" fmla="*/ 3970020 h 4198620"/>
+              <a:gd name="connsiteX4" fmla="*/ 0 w 1207227"/>
+              <a:gd name="connsiteY4" fmla="*/ 4198620 h 4198620"/>
+            </a:gdLst>
+            <a:ahLst/>
+            <a:cxnLst>
+              <a:cxn ang="0">
+                <a:pos x="connsiteX0" y="connsiteY0"/>
+              </a:cxn>
+              <a:cxn ang="0">
+                <a:pos x="connsiteX1" y="connsiteY1"/>
+              </a:cxn>
+              <a:cxn ang="0">
+                <a:pos x="connsiteX2" y="connsiteY2"/>
+              </a:cxn>
+              <a:cxn ang="0">
+                <a:pos x="connsiteX3" y="connsiteY3"/>
+              </a:cxn>
+              <a:cxn ang="0">
+                <a:pos x="connsiteX4" y="connsiteY4"/>
+              </a:cxn>
+            </a:cxnLst>
+            <a:rect l="l" t="t" r="r" b="b"/>
+            <a:pathLst>
+              <a:path w="1207227" h="4198620">
+                <a:moveTo>
+                  <a:pt x="53340" y="0"/>
+                </a:moveTo>
+                <a:cubicBezTo>
+                  <a:pt x="380365" y="55245"/>
+                  <a:pt x="707390" y="110490"/>
+                  <a:pt x="899160" y="609600"/>
+                </a:cubicBezTo>
+                <a:cubicBezTo>
+                  <a:pt x="1090930" y="1108710"/>
+                  <a:pt x="1230630" y="2434590"/>
+                  <a:pt x="1203960" y="2994660"/>
+                </a:cubicBezTo>
+                <a:cubicBezTo>
+                  <a:pt x="1177290" y="3554730"/>
+                  <a:pt x="939800" y="3769360"/>
+                  <a:pt x="739140" y="3970020"/>
+                </a:cubicBezTo>
+                <a:cubicBezTo>
+                  <a:pt x="538480" y="4170680"/>
+                  <a:pt x="133350" y="4156710"/>
+                  <a:pt x="0" y="4198620"/>
+                </a:cubicBezTo>
+              </a:path>
+            </a:pathLst>
+          </a:custGeom>
           <a:noFill/>
-        </p:spPr>
-        <p:txBody>
-          <a:bodyPr wrap="square" rtlCol="0">
-            <a:spAutoFit/>
-          </a:bodyPr>
+          <a:ln>
+            <a:solidFill>
+              <a:srgbClr val="00B050"/>
+            </a:solidFill>
+            <a:prstDash val="sysDash"/>
+            <a:headEnd type="none" w="med" len="med"/>
+            <a:tailEnd type="triangle" w="lg" len="med"/>
+          </a:ln>
+        </p:spPr>
+        <p:style>
+          <a:lnRef idx="2">
+            <a:schemeClr val="accent1">
+              <a:shade val="50000"/>
+            </a:schemeClr>
+          </a:lnRef>
+          <a:fillRef idx="1">
+            <a:schemeClr val="accent1"/>
+          </a:fillRef>
+          <a:effectRef idx="0">
+            <a:schemeClr val="accent1"/>
+          </a:effectRef>
+          <a:fontRef idx="minor">
+            <a:schemeClr val="lt1"/>
+          </a:fontRef>
+        </p:style>
+        <p:txBody>
+          <a:bodyPr rtlCol="0" anchor="ctr"/>
           <a:lstStyle/>
           <a:p>
             <a:pPr algn="ctr"/>
-            <a:r>
-              <a:rPr lang="pt-BR" sz="1200" b="1" dirty="0" smtClean="0"/>
-              <a:t>Fera</a:t>
-            </a:r>
-            <a:endParaRPr lang="pt-BR" sz="1200" b="1" dirty="0"/>
-          </a:p>
-        </p:txBody>
-      </p:sp>
-      <p:sp>
-        <p:nvSpPr>
-          <p:cNvPr id="141" name="CaixaDeTexto 140"/>
-          <p:cNvSpPr txBox="1"/>
+            <a:endParaRPr lang="pt-BR"/>
+          </a:p>
+        </p:txBody>
+      </p:sp>
+      <p:sp>
+        <p:nvSpPr>
+          <p:cNvPr id="44" name="Forma livre 43"/>
+          <p:cNvSpPr/>
           <p:nvPr/>
         </p:nvSpPr>
         <p:spPr>
           <a:xfrm>
-            <a:off x="1331640" y="4653136"/>
-            <a:ext cx="1368152" cy="276999"/>
-          </a:xfrm>
-          <a:prstGeom prst="rect">
-            <a:avLst/>
-          </a:prstGeom>
+            <a:off x="6728460" y="1284123"/>
+            <a:ext cx="1358812" cy="4400398"/>
+          </a:xfrm>
+          <a:custGeom>
+            <a:avLst/>
+            <a:gdLst>
+              <a:gd name="connsiteX0" fmla="*/ 68580 w 1489588"/>
+              <a:gd name="connsiteY0" fmla="*/ 104328 h 4485828"/>
+              <a:gd name="connsiteX1" fmla="*/ 1196340 w 1489588"/>
+              <a:gd name="connsiteY1" fmla="*/ 363408 h 4485828"/>
+              <a:gd name="connsiteX2" fmla="*/ 1478280 w 1489588"/>
+              <a:gd name="connsiteY2" fmla="*/ 3083748 h 4485828"/>
+              <a:gd name="connsiteX3" fmla="*/ 922020 w 1489588"/>
+              <a:gd name="connsiteY3" fmla="*/ 4302948 h 4485828"/>
+              <a:gd name="connsiteX4" fmla="*/ 0 w 1489588"/>
+              <a:gd name="connsiteY4" fmla="*/ 4485828 h 4485828"/>
+              <a:gd name="connsiteX0" fmla="*/ 68580 w 1487750"/>
+              <a:gd name="connsiteY0" fmla="*/ 31217 h 4412717"/>
+              <a:gd name="connsiteX1" fmla="*/ 1181100 w 1487750"/>
+              <a:gd name="connsiteY1" fmla="*/ 633197 h 4412717"/>
+              <a:gd name="connsiteX2" fmla="*/ 1478280 w 1487750"/>
+              <a:gd name="connsiteY2" fmla="*/ 3010637 h 4412717"/>
+              <a:gd name="connsiteX3" fmla="*/ 922020 w 1487750"/>
+              <a:gd name="connsiteY3" fmla="*/ 4229837 h 4412717"/>
+              <a:gd name="connsiteX4" fmla="*/ 0 w 1487750"/>
+              <a:gd name="connsiteY4" fmla="*/ 4412717 h 4412717"/>
+              <a:gd name="connsiteX0" fmla="*/ 68580 w 1495009"/>
+              <a:gd name="connsiteY0" fmla="*/ 32949 h 4414449"/>
+              <a:gd name="connsiteX1" fmla="*/ 1181100 w 1495009"/>
+              <a:gd name="connsiteY1" fmla="*/ 634929 h 4414449"/>
+              <a:gd name="connsiteX2" fmla="*/ 1485900 w 1495009"/>
+              <a:gd name="connsiteY2" fmla="*/ 3141909 h 4414449"/>
+              <a:gd name="connsiteX3" fmla="*/ 922020 w 1495009"/>
+              <a:gd name="connsiteY3" fmla="*/ 4231569 h 4414449"/>
+              <a:gd name="connsiteX4" fmla="*/ 0 w 1495009"/>
+              <a:gd name="connsiteY4" fmla="*/ 4414449 h 4414449"/>
+              <a:gd name="connsiteX0" fmla="*/ 68580 w 1501777"/>
+              <a:gd name="connsiteY0" fmla="*/ 32949 h 4414449"/>
+              <a:gd name="connsiteX1" fmla="*/ 1181100 w 1501777"/>
+              <a:gd name="connsiteY1" fmla="*/ 634929 h 4414449"/>
+              <a:gd name="connsiteX2" fmla="*/ 1485900 w 1501777"/>
+              <a:gd name="connsiteY2" fmla="*/ 3141909 h 4414449"/>
+              <a:gd name="connsiteX3" fmla="*/ 800100 w 1501777"/>
+              <a:gd name="connsiteY3" fmla="*/ 4201089 h 4414449"/>
+              <a:gd name="connsiteX4" fmla="*/ 0 w 1501777"/>
+              <a:gd name="connsiteY4" fmla="*/ 4414449 h 4414449"/>
+              <a:gd name="connsiteX0" fmla="*/ 68580 w 1380985"/>
+              <a:gd name="connsiteY0" fmla="*/ 34606 h 4416106"/>
+              <a:gd name="connsiteX1" fmla="*/ 1181100 w 1380985"/>
+              <a:gd name="connsiteY1" fmla="*/ 636586 h 4416106"/>
+              <a:gd name="connsiteX2" fmla="*/ 1348740 w 1380985"/>
+              <a:gd name="connsiteY2" fmla="*/ 3257866 h 4416106"/>
+              <a:gd name="connsiteX3" fmla="*/ 800100 w 1380985"/>
+              <a:gd name="connsiteY3" fmla="*/ 4202746 h 4416106"/>
+              <a:gd name="connsiteX4" fmla="*/ 0 w 1380985"/>
+              <a:gd name="connsiteY4" fmla="*/ 4416106 h 4416106"/>
+              <a:gd name="connsiteX0" fmla="*/ 68580 w 1362222"/>
+              <a:gd name="connsiteY0" fmla="*/ 26379 h 4407879"/>
+              <a:gd name="connsiteX1" fmla="*/ 1097280 w 1362222"/>
+              <a:gd name="connsiteY1" fmla="*/ 735039 h 4407879"/>
+              <a:gd name="connsiteX2" fmla="*/ 1348740 w 1362222"/>
+              <a:gd name="connsiteY2" fmla="*/ 3249639 h 4407879"/>
+              <a:gd name="connsiteX3" fmla="*/ 800100 w 1362222"/>
+              <a:gd name="connsiteY3" fmla="*/ 4194519 h 4407879"/>
+              <a:gd name="connsiteX4" fmla="*/ 0 w 1362222"/>
+              <a:gd name="connsiteY4" fmla="*/ 4407879 h 4407879"/>
+              <a:gd name="connsiteX0" fmla="*/ 68580 w 1358812"/>
+              <a:gd name="connsiteY0" fmla="*/ 18898 h 4400398"/>
+              <a:gd name="connsiteX1" fmla="*/ 1097280 w 1358812"/>
+              <a:gd name="connsiteY1" fmla="*/ 727558 h 4400398"/>
+              <a:gd name="connsiteX2" fmla="*/ 1348740 w 1358812"/>
+              <a:gd name="connsiteY2" fmla="*/ 3242158 h 4400398"/>
+              <a:gd name="connsiteX3" fmla="*/ 800100 w 1358812"/>
+              <a:gd name="connsiteY3" fmla="*/ 4187038 h 4400398"/>
+              <a:gd name="connsiteX4" fmla="*/ 0 w 1358812"/>
+              <a:gd name="connsiteY4" fmla="*/ 4400398 h 4400398"/>
+            </a:gdLst>
+            <a:ahLst/>
+            <a:cxnLst>
+              <a:cxn ang="0">
+                <a:pos x="connsiteX0" y="connsiteY0"/>
+              </a:cxn>
+              <a:cxn ang="0">
+                <a:pos x="connsiteX1" y="connsiteY1"/>
+              </a:cxn>
+              <a:cxn ang="0">
+                <a:pos x="connsiteX2" y="connsiteY2"/>
+              </a:cxn>
+              <a:cxn ang="0">
+                <a:pos x="connsiteX3" y="connsiteY3"/>
+              </a:cxn>
+              <a:cxn ang="0">
+                <a:pos x="connsiteX4" y="connsiteY4"/>
+              </a:cxn>
+            </a:cxnLst>
+            <a:rect l="l" t="t" r="r" b="b"/>
+            <a:pathLst>
+              <a:path w="1358812" h="4400398">
+                <a:moveTo>
+                  <a:pt x="68580" y="18898"/>
+                </a:moveTo>
+                <a:cubicBezTo>
+                  <a:pt x="514985" y="-99847"/>
+                  <a:pt x="937260" y="365608"/>
+                  <a:pt x="1097280" y="727558"/>
+                </a:cubicBezTo>
+                <a:cubicBezTo>
+                  <a:pt x="1257300" y="1089508"/>
+                  <a:pt x="1398270" y="2665578"/>
+                  <a:pt x="1348740" y="3242158"/>
+                </a:cubicBezTo>
+                <a:cubicBezTo>
+                  <a:pt x="1299210" y="3818738"/>
+                  <a:pt x="1024890" y="3993998"/>
+                  <a:pt x="800100" y="4187038"/>
+                </a:cubicBezTo>
+                <a:cubicBezTo>
+                  <a:pt x="575310" y="4380078"/>
+                  <a:pt x="151130" y="4371188"/>
+                  <a:pt x="0" y="4400398"/>
+                </a:cubicBezTo>
+              </a:path>
+            </a:pathLst>
+          </a:custGeom>
           <a:noFill/>
-        </p:spPr>
-        <p:txBody>
-          <a:bodyPr wrap="square" rtlCol="0">
-            <a:spAutoFit/>
-          </a:bodyPr>
+          <a:ln>
+            <a:solidFill>
+              <a:srgbClr val="FF0000"/>
+            </a:solidFill>
+            <a:prstDash val="sysDash"/>
+            <a:headEnd type="triangle" w="lg" len="med"/>
+            <a:tailEnd type="none" w="lg" len="med"/>
+          </a:ln>
+        </p:spPr>
+        <p:style>
+          <a:lnRef idx="2">
+            <a:schemeClr val="accent1">
+              <a:shade val="50000"/>
+            </a:schemeClr>
+          </a:lnRef>
+          <a:fillRef idx="1">
+            <a:schemeClr val="accent1"/>
+          </a:fillRef>
+          <a:effectRef idx="0">
+            <a:schemeClr val="accent1"/>
+          </a:effectRef>
+          <a:fontRef idx="minor">
+            <a:schemeClr val="lt1"/>
+          </a:fontRef>
+        </p:style>
+        <p:txBody>
+          <a:bodyPr rtlCol="0" anchor="ctr"/>
           <a:lstStyle/>
           <a:p>
             <a:pPr algn="ctr"/>
-            <a:r>
-              <a:rPr lang="pt-BR" sz="1200" b="1" dirty="0" smtClean="0"/>
-              <a:t>Ciclope</a:t>
-            </a:r>
-            <a:endParaRPr lang="pt-BR" sz="1200" b="1" dirty="0"/>
-          </a:p>
-        </p:txBody>
-      </p:sp>
-      <p:pic>
-        <p:nvPicPr>
-          <p:cNvPr id="87" name="Picture 8" descr="http://icons.iconarchive.com/icons/icons-land/vista-hardware-devices/128/Portable-Computer-icon.png"/>
-          <p:cNvPicPr>
-            <a:picLocks noChangeAspect="1" noChangeArrowheads="1"/>
-          </p:cNvPicPr>
-          <p:nvPr/>
-        </p:nvPicPr>
-        <p:blipFill>
-          <a:blip r:embed="rId4" cstate="print"/>
-          <a:srcRect/>
-          <a:stretch>
-            <a:fillRect/>
-          </a:stretch>
-        </p:blipFill>
-        <p:spPr bwMode="auto">
-          <a:xfrm>
-            <a:off x="2555776" y="2996952"/>
-            <a:ext cx="504055" cy="504056"/>
-          </a:xfrm>
-          <a:prstGeom prst="rect">
-            <a:avLst/>
-          </a:prstGeom>
-          <a:noFill/>
-        </p:spPr>
-      </p:pic>
-      <p:sp>
-        <p:nvSpPr>
-          <p:cNvPr id="142" name="CaixaDeTexto 141"/>
-          <p:cNvSpPr txBox="1"/>
-          <p:nvPr/>
-        </p:nvSpPr>
-        <p:spPr>
-          <a:xfrm>
-            <a:off x="2051720" y="3429000"/>
-            <a:ext cx="1512168" cy="276999"/>
-          </a:xfrm>
-          <a:prstGeom prst="rect">
-            <a:avLst/>
-          </a:prstGeom>
-          <a:noFill/>
-        </p:spPr>
-        <p:txBody>
-          <a:bodyPr wrap="square" rtlCol="0">
-            <a:spAutoFit/>
-          </a:bodyPr>
-          <a:lstStyle/>
-          <a:p>
-            <a:pPr algn="ctr"/>
-            <a:r>
-              <a:rPr lang="pt-BR" sz="1200" b="1" dirty="0" smtClean="0"/>
-              <a:t>Professor Xavier</a:t>
-            </a:r>
-            <a:endParaRPr lang="pt-BR" sz="1200" b="1" dirty="0"/>
-          </a:p>
-        </p:txBody>
-      </p:sp>
-      <p:sp>
-        <p:nvSpPr>
-          <p:cNvPr id="143" name="CaixaDeTexto 142"/>
-          <p:cNvSpPr txBox="1"/>
-          <p:nvPr/>
-        </p:nvSpPr>
-        <p:spPr>
-          <a:xfrm>
-            <a:off x="6804248" y="4509120"/>
-            <a:ext cx="1368152" cy="276999"/>
-          </a:xfrm>
-          <a:prstGeom prst="rect">
-            <a:avLst/>
-          </a:prstGeom>
-          <a:noFill/>
-        </p:spPr>
-        <p:txBody>
-          <a:bodyPr wrap="square" rtlCol="0">
-            <a:spAutoFit/>
-          </a:bodyPr>
-          <a:lstStyle/>
-          <a:p>
-            <a:pPr algn="ctr"/>
-            <a:r>
-              <a:rPr lang="pt-BR" sz="1200" b="1" dirty="0" smtClean="0"/>
-              <a:t>Noturno</a:t>
-            </a:r>
-            <a:endParaRPr lang="pt-BR" sz="1200" b="1" dirty="0"/>
-          </a:p>
-        </p:txBody>
-      </p:sp>
-      <p:sp>
-        <p:nvSpPr>
-          <p:cNvPr id="144" name="CaixaDeTexto 143"/>
-          <p:cNvSpPr txBox="1"/>
-          <p:nvPr/>
-        </p:nvSpPr>
-        <p:spPr>
-          <a:xfrm>
-            <a:off x="3707904" y="3356992"/>
-            <a:ext cx="1368152" cy="276999"/>
-          </a:xfrm>
-          <a:prstGeom prst="rect">
-            <a:avLst/>
-          </a:prstGeom>
-          <a:noFill/>
-        </p:spPr>
-        <p:txBody>
-          <a:bodyPr wrap="square" rtlCol="0">
-            <a:spAutoFit/>
-          </a:bodyPr>
-          <a:lstStyle/>
-          <a:p>
-            <a:pPr algn="ctr"/>
-            <a:r>
-              <a:rPr lang="pt-BR" sz="1200" b="1" dirty="0" smtClean="0"/>
-              <a:t>Tempestade</a:t>
-            </a:r>
-            <a:endParaRPr lang="pt-BR" sz="1200" b="1" dirty="0"/>
-          </a:p>
-        </p:txBody>
-      </p:sp>
-      <p:sp>
-        <p:nvSpPr>
-          <p:cNvPr id="145" name="CaixaDeTexto 144"/>
-          <p:cNvSpPr txBox="1"/>
-          <p:nvPr/>
-        </p:nvSpPr>
-        <p:spPr>
-          <a:xfrm>
-            <a:off x="5796136" y="3284984"/>
-            <a:ext cx="1368152" cy="276999"/>
-          </a:xfrm>
-          <a:prstGeom prst="rect">
-            <a:avLst/>
-          </a:prstGeom>
-          <a:noFill/>
-        </p:spPr>
-        <p:txBody>
-          <a:bodyPr wrap="square" rtlCol="0">
-            <a:spAutoFit/>
-          </a:bodyPr>
-          <a:lstStyle/>
-          <a:p>
-            <a:pPr algn="ctr"/>
-            <a:r>
-              <a:rPr lang="pt-BR" sz="1200" b="1" dirty="0" err="1" smtClean="0"/>
-              <a:t>Gambit</a:t>
-            </a:r>
-            <a:endParaRPr lang="pt-BR" sz="1200" b="1" dirty="0"/>
-          </a:p>
-        </p:txBody>
-      </p:sp>
-      <p:sp>
-        <p:nvSpPr>
-          <p:cNvPr id="146" name="CaixaDeTexto 145"/>
-          <p:cNvSpPr txBox="1"/>
-          <p:nvPr/>
-        </p:nvSpPr>
-        <p:spPr>
-          <a:xfrm>
-            <a:off x="5796136" y="4509120"/>
-            <a:ext cx="1368152" cy="276999"/>
-          </a:xfrm>
-          <a:prstGeom prst="rect">
-            <a:avLst/>
-          </a:prstGeom>
-          <a:noFill/>
-        </p:spPr>
-        <p:txBody>
-          <a:bodyPr wrap="square" rtlCol="0">
-            <a:spAutoFit/>
-          </a:bodyPr>
-          <a:lstStyle/>
-          <a:p>
-            <a:pPr algn="ctr"/>
-            <a:r>
-              <a:rPr lang="pt-BR" sz="1200" b="1" dirty="0" smtClean="0"/>
-              <a:t>Vampira</a:t>
-            </a:r>
-            <a:endParaRPr lang="pt-BR" sz="1200" b="1" dirty="0"/>
-          </a:p>
-        </p:txBody>
-      </p:sp>
-      <p:sp>
-        <p:nvSpPr>
-          <p:cNvPr id="147" name="CaixaDeTexto 146"/>
-          <p:cNvSpPr txBox="1"/>
-          <p:nvPr/>
-        </p:nvSpPr>
-        <p:spPr>
-          <a:xfrm>
-            <a:off x="2123728" y="4653136"/>
-            <a:ext cx="1368152" cy="276999"/>
-          </a:xfrm>
-          <a:prstGeom prst="rect">
-            <a:avLst/>
-          </a:prstGeom>
-          <a:noFill/>
-        </p:spPr>
-        <p:txBody>
-          <a:bodyPr wrap="square" rtlCol="0">
-            <a:spAutoFit/>
-          </a:bodyPr>
-          <a:lstStyle/>
-          <a:p>
-            <a:pPr algn="ctr"/>
-            <a:r>
-              <a:rPr lang="pt-BR" sz="1200" b="1" dirty="0" smtClean="0"/>
-              <a:t>Jean Gray</a:t>
-            </a:r>
-            <a:endParaRPr lang="pt-BR" sz="1200" b="1" dirty="0"/>
-          </a:p>
-        </p:txBody>
-      </p:sp>
-      <p:sp>
-        <p:nvSpPr>
-          <p:cNvPr id="148" name="CaixaDeTexto 147"/>
-          <p:cNvSpPr txBox="1"/>
-          <p:nvPr/>
-        </p:nvSpPr>
-        <p:spPr>
-          <a:xfrm>
-            <a:off x="2987824" y="4653136"/>
-            <a:ext cx="1368152" cy="276999"/>
-          </a:xfrm>
-          <a:prstGeom prst="rect">
-            <a:avLst/>
-          </a:prstGeom>
-          <a:noFill/>
-        </p:spPr>
-        <p:txBody>
-          <a:bodyPr wrap="square" rtlCol="0">
-            <a:spAutoFit/>
-          </a:bodyPr>
-          <a:lstStyle/>
-          <a:p>
-            <a:pPr algn="ctr"/>
-            <a:r>
-              <a:rPr lang="pt-BR" sz="1200" b="1" dirty="0" smtClean="0"/>
-              <a:t>Mística</a:t>
-            </a:r>
-            <a:endParaRPr lang="pt-BR" sz="1200" b="1" dirty="0"/>
+            <a:endParaRPr lang="pt-BR"/>
           </a:p>
         </p:txBody>
       </p:sp>
